--- a/Maquettageajoutadmin.pptx
+++ b/Maquettageajoutadmin.pptx
@@ -2,12 +2,12 @@
 <file path=ppt/presentation.xml><?xml version="1.0" encoding="utf-8"?>
 <p:presentation xmlns:a="http://schemas.openxmlformats.org/drawingml/2006/main" xmlns:r="http://schemas.openxmlformats.org/officeDocument/2006/relationships" xmlns:p="http://schemas.openxmlformats.org/presentationml/2006/main" saveSubsetFonts="1">
   <p:sldMasterIdLst>
-    <p:sldMasterId id="2147483660" r:id="rId118"/>
+    <p:sldMasterId id="2147483660" r:id="rId124"/>
   </p:sldMasterIdLst>
   <p:sldIdLst>
-    <p:sldId id="256" r:id="rId119"/>
-    <p:sldId id="257" r:id="rId120"/>
-    <p:sldId id="258" r:id="rId121"/>
+    <p:sldId id="256" r:id="rId125"/>
+    <p:sldId id="257" r:id="rId126"/>
+    <p:sldId id="258" r:id="rId127"/>
   </p:sldIdLst>
   <p:sldSz cx="12192000" cy="6858000"/>
   <p:notesSz cx="6858000" cy="9144000"/>
@@ -4763,6 +4763,1497 @@
 </p:sldLayout>
 </file>
 
+<file path=ppt/slideLayouts/slideLayout5.xml><?xml version="1.0" encoding="utf-8"?>
+<p:sldLayout xmlns:a="http://schemas.openxmlformats.org/drawingml/2006/main" xmlns:r="http://schemas.openxmlformats.org/officeDocument/2006/relationships" xmlns:p="http://schemas.openxmlformats.org/presentationml/2006/main" preserve="1" userDrawn="1">
+  <p:cSld name="1_Disposition personnalisée">
+    <p:spTree>
+      <p:nvGrpSpPr>
+        <p:cNvPr id="1" name=""/>
+        <p:cNvGrpSpPr/>
+        <p:nvPr/>
+      </p:nvGrpSpPr>
+      <p:grpSpPr>
+        <a:xfrm>
+          <a:off x="0" y="0"/>
+          <a:ext cx="0" cy="0"/>
+          <a:chOff x="0" y="0"/>
+          <a:chExt cx="0" cy="0"/>
+        </a:xfrm>
+      </p:grpSpPr>
+    </p:spTree>
+    <p:extLst>
+      <p:ext uri="{BB962C8B-B14F-4D97-AF65-F5344CB8AC3E}">
+        <p14:creationId xmlns:p14="http://schemas.microsoft.com/office/powerpoint/2010/main" val="1778610875"/>
+      </p:ext>
+    </p:extLst>
+  </p:cSld>
+  <p:clrMapOvr>
+    <a:masterClrMapping/>
+  </p:clrMapOvr>
+</p:sldLayout>
+</file>
+
+<file path=ppt/slideLayouts/slideLayout6.xml><?xml version="1.0" encoding="utf-8"?>
+<p:sldLayout xmlns:a="http://schemas.openxmlformats.org/drawingml/2006/main" xmlns:r="http://schemas.openxmlformats.org/officeDocument/2006/relationships" xmlns:p="http://schemas.openxmlformats.org/presentationml/2006/main" preserve="1" userDrawn="1">
+  <p:cSld name="2_Disposition personnalisée">
+    <p:spTree>
+      <p:nvGrpSpPr>
+        <p:cNvPr id="1" name=""/>
+        <p:cNvGrpSpPr/>
+        <p:nvPr/>
+      </p:nvGrpSpPr>
+      <p:grpSpPr>
+        <a:xfrm>
+          <a:off x="0" y="0"/>
+          <a:ext cx="0" cy="0"/>
+          <a:chOff x="0" y="0"/>
+          <a:chExt cx="0" cy="0"/>
+        </a:xfrm>
+      </p:grpSpPr>
+      <p:graphicFrame>
+        <p:nvGraphicFramePr>
+          <p:cNvPr id="4" name="Table">
+            <a:extLst>
+              <a:ext uri="{FF2B5EF4-FFF2-40B4-BE49-F238E27FC236}">
+                <a16:creationId xmlns:a16="http://schemas.microsoft.com/office/drawing/2014/main" id="{9CF8522B-A29E-4629-85D4-E2BFB4272C4B}"/>
+              </a:ext>
+            </a:extLst>
+          </p:cNvPr>
+          <p:cNvGraphicFramePr>
+            <a:graphicFrameLocks noGrp="1"/>
+          </p:cNvGraphicFramePr>
+          <p:nvPr userDrawn="1">
+            <p:custDataLst>
+              <p:custData r:id="rId1"/>
+            </p:custDataLst>
+            <p:extLst>
+              <p:ext uri="{D42A27DB-BD31-4B8C-83A1-F6EECF244321}">
+                <p14:modId xmlns:p14="http://schemas.microsoft.com/office/powerpoint/2010/main" val="415351394"/>
+              </p:ext>
+            </p:extLst>
+          </p:nvPr>
+        </p:nvGraphicFramePr>
+        <p:xfrm>
+          <a:off x="814070" y="2644520"/>
+          <a:ext cx="10513059" cy="4762120"/>
+        </p:xfrm>
+        <a:graphic>
+          <a:graphicData uri="http://schemas.openxmlformats.org/drawingml/2006/table">
+            <a:tbl>
+              <a:tblPr firstRow="1" bandRow="1">
+                <a:tableStyleId>{8EC20E35-A176-4012-BC5E-935CFFF8708E}</a:tableStyleId>
+              </a:tblPr>
+              <a:tblGrid>
+                <a:gridCol w="3700780">
+                  <a:extLst>
+                    <a:ext uri="{9D8B030D-6E8A-4147-A177-3AD203B41FA5}">
+                      <a16:colId xmlns:a16="http://schemas.microsoft.com/office/drawing/2014/main" val="20000"/>
+                    </a:ext>
+                  </a:extLst>
+                </a:gridCol>
+                <a:gridCol w="5497830">
+                  <a:extLst>
+                    <a:ext uri="{9D8B030D-6E8A-4147-A177-3AD203B41FA5}">
+                      <a16:colId xmlns:a16="http://schemas.microsoft.com/office/drawing/2014/main" val="20001"/>
+                    </a:ext>
+                  </a:extLst>
+                </a:gridCol>
+                <a:gridCol w="1314449">
+                  <a:extLst>
+                    <a:ext uri="{9D8B030D-6E8A-4147-A177-3AD203B41FA5}">
+                      <a16:colId xmlns:a16="http://schemas.microsoft.com/office/drawing/2014/main" val="20002"/>
+                    </a:ext>
+                  </a:extLst>
+                </a:gridCol>
+              </a:tblGrid>
+              <a:tr h="595265">
+                <a:tc>
+                  <a:txBody>
+                    <a:bodyPr/>
+                    <a:lstStyle/>
+                    <a:p>
+                      <a:r>
+                        <a:rPr lang="en-US" sz="1100" dirty="0">
+                          <a:solidFill>
+                            <a:srgbClr val="000000"/>
+                          </a:solidFill>
+                        </a:rPr>
+                        <a:t>Nom du sondage</a:t>
+                      </a:r>
+                    </a:p>
+                  </a:txBody>
+                  <a:tcPr marL="56960" marR="56960" marT="0" marB="28480">
+                    <a:lnL w="3175" cap="flat" cmpd="sng" algn="ctr">
+                      <a:solidFill>
+                        <a:srgbClr val="FFFFFF">
+                          <a:lumMod val="50000"/>
+                        </a:srgbClr>
+                      </a:solidFill>
+                      <a:prstDash val="solid"/>
+                      <a:round/>
+                      <a:headEnd type="none" w="med" len="med"/>
+                      <a:tailEnd type="none" w="med" len="med"/>
+                    </a:lnL>
+                    <a:lnR w="3175" cap="flat" cmpd="sng" algn="ctr">
+                      <a:solidFill>
+                        <a:srgbClr val="FFFFFF">
+                          <a:lumMod val="50000"/>
+                        </a:srgbClr>
+                      </a:solidFill>
+                      <a:prstDash val="solid"/>
+                      <a:round/>
+                      <a:headEnd type="none" w="med" len="med"/>
+                      <a:tailEnd type="none" w="med" len="med"/>
+                    </a:lnR>
+                    <a:lnT w="3175" cap="flat" cmpd="sng" algn="ctr">
+                      <a:solidFill>
+                        <a:srgbClr val="FFFFFF">
+                          <a:lumMod val="50000"/>
+                        </a:srgbClr>
+                      </a:solidFill>
+                      <a:prstDash val="solid"/>
+                      <a:round/>
+                      <a:headEnd type="none" w="med" len="med"/>
+                      <a:tailEnd type="none" w="med" len="med"/>
+                    </a:lnT>
+                    <a:lnB w="3175" cap="flat" cmpd="sng" algn="ctr">
+                      <a:solidFill>
+                        <a:srgbClr val="FFFFFF">
+                          <a:lumMod val="50000"/>
+                        </a:srgbClr>
+                      </a:solidFill>
+                      <a:prstDash val="solid"/>
+                      <a:round/>
+                      <a:headEnd type="none" w="med" len="med"/>
+                      <a:tailEnd type="none" w="med" len="med"/>
+                    </a:lnB>
+                    <a:solidFill>
+                      <a:srgbClr val="FFFFFF">
+                        <a:lumMod val="75000"/>
+                      </a:srgbClr>
+                    </a:solidFill>
+                  </a:tcPr>
+                </a:tc>
+                <a:tc>
+                  <a:txBody>
+                    <a:bodyPr/>
+                    <a:lstStyle/>
+                    <a:p>
+                      <a:r>
+                        <a:rPr lang="en-US" sz="1100" dirty="0">
+                          <a:solidFill>
+                            <a:srgbClr val="000000"/>
+                          </a:solidFill>
+                        </a:rPr>
+                        <a:t>Note</a:t>
+                      </a:r>
+                    </a:p>
+                  </a:txBody>
+                  <a:tcPr marL="56960" marR="56960" marT="0" marB="28480">
+                    <a:lnL w="3175" cap="flat" cmpd="sng" algn="ctr">
+                      <a:solidFill>
+                        <a:srgbClr val="FFFFFF">
+                          <a:lumMod val="50000"/>
+                        </a:srgbClr>
+                      </a:solidFill>
+                      <a:prstDash val="solid"/>
+                      <a:round/>
+                      <a:headEnd type="none" w="med" len="med"/>
+                      <a:tailEnd type="none" w="med" len="med"/>
+                    </a:lnL>
+                    <a:lnR w="3175" cap="flat" cmpd="sng" algn="ctr">
+                      <a:solidFill>
+                        <a:srgbClr val="FFFFFF">
+                          <a:lumMod val="50000"/>
+                        </a:srgbClr>
+                      </a:solidFill>
+                      <a:prstDash val="solid"/>
+                      <a:round/>
+                      <a:headEnd type="none" w="med" len="med"/>
+                      <a:tailEnd type="none" w="med" len="med"/>
+                    </a:lnR>
+                    <a:lnT w="3175" cap="flat" cmpd="sng" algn="ctr">
+                      <a:solidFill>
+                        <a:srgbClr val="FFFFFF">
+                          <a:lumMod val="50000"/>
+                        </a:srgbClr>
+                      </a:solidFill>
+                      <a:prstDash val="solid"/>
+                      <a:round/>
+                      <a:headEnd type="none" w="med" len="med"/>
+                      <a:tailEnd type="none" w="med" len="med"/>
+                    </a:lnT>
+                    <a:lnB w="3175" cap="flat" cmpd="sng" algn="ctr">
+                      <a:solidFill>
+                        <a:srgbClr val="FFFFFF">
+                          <a:lumMod val="50000"/>
+                        </a:srgbClr>
+                      </a:solidFill>
+                      <a:prstDash val="solid"/>
+                      <a:round/>
+                      <a:headEnd type="none" w="med" len="med"/>
+                      <a:tailEnd type="none" w="med" len="med"/>
+                    </a:lnB>
+                    <a:solidFill>
+                      <a:srgbClr val="FFFFFF">
+                        <a:lumMod val="75000"/>
+                      </a:srgbClr>
+                    </a:solidFill>
+                  </a:tcPr>
+                </a:tc>
+                <a:tc>
+                  <a:txBody>
+                    <a:bodyPr/>
+                    <a:lstStyle/>
+                    <a:p>
+                      <a:r>
+                        <a:rPr lang="en-US" sz="1100" dirty="0">
+                          <a:solidFill>
+                            <a:srgbClr val="000000"/>
+                          </a:solidFill>
+                        </a:rPr>
+                        <a:t>Date de </a:t>
+                      </a:r>
+                      <a:r>
+                        <a:rPr lang="en-US" sz="1100" dirty="0" err="1">
+                          <a:solidFill>
+                            <a:srgbClr val="000000"/>
+                          </a:solidFill>
+                        </a:rPr>
+                        <a:t>soumission</a:t>
+                      </a:r>
+                      <a:r>
+                        <a:rPr lang="en-US" sz="1100" dirty="0">
+                          <a:solidFill>
+                            <a:srgbClr val="000000"/>
+                          </a:solidFill>
+                        </a:rPr>
+                        <a:t> du sondage</a:t>
+                      </a:r>
+                    </a:p>
+                  </a:txBody>
+                  <a:tcPr marL="56960" marR="56960" marT="0" marB="28480">
+                    <a:lnL w="3175" cap="flat" cmpd="sng" algn="ctr">
+                      <a:solidFill>
+                        <a:srgbClr val="FFFFFF">
+                          <a:lumMod val="50000"/>
+                        </a:srgbClr>
+                      </a:solidFill>
+                      <a:prstDash val="solid"/>
+                      <a:round/>
+                      <a:headEnd type="none" w="med" len="med"/>
+                      <a:tailEnd type="none" w="med" len="med"/>
+                    </a:lnL>
+                    <a:lnR w="3175" cap="flat" cmpd="sng" algn="ctr">
+                      <a:solidFill>
+                        <a:srgbClr val="FFFFFF">
+                          <a:lumMod val="50000"/>
+                        </a:srgbClr>
+                      </a:solidFill>
+                      <a:prstDash val="solid"/>
+                      <a:round/>
+                      <a:headEnd type="none" w="med" len="med"/>
+                      <a:tailEnd type="none" w="med" len="med"/>
+                    </a:lnR>
+                    <a:lnT w="3175" cap="flat" cmpd="sng" algn="ctr">
+                      <a:solidFill>
+                        <a:srgbClr val="FFFFFF">
+                          <a:lumMod val="50000"/>
+                        </a:srgbClr>
+                      </a:solidFill>
+                      <a:prstDash val="solid"/>
+                      <a:round/>
+                      <a:headEnd type="none" w="med" len="med"/>
+                      <a:tailEnd type="none" w="med" len="med"/>
+                    </a:lnT>
+                    <a:lnB w="3175" cap="flat" cmpd="sng" algn="ctr">
+                      <a:solidFill>
+                        <a:srgbClr val="FFFFFF">
+                          <a:lumMod val="50000"/>
+                        </a:srgbClr>
+                      </a:solidFill>
+                      <a:prstDash val="solid"/>
+                      <a:round/>
+                      <a:headEnd type="none" w="med" len="med"/>
+                      <a:tailEnd type="none" w="med" len="med"/>
+                    </a:lnB>
+                    <a:solidFill>
+                      <a:srgbClr val="FFFFFF">
+                        <a:lumMod val="75000"/>
+                      </a:srgbClr>
+                    </a:solidFill>
+                  </a:tcPr>
+                </a:tc>
+                <a:extLst>
+                  <a:ext uri="{0D108BD9-81ED-4DB2-BD59-A6C34878D82A}">
+                    <a16:rowId xmlns:a16="http://schemas.microsoft.com/office/drawing/2014/main" val="10000"/>
+                  </a:ext>
+                </a:extLst>
+              </a:tr>
+              <a:tr h="595265">
+                <a:tc>
+                  <a:txBody>
+                    <a:bodyPr/>
+                    <a:lstStyle/>
+                    <a:p>
+                      <a:endParaRPr lang="en-US" sz="1100" dirty="0">
+                        <a:solidFill>
+                          <a:srgbClr val="000000"/>
+                        </a:solidFill>
+                      </a:endParaRPr>
+                    </a:p>
+                  </a:txBody>
+                  <a:tcPr marL="56960" marR="56960" marT="0" marB="28480">
+                    <a:lnL w="3175" cap="flat" cmpd="sng" algn="ctr">
+                      <a:solidFill>
+                        <a:srgbClr val="FFFFFF">
+                          <a:lumMod val="50000"/>
+                        </a:srgbClr>
+                      </a:solidFill>
+                      <a:prstDash val="solid"/>
+                      <a:round/>
+                      <a:headEnd type="none" w="med" len="med"/>
+                      <a:tailEnd type="none" w="med" len="med"/>
+                    </a:lnL>
+                    <a:lnR w="3175" cap="flat" cmpd="sng" algn="ctr">
+                      <a:solidFill>
+                        <a:srgbClr val="FFFFFF">
+                          <a:lumMod val="50000"/>
+                        </a:srgbClr>
+                      </a:solidFill>
+                      <a:prstDash val="solid"/>
+                      <a:round/>
+                      <a:headEnd type="none" w="med" len="med"/>
+                      <a:tailEnd type="none" w="med" len="med"/>
+                    </a:lnR>
+                    <a:lnT w="3175" cap="flat" cmpd="sng" algn="ctr">
+                      <a:solidFill>
+                        <a:srgbClr val="FFFFFF">
+                          <a:lumMod val="50000"/>
+                        </a:srgbClr>
+                      </a:solidFill>
+                      <a:prstDash val="solid"/>
+                      <a:round/>
+                      <a:headEnd type="none" w="med" len="med"/>
+                      <a:tailEnd type="none" w="med" len="med"/>
+                    </a:lnT>
+                  </a:tcPr>
+                </a:tc>
+                <a:tc>
+                  <a:txBody>
+                    <a:bodyPr/>
+                    <a:lstStyle/>
+                    <a:p>
+                      <a:endParaRPr lang="en-US" sz="1100" dirty="0">
+                        <a:solidFill>
+                          <a:srgbClr val="000000"/>
+                        </a:solidFill>
+                      </a:endParaRPr>
+                    </a:p>
+                  </a:txBody>
+                  <a:tcPr marL="56960" marR="56960" marT="0" marB="28480">
+                    <a:lnL w="3175" cap="flat" cmpd="sng" algn="ctr">
+                      <a:solidFill>
+                        <a:srgbClr val="FFFFFF">
+                          <a:lumMod val="50000"/>
+                        </a:srgbClr>
+                      </a:solidFill>
+                      <a:prstDash val="solid"/>
+                      <a:round/>
+                      <a:headEnd type="none" w="med" len="med"/>
+                      <a:tailEnd type="none" w="med" len="med"/>
+                    </a:lnL>
+                    <a:lnR w="3175" cap="flat" cmpd="sng" algn="ctr">
+                      <a:solidFill>
+                        <a:srgbClr val="FFFFFF">
+                          <a:lumMod val="50000"/>
+                        </a:srgbClr>
+                      </a:solidFill>
+                      <a:prstDash val="solid"/>
+                      <a:round/>
+                      <a:headEnd type="none" w="med" len="med"/>
+                      <a:tailEnd type="none" w="med" len="med"/>
+                    </a:lnR>
+                    <a:lnT w="3175" cap="flat" cmpd="sng" algn="ctr">
+                      <a:solidFill>
+                        <a:srgbClr val="FFFFFF">
+                          <a:lumMod val="50000"/>
+                        </a:srgbClr>
+                      </a:solidFill>
+                      <a:prstDash val="solid"/>
+                      <a:round/>
+                      <a:headEnd type="none" w="med" len="med"/>
+                      <a:tailEnd type="none" w="med" len="med"/>
+                    </a:lnT>
+                  </a:tcPr>
+                </a:tc>
+                <a:tc>
+                  <a:txBody>
+                    <a:bodyPr/>
+                    <a:lstStyle/>
+                    <a:p>
+                      <a:endParaRPr lang="en-US" sz="1100" dirty="0">
+                        <a:solidFill>
+                          <a:srgbClr val="000000"/>
+                        </a:solidFill>
+                      </a:endParaRPr>
+                    </a:p>
+                  </a:txBody>
+                  <a:tcPr marL="56960" marR="56960" marT="0" marB="28480">
+                    <a:lnL w="3175" cap="flat" cmpd="sng" algn="ctr">
+                      <a:solidFill>
+                        <a:srgbClr val="FFFFFF">
+                          <a:lumMod val="50000"/>
+                        </a:srgbClr>
+                      </a:solidFill>
+                      <a:prstDash val="solid"/>
+                      <a:round/>
+                      <a:headEnd type="none" w="med" len="med"/>
+                      <a:tailEnd type="none" w="med" len="med"/>
+                    </a:lnL>
+                    <a:lnR w="3175" cap="flat" cmpd="sng" algn="ctr">
+                      <a:solidFill>
+                        <a:srgbClr val="FFFFFF">
+                          <a:lumMod val="50000"/>
+                        </a:srgbClr>
+                      </a:solidFill>
+                      <a:prstDash val="solid"/>
+                      <a:round/>
+                      <a:headEnd type="none" w="med" len="med"/>
+                      <a:tailEnd type="none" w="med" len="med"/>
+                    </a:lnR>
+                    <a:lnT w="3175" cap="flat" cmpd="sng" algn="ctr">
+                      <a:solidFill>
+                        <a:srgbClr val="FFFFFF">
+                          <a:lumMod val="50000"/>
+                        </a:srgbClr>
+                      </a:solidFill>
+                      <a:prstDash val="solid"/>
+                      <a:round/>
+                      <a:headEnd type="none" w="med" len="med"/>
+                      <a:tailEnd type="none" w="med" len="med"/>
+                    </a:lnT>
+                  </a:tcPr>
+                </a:tc>
+                <a:extLst>
+                  <a:ext uri="{0D108BD9-81ED-4DB2-BD59-A6C34878D82A}">
+                    <a16:rowId xmlns:a16="http://schemas.microsoft.com/office/drawing/2014/main" val="10001"/>
+                  </a:ext>
+                </a:extLst>
+              </a:tr>
+              <a:tr h="595265">
+                <a:tc>
+                  <a:txBody>
+                    <a:bodyPr/>
+                    <a:lstStyle/>
+                    <a:p>
+                      <a:endParaRPr lang="en-US" sz="1100" dirty="0">
+                        <a:solidFill>
+                          <a:srgbClr val="000000"/>
+                        </a:solidFill>
+                      </a:endParaRPr>
+                    </a:p>
+                  </a:txBody>
+                  <a:tcPr marL="56960" marR="56960" marT="0" marB="28480">
+                    <a:lnL w="3175" cap="flat" cmpd="sng" algn="ctr">
+                      <a:solidFill>
+                        <a:srgbClr val="FFFFFF">
+                          <a:lumMod val="50000"/>
+                        </a:srgbClr>
+                      </a:solidFill>
+                      <a:prstDash val="solid"/>
+                      <a:round/>
+                      <a:headEnd type="none" w="med" len="med"/>
+                      <a:tailEnd type="none" w="med" len="med"/>
+                    </a:lnL>
+                    <a:lnR w="3175" cap="flat" cmpd="sng" algn="ctr">
+                      <a:solidFill>
+                        <a:srgbClr val="FFFFFF">
+                          <a:lumMod val="50000"/>
+                        </a:srgbClr>
+                      </a:solidFill>
+                      <a:prstDash val="solid"/>
+                      <a:round/>
+                      <a:headEnd type="none" w="med" len="med"/>
+                      <a:tailEnd type="none" w="med" len="med"/>
+                    </a:lnR>
+                  </a:tcPr>
+                </a:tc>
+                <a:tc>
+                  <a:txBody>
+                    <a:bodyPr/>
+                    <a:lstStyle/>
+                    <a:p>
+                      <a:endParaRPr lang="en-US" sz="1100" dirty="0">
+                        <a:solidFill>
+                          <a:srgbClr val="000000"/>
+                        </a:solidFill>
+                      </a:endParaRPr>
+                    </a:p>
+                  </a:txBody>
+                  <a:tcPr marL="56960" marR="56960" marT="0" marB="28480">
+                    <a:lnL w="3175" cap="flat" cmpd="sng" algn="ctr">
+                      <a:solidFill>
+                        <a:srgbClr val="FFFFFF">
+                          <a:lumMod val="50000"/>
+                        </a:srgbClr>
+                      </a:solidFill>
+                      <a:prstDash val="solid"/>
+                      <a:round/>
+                      <a:headEnd type="none" w="med" len="med"/>
+                      <a:tailEnd type="none" w="med" len="med"/>
+                    </a:lnL>
+                    <a:lnR w="3175" cap="flat" cmpd="sng" algn="ctr">
+                      <a:solidFill>
+                        <a:srgbClr val="FFFFFF">
+                          <a:lumMod val="50000"/>
+                        </a:srgbClr>
+                      </a:solidFill>
+                      <a:prstDash val="solid"/>
+                      <a:round/>
+                      <a:headEnd type="none" w="med" len="med"/>
+                      <a:tailEnd type="none" w="med" len="med"/>
+                    </a:lnR>
+                  </a:tcPr>
+                </a:tc>
+                <a:tc>
+                  <a:txBody>
+                    <a:bodyPr/>
+                    <a:lstStyle/>
+                    <a:p>
+                      <a:endParaRPr lang="en-US" sz="1100" dirty="0">
+                        <a:solidFill>
+                          <a:srgbClr val="000000"/>
+                        </a:solidFill>
+                      </a:endParaRPr>
+                    </a:p>
+                  </a:txBody>
+                  <a:tcPr marL="56960" marR="56960" marT="0" marB="28480">
+                    <a:lnL w="3175" cap="flat" cmpd="sng" algn="ctr">
+                      <a:solidFill>
+                        <a:srgbClr val="FFFFFF">
+                          <a:lumMod val="50000"/>
+                        </a:srgbClr>
+                      </a:solidFill>
+                      <a:prstDash val="solid"/>
+                      <a:round/>
+                      <a:headEnd type="none" w="med" len="med"/>
+                      <a:tailEnd type="none" w="med" len="med"/>
+                    </a:lnL>
+                    <a:lnR w="3175" cap="flat" cmpd="sng" algn="ctr">
+                      <a:solidFill>
+                        <a:srgbClr val="FFFFFF">
+                          <a:lumMod val="50000"/>
+                        </a:srgbClr>
+                      </a:solidFill>
+                      <a:prstDash val="solid"/>
+                      <a:round/>
+                      <a:headEnd type="none" w="med" len="med"/>
+                      <a:tailEnd type="none" w="med" len="med"/>
+                    </a:lnR>
+                  </a:tcPr>
+                </a:tc>
+                <a:extLst>
+                  <a:ext uri="{0D108BD9-81ED-4DB2-BD59-A6C34878D82A}">
+                    <a16:rowId xmlns:a16="http://schemas.microsoft.com/office/drawing/2014/main" val="10002"/>
+                  </a:ext>
+                </a:extLst>
+              </a:tr>
+              <a:tr h="595265">
+                <a:tc>
+                  <a:txBody>
+                    <a:bodyPr/>
+                    <a:lstStyle/>
+                    <a:p>
+                      <a:endParaRPr lang="en-US" sz="1100" dirty="0">
+                        <a:solidFill>
+                          <a:srgbClr val="000000"/>
+                        </a:solidFill>
+                      </a:endParaRPr>
+                    </a:p>
+                  </a:txBody>
+                  <a:tcPr marL="56960" marR="56960" marT="0" marB="28480">
+                    <a:lnL w="3175" cap="flat" cmpd="sng" algn="ctr">
+                      <a:solidFill>
+                        <a:srgbClr val="FFFFFF">
+                          <a:lumMod val="50000"/>
+                        </a:srgbClr>
+                      </a:solidFill>
+                      <a:prstDash val="solid"/>
+                      <a:round/>
+                      <a:headEnd type="none" w="med" len="med"/>
+                      <a:tailEnd type="none" w="med" len="med"/>
+                    </a:lnL>
+                    <a:lnR w="3175" cap="flat" cmpd="sng" algn="ctr">
+                      <a:solidFill>
+                        <a:srgbClr val="FFFFFF">
+                          <a:lumMod val="50000"/>
+                        </a:srgbClr>
+                      </a:solidFill>
+                      <a:prstDash val="solid"/>
+                      <a:round/>
+                      <a:headEnd type="none" w="med" len="med"/>
+                      <a:tailEnd type="none" w="med" len="med"/>
+                    </a:lnR>
+                  </a:tcPr>
+                </a:tc>
+                <a:tc>
+                  <a:txBody>
+                    <a:bodyPr/>
+                    <a:lstStyle/>
+                    <a:p>
+                      <a:endParaRPr lang="en-US" sz="1100" dirty="0">
+                        <a:solidFill>
+                          <a:srgbClr val="000000"/>
+                        </a:solidFill>
+                      </a:endParaRPr>
+                    </a:p>
+                  </a:txBody>
+                  <a:tcPr marL="56960" marR="56960" marT="0" marB="28480">
+                    <a:lnL w="3175" cap="flat" cmpd="sng" algn="ctr">
+                      <a:solidFill>
+                        <a:srgbClr val="FFFFFF">
+                          <a:lumMod val="50000"/>
+                        </a:srgbClr>
+                      </a:solidFill>
+                      <a:prstDash val="solid"/>
+                      <a:round/>
+                      <a:headEnd type="none" w="med" len="med"/>
+                      <a:tailEnd type="none" w="med" len="med"/>
+                    </a:lnL>
+                    <a:lnR w="3175" cap="flat" cmpd="sng" algn="ctr">
+                      <a:solidFill>
+                        <a:srgbClr val="FFFFFF">
+                          <a:lumMod val="50000"/>
+                        </a:srgbClr>
+                      </a:solidFill>
+                      <a:prstDash val="solid"/>
+                      <a:round/>
+                      <a:headEnd type="none" w="med" len="med"/>
+                      <a:tailEnd type="none" w="med" len="med"/>
+                    </a:lnR>
+                  </a:tcPr>
+                </a:tc>
+                <a:tc>
+                  <a:txBody>
+                    <a:bodyPr/>
+                    <a:lstStyle/>
+                    <a:p>
+                      <a:endParaRPr lang="en-US" sz="1100" dirty="0">
+                        <a:solidFill>
+                          <a:srgbClr val="000000"/>
+                        </a:solidFill>
+                      </a:endParaRPr>
+                    </a:p>
+                  </a:txBody>
+                  <a:tcPr marL="56960" marR="56960" marT="0" marB="28480">
+                    <a:lnL w="3175" cap="flat" cmpd="sng" algn="ctr">
+                      <a:solidFill>
+                        <a:srgbClr val="FFFFFF">
+                          <a:lumMod val="50000"/>
+                        </a:srgbClr>
+                      </a:solidFill>
+                      <a:prstDash val="solid"/>
+                      <a:round/>
+                      <a:headEnd type="none" w="med" len="med"/>
+                      <a:tailEnd type="none" w="med" len="med"/>
+                    </a:lnL>
+                    <a:lnR w="3175" cap="flat" cmpd="sng" algn="ctr">
+                      <a:solidFill>
+                        <a:srgbClr val="FFFFFF">
+                          <a:lumMod val="50000"/>
+                        </a:srgbClr>
+                      </a:solidFill>
+                      <a:prstDash val="solid"/>
+                      <a:round/>
+                      <a:headEnd type="none" w="med" len="med"/>
+                      <a:tailEnd type="none" w="med" len="med"/>
+                    </a:lnR>
+                  </a:tcPr>
+                </a:tc>
+                <a:extLst>
+                  <a:ext uri="{0D108BD9-81ED-4DB2-BD59-A6C34878D82A}">
+                    <a16:rowId xmlns:a16="http://schemas.microsoft.com/office/drawing/2014/main" val="10003"/>
+                  </a:ext>
+                </a:extLst>
+              </a:tr>
+              <a:tr h="595265">
+                <a:tc>
+                  <a:txBody>
+                    <a:bodyPr/>
+                    <a:lstStyle/>
+                    <a:p>
+                      <a:endParaRPr lang="en-US" sz="1100" dirty="0">
+                        <a:solidFill>
+                          <a:srgbClr val="000000"/>
+                        </a:solidFill>
+                      </a:endParaRPr>
+                    </a:p>
+                  </a:txBody>
+                  <a:tcPr marL="56960" marR="56960" marT="0" marB="28480">
+                    <a:lnL w="3175" cap="flat" cmpd="sng" algn="ctr">
+                      <a:solidFill>
+                        <a:srgbClr val="FFFFFF">
+                          <a:lumMod val="50000"/>
+                        </a:srgbClr>
+                      </a:solidFill>
+                      <a:prstDash val="solid"/>
+                      <a:round/>
+                      <a:headEnd type="none" w="med" len="med"/>
+                      <a:tailEnd type="none" w="med" len="med"/>
+                    </a:lnL>
+                    <a:lnR w="3175" cap="flat" cmpd="sng" algn="ctr">
+                      <a:solidFill>
+                        <a:srgbClr val="FFFFFF">
+                          <a:lumMod val="50000"/>
+                        </a:srgbClr>
+                      </a:solidFill>
+                      <a:prstDash val="solid"/>
+                      <a:round/>
+                      <a:headEnd type="none" w="med" len="med"/>
+                      <a:tailEnd type="none" w="med" len="med"/>
+                    </a:lnR>
+                  </a:tcPr>
+                </a:tc>
+                <a:tc>
+                  <a:txBody>
+                    <a:bodyPr/>
+                    <a:lstStyle/>
+                    <a:p>
+                      <a:endParaRPr lang="en-US" sz="1100" dirty="0">
+                        <a:solidFill>
+                          <a:srgbClr val="000000"/>
+                        </a:solidFill>
+                      </a:endParaRPr>
+                    </a:p>
+                  </a:txBody>
+                  <a:tcPr marL="56960" marR="56960" marT="0" marB="28480">
+                    <a:lnL w="3175" cap="flat" cmpd="sng" algn="ctr">
+                      <a:solidFill>
+                        <a:srgbClr val="FFFFFF">
+                          <a:lumMod val="50000"/>
+                        </a:srgbClr>
+                      </a:solidFill>
+                      <a:prstDash val="solid"/>
+                      <a:round/>
+                      <a:headEnd type="none" w="med" len="med"/>
+                      <a:tailEnd type="none" w="med" len="med"/>
+                    </a:lnL>
+                    <a:lnR w="3175" cap="flat" cmpd="sng" algn="ctr">
+                      <a:solidFill>
+                        <a:srgbClr val="FFFFFF">
+                          <a:lumMod val="50000"/>
+                        </a:srgbClr>
+                      </a:solidFill>
+                      <a:prstDash val="solid"/>
+                      <a:round/>
+                      <a:headEnd type="none" w="med" len="med"/>
+                      <a:tailEnd type="none" w="med" len="med"/>
+                    </a:lnR>
+                  </a:tcPr>
+                </a:tc>
+                <a:tc>
+                  <a:txBody>
+                    <a:bodyPr/>
+                    <a:lstStyle/>
+                    <a:p>
+                      <a:endParaRPr lang="en-US" sz="1100" dirty="0">
+                        <a:solidFill>
+                          <a:srgbClr val="000000"/>
+                        </a:solidFill>
+                      </a:endParaRPr>
+                    </a:p>
+                  </a:txBody>
+                  <a:tcPr marL="56960" marR="56960" marT="0" marB="28480">
+                    <a:lnL w="3175" cap="flat" cmpd="sng" algn="ctr">
+                      <a:solidFill>
+                        <a:srgbClr val="FFFFFF">
+                          <a:lumMod val="50000"/>
+                        </a:srgbClr>
+                      </a:solidFill>
+                      <a:prstDash val="solid"/>
+                      <a:round/>
+                      <a:headEnd type="none" w="med" len="med"/>
+                      <a:tailEnd type="none" w="med" len="med"/>
+                    </a:lnL>
+                    <a:lnR w="3175" cap="flat" cmpd="sng" algn="ctr">
+                      <a:solidFill>
+                        <a:srgbClr val="FFFFFF">
+                          <a:lumMod val="50000"/>
+                        </a:srgbClr>
+                      </a:solidFill>
+                      <a:prstDash val="solid"/>
+                      <a:round/>
+                      <a:headEnd type="none" w="med" len="med"/>
+                      <a:tailEnd type="none" w="med" len="med"/>
+                    </a:lnR>
+                  </a:tcPr>
+                </a:tc>
+                <a:extLst>
+                  <a:ext uri="{0D108BD9-81ED-4DB2-BD59-A6C34878D82A}">
+                    <a16:rowId xmlns:a16="http://schemas.microsoft.com/office/drawing/2014/main" val="10004"/>
+                  </a:ext>
+                </a:extLst>
+              </a:tr>
+              <a:tr h="595265">
+                <a:tc>
+                  <a:txBody>
+                    <a:bodyPr/>
+                    <a:lstStyle/>
+                    <a:p>
+                      <a:endParaRPr lang="en-US" sz="1100" dirty="0">
+                        <a:solidFill>
+                          <a:srgbClr val="000000"/>
+                        </a:solidFill>
+                      </a:endParaRPr>
+                    </a:p>
+                  </a:txBody>
+                  <a:tcPr marL="56960" marR="56960" marT="0" marB="28480">
+                    <a:lnL w="3175" cap="flat" cmpd="sng" algn="ctr">
+                      <a:solidFill>
+                        <a:srgbClr val="FFFFFF">
+                          <a:lumMod val="50000"/>
+                        </a:srgbClr>
+                      </a:solidFill>
+                      <a:prstDash val="solid"/>
+                      <a:round/>
+                      <a:headEnd type="none" w="med" len="med"/>
+                      <a:tailEnd type="none" w="med" len="med"/>
+                    </a:lnL>
+                    <a:lnR w="3175" cap="flat" cmpd="sng" algn="ctr">
+                      <a:solidFill>
+                        <a:srgbClr val="FFFFFF">
+                          <a:lumMod val="50000"/>
+                        </a:srgbClr>
+                      </a:solidFill>
+                      <a:prstDash val="solid"/>
+                      <a:round/>
+                      <a:headEnd type="none" w="med" len="med"/>
+                      <a:tailEnd type="none" w="med" len="med"/>
+                    </a:lnR>
+                  </a:tcPr>
+                </a:tc>
+                <a:tc>
+                  <a:txBody>
+                    <a:bodyPr/>
+                    <a:lstStyle/>
+                    <a:p>
+                      <a:endParaRPr lang="en-US" sz="1100" dirty="0">
+                        <a:solidFill>
+                          <a:srgbClr val="000000"/>
+                        </a:solidFill>
+                      </a:endParaRPr>
+                    </a:p>
+                  </a:txBody>
+                  <a:tcPr marL="56960" marR="56960" marT="0" marB="28480">
+                    <a:lnL w="3175" cap="flat" cmpd="sng" algn="ctr">
+                      <a:solidFill>
+                        <a:srgbClr val="FFFFFF">
+                          <a:lumMod val="50000"/>
+                        </a:srgbClr>
+                      </a:solidFill>
+                      <a:prstDash val="solid"/>
+                      <a:round/>
+                      <a:headEnd type="none" w="med" len="med"/>
+                      <a:tailEnd type="none" w="med" len="med"/>
+                    </a:lnL>
+                    <a:lnR w="3175" cap="flat" cmpd="sng" algn="ctr">
+                      <a:solidFill>
+                        <a:srgbClr val="FFFFFF">
+                          <a:lumMod val="50000"/>
+                        </a:srgbClr>
+                      </a:solidFill>
+                      <a:prstDash val="solid"/>
+                      <a:round/>
+                      <a:headEnd type="none" w="med" len="med"/>
+                      <a:tailEnd type="none" w="med" len="med"/>
+                    </a:lnR>
+                  </a:tcPr>
+                </a:tc>
+                <a:tc>
+                  <a:txBody>
+                    <a:bodyPr/>
+                    <a:lstStyle/>
+                    <a:p>
+                      <a:endParaRPr lang="en-US" sz="1100" dirty="0">
+                        <a:solidFill>
+                          <a:srgbClr val="000000"/>
+                        </a:solidFill>
+                      </a:endParaRPr>
+                    </a:p>
+                  </a:txBody>
+                  <a:tcPr marL="56960" marR="56960" marT="0" marB="28480">
+                    <a:lnL w="3175" cap="flat" cmpd="sng" algn="ctr">
+                      <a:solidFill>
+                        <a:srgbClr val="FFFFFF">
+                          <a:lumMod val="50000"/>
+                        </a:srgbClr>
+                      </a:solidFill>
+                      <a:prstDash val="solid"/>
+                      <a:round/>
+                      <a:headEnd type="none" w="med" len="med"/>
+                      <a:tailEnd type="none" w="med" len="med"/>
+                    </a:lnL>
+                    <a:lnR w="3175" cap="flat" cmpd="sng" algn="ctr">
+                      <a:solidFill>
+                        <a:srgbClr val="FFFFFF">
+                          <a:lumMod val="50000"/>
+                        </a:srgbClr>
+                      </a:solidFill>
+                      <a:prstDash val="solid"/>
+                      <a:round/>
+                      <a:headEnd type="none" w="med" len="med"/>
+                      <a:tailEnd type="none" w="med" len="med"/>
+                    </a:lnR>
+                  </a:tcPr>
+                </a:tc>
+                <a:extLst>
+                  <a:ext uri="{0D108BD9-81ED-4DB2-BD59-A6C34878D82A}">
+                    <a16:rowId xmlns:a16="http://schemas.microsoft.com/office/drawing/2014/main" val="10005"/>
+                  </a:ext>
+                </a:extLst>
+              </a:tr>
+              <a:tr h="595265">
+                <a:tc>
+                  <a:txBody>
+                    <a:bodyPr/>
+                    <a:lstStyle/>
+                    <a:p>
+                      <a:endParaRPr lang="en-US" sz="1100" dirty="0">
+                        <a:solidFill>
+                          <a:srgbClr val="000000"/>
+                        </a:solidFill>
+                      </a:endParaRPr>
+                    </a:p>
+                  </a:txBody>
+                  <a:tcPr marL="56960" marR="56960" marT="0" marB="28480">
+                    <a:lnL w="3175" cap="flat" cmpd="sng" algn="ctr">
+                      <a:solidFill>
+                        <a:srgbClr val="FFFFFF">
+                          <a:lumMod val="50000"/>
+                        </a:srgbClr>
+                      </a:solidFill>
+                      <a:prstDash val="solid"/>
+                      <a:round/>
+                      <a:headEnd type="none" w="med" len="med"/>
+                      <a:tailEnd type="none" w="med" len="med"/>
+                    </a:lnL>
+                    <a:lnR w="3175" cap="flat" cmpd="sng" algn="ctr">
+                      <a:solidFill>
+                        <a:srgbClr val="FFFFFF">
+                          <a:lumMod val="50000"/>
+                        </a:srgbClr>
+                      </a:solidFill>
+                      <a:prstDash val="solid"/>
+                      <a:round/>
+                      <a:headEnd type="none" w="med" len="med"/>
+                      <a:tailEnd type="none" w="med" len="med"/>
+                    </a:lnR>
+                  </a:tcPr>
+                </a:tc>
+                <a:tc>
+                  <a:txBody>
+                    <a:bodyPr/>
+                    <a:lstStyle/>
+                    <a:p>
+                      <a:endParaRPr lang="en-US" sz="1100" dirty="0">
+                        <a:solidFill>
+                          <a:srgbClr val="000000"/>
+                        </a:solidFill>
+                      </a:endParaRPr>
+                    </a:p>
+                  </a:txBody>
+                  <a:tcPr marL="56960" marR="56960" marT="0" marB="28480">
+                    <a:lnL w="3175" cap="flat" cmpd="sng" algn="ctr">
+                      <a:solidFill>
+                        <a:srgbClr val="FFFFFF">
+                          <a:lumMod val="50000"/>
+                        </a:srgbClr>
+                      </a:solidFill>
+                      <a:prstDash val="solid"/>
+                      <a:round/>
+                      <a:headEnd type="none" w="med" len="med"/>
+                      <a:tailEnd type="none" w="med" len="med"/>
+                    </a:lnL>
+                    <a:lnR w="3175" cap="flat" cmpd="sng" algn="ctr">
+                      <a:solidFill>
+                        <a:srgbClr val="FFFFFF">
+                          <a:lumMod val="50000"/>
+                        </a:srgbClr>
+                      </a:solidFill>
+                      <a:prstDash val="solid"/>
+                      <a:round/>
+                      <a:headEnd type="none" w="med" len="med"/>
+                      <a:tailEnd type="none" w="med" len="med"/>
+                    </a:lnR>
+                  </a:tcPr>
+                </a:tc>
+                <a:tc>
+                  <a:txBody>
+                    <a:bodyPr/>
+                    <a:lstStyle/>
+                    <a:p>
+                      <a:endParaRPr lang="en-US" sz="1100" dirty="0">
+                        <a:solidFill>
+                          <a:srgbClr val="000000"/>
+                        </a:solidFill>
+                      </a:endParaRPr>
+                    </a:p>
+                  </a:txBody>
+                  <a:tcPr marL="56960" marR="56960" marT="0" marB="28480">
+                    <a:lnL w="3175" cap="flat" cmpd="sng" algn="ctr">
+                      <a:solidFill>
+                        <a:srgbClr val="FFFFFF">
+                          <a:lumMod val="50000"/>
+                        </a:srgbClr>
+                      </a:solidFill>
+                      <a:prstDash val="solid"/>
+                      <a:round/>
+                      <a:headEnd type="none" w="med" len="med"/>
+                      <a:tailEnd type="none" w="med" len="med"/>
+                    </a:lnL>
+                    <a:lnR w="3175" cap="flat" cmpd="sng" algn="ctr">
+                      <a:solidFill>
+                        <a:srgbClr val="FFFFFF">
+                          <a:lumMod val="50000"/>
+                        </a:srgbClr>
+                      </a:solidFill>
+                      <a:prstDash val="solid"/>
+                      <a:round/>
+                      <a:headEnd type="none" w="med" len="med"/>
+                      <a:tailEnd type="none" w="med" len="med"/>
+                    </a:lnR>
+                  </a:tcPr>
+                </a:tc>
+                <a:extLst>
+                  <a:ext uri="{0D108BD9-81ED-4DB2-BD59-A6C34878D82A}">
+                    <a16:rowId xmlns:a16="http://schemas.microsoft.com/office/drawing/2014/main" val="10006"/>
+                  </a:ext>
+                </a:extLst>
+              </a:tr>
+              <a:tr h="595265">
+                <a:tc>
+                  <a:txBody>
+                    <a:bodyPr/>
+                    <a:lstStyle/>
+                    <a:p>
+                      <a:endParaRPr lang="en-US" sz="1100" dirty="0">
+                        <a:solidFill>
+                          <a:srgbClr val="000000"/>
+                        </a:solidFill>
+                      </a:endParaRPr>
+                    </a:p>
+                  </a:txBody>
+                  <a:tcPr marL="56960" marR="56960" marT="0" marB="28480">
+                    <a:lnL w="3175" cap="flat" cmpd="sng" algn="ctr">
+                      <a:solidFill>
+                        <a:srgbClr val="FFFFFF">
+                          <a:lumMod val="50000"/>
+                        </a:srgbClr>
+                      </a:solidFill>
+                      <a:prstDash val="solid"/>
+                      <a:round/>
+                      <a:headEnd type="none" w="med" len="med"/>
+                      <a:tailEnd type="none" w="med" len="med"/>
+                    </a:lnL>
+                    <a:lnR w="3175" cap="flat" cmpd="sng" algn="ctr">
+                      <a:solidFill>
+                        <a:srgbClr val="FFFFFF">
+                          <a:lumMod val="50000"/>
+                        </a:srgbClr>
+                      </a:solidFill>
+                      <a:prstDash val="solid"/>
+                      <a:round/>
+                      <a:headEnd type="none" w="med" len="med"/>
+                      <a:tailEnd type="none" w="med" len="med"/>
+                    </a:lnR>
+                    <a:lnB w="3175" cap="flat" cmpd="sng" algn="ctr">
+                      <a:solidFill>
+                        <a:srgbClr val="FFFFFF">
+                          <a:lumMod val="50000"/>
+                        </a:srgbClr>
+                      </a:solidFill>
+                      <a:prstDash val="solid"/>
+                      <a:round/>
+                      <a:headEnd type="none" w="med" len="med"/>
+                      <a:tailEnd type="none" w="med" len="med"/>
+                    </a:lnB>
+                  </a:tcPr>
+                </a:tc>
+                <a:tc>
+                  <a:txBody>
+                    <a:bodyPr/>
+                    <a:lstStyle/>
+                    <a:p>
+                      <a:endParaRPr lang="en-US" sz="1100" dirty="0">
+                        <a:solidFill>
+                          <a:srgbClr val="000000"/>
+                        </a:solidFill>
+                      </a:endParaRPr>
+                    </a:p>
+                  </a:txBody>
+                  <a:tcPr marL="56960" marR="56960" marT="0" marB="28480">
+                    <a:lnL w="3175" cap="flat" cmpd="sng" algn="ctr">
+                      <a:solidFill>
+                        <a:srgbClr val="FFFFFF">
+                          <a:lumMod val="50000"/>
+                        </a:srgbClr>
+                      </a:solidFill>
+                      <a:prstDash val="solid"/>
+                      <a:round/>
+                      <a:headEnd type="none" w="med" len="med"/>
+                      <a:tailEnd type="none" w="med" len="med"/>
+                    </a:lnL>
+                    <a:lnR w="3175" cap="flat" cmpd="sng" algn="ctr">
+                      <a:solidFill>
+                        <a:srgbClr val="FFFFFF">
+                          <a:lumMod val="50000"/>
+                        </a:srgbClr>
+                      </a:solidFill>
+                      <a:prstDash val="solid"/>
+                      <a:round/>
+                      <a:headEnd type="none" w="med" len="med"/>
+                      <a:tailEnd type="none" w="med" len="med"/>
+                    </a:lnR>
+                    <a:lnB w="3175" cap="flat" cmpd="sng" algn="ctr">
+                      <a:solidFill>
+                        <a:srgbClr val="FFFFFF">
+                          <a:lumMod val="50000"/>
+                        </a:srgbClr>
+                      </a:solidFill>
+                      <a:prstDash val="solid"/>
+                      <a:round/>
+                      <a:headEnd type="none" w="med" len="med"/>
+                      <a:tailEnd type="none" w="med" len="med"/>
+                    </a:lnB>
+                  </a:tcPr>
+                </a:tc>
+                <a:tc>
+                  <a:txBody>
+                    <a:bodyPr/>
+                    <a:lstStyle/>
+                    <a:p>
+                      <a:endParaRPr lang="en-US" sz="1100" dirty="0">
+                        <a:solidFill>
+                          <a:srgbClr val="000000"/>
+                        </a:solidFill>
+                      </a:endParaRPr>
+                    </a:p>
+                  </a:txBody>
+                  <a:tcPr marL="56960" marR="56960" marT="0" marB="28480">
+                    <a:lnL w="3175" cap="flat" cmpd="sng" algn="ctr">
+                      <a:solidFill>
+                        <a:srgbClr val="FFFFFF">
+                          <a:lumMod val="50000"/>
+                        </a:srgbClr>
+                      </a:solidFill>
+                      <a:prstDash val="solid"/>
+                      <a:round/>
+                      <a:headEnd type="none" w="med" len="med"/>
+                      <a:tailEnd type="none" w="med" len="med"/>
+                    </a:lnL>
+                    <a:lnR w="3175" cap="flat" cmpd="sng" algn="ctr">
+                      <a:solidFill>
+                        <a:srgbClr val="FFFFFF">
+                          <a:lumMod val="50000"/>
+                        </a:srgbClr>
+                      </a:solidFill>
+                      <a:prstDash val="solid"/>
+                      <a:round/>
+                      <a:headEnd type="none" w="med" len="med"/>
+                      <a:tailEnd type="none" w="med" len="med"/>
+                    </a:lnR>
+                    <a:lnB w="3175" cap="flat" cmpd="sng" algn="ctr">
+                      <a:solidFill>
+                        <a:srgbClr val="FFFFFF">
+                          <a:lumMod val="50000"/>
+                        </a:srgbClr>
+                      </a:solidFill>
+                      <a:prstDash val="solid"/>
+                      <a:round/>
+                      <a:headEnd type="none" w="med" len="med"/>
+                      <a:tailEnd type="none" w="med" len="med"/>
+                    </a:lnB>
+                  </a:tcPr>
+                </a:tc>
+                <a:extLst>
+                  <a:ext uri="{0D108BD9-81ED-4DB2-BD59-A6C34878D82A}">
+                    <a16:rowId xmlns:a16="http://schemas.microsoft.com/office/drawing/2014/main" val="10007"/>
+                  </a:ext>
+                </a:extLst>
+              </a:tr>
+            </a:tbl>
+          </a:graphicData>
+        </a:graphic>
+      </p:graphicFrame>
+      <p:pic>
+        <p:nvPicPr>
+          <p:cNvPr id="5" name="Picture 2" descr="C:\Users\t-dantay\Documents\Placeholders\star.png">
+            <a:extLst>
+              <a:ext uri="{FF2B5EF4-FFF2-40B4-BE49-F238E27FC236}">
+                <a16:creationId xmlns:a16="http://schemas.microsoft.com/office/drawing/2014/main" id="{DF5BC783-57D3-4118-BEAA-F54A8B2E68F9}"/>
+              </a:ext>
+            </a:extLst>
+          </p:cNvPr>
+          <p:cNvPicPr>
+            <a:picLocks noChangeAspect="1" noChangeArrowheads="1"/>
+          </p:cNvPicPr>
+          <p:nvPr userDrawn="1">
+            <p:custDataLst>
+              <p:custData r:id="rId2"/>
+            </p:custDataLst>
+          </p:nvPr>
+        </p:nvPicPr>
+        <p:blipFill>
+          <a:blip r:embed="rId8" cstate="print">
+            <a:extLst>
+              <a:ext uri="{28A0092B-C50C-407E-A947-70E740481C1C}">
+                <a14:useLocalDpi xmlns:a14="http://schemas.microsoft.com/office/drawing/2010/main" val="0"/>
+              </a:ext>
+            </a:extLst>
+          </a:blip>
+          <a:srcRect/>
+          <a:stretch>
+            <a:fillRect/>
+          </a:stretch>
+        </p:blipFill>
+        <p:spPr bwMode="auto">
+          <a:xfrm>
+            <a:off x="4708525" y="3366095"/>
+            <a:ext cx="228600" cy="217884"/>
+          </a:xfrm>
+          <a:prstGeom prst="rect">
+            <a:avLst/>
+          </a:prstGeom>
+          <a:noFill/>
+          <a:extLst>
+            <a:ext uri="{909E8E84-426E-40DD-AFC4-6F175D3DCCD1}">
+              <a14:hiddenFill xmlns:a14="http://schemas.microsoft.com/office/drawing/2010/main">
+                <a:solidFill>
+                  <a:srgbClr val="FFFFFF"/>
+                </a:solidFill>
+              </a14:hiddenFill>
+            </a:ext>
+          </a:extLst>
+        </p:spPr>
+      </p:pic>
+      <p:pic>
+        <p:nvPicPr>
+          <p:cNvPr id="6" name="Picture 2" descr="C:\Users\t-dantay\Documents\Placeholders\star.png">
+            <a:extLst>
+              <a:ext uri="{FF2B5EF4-FFF2-40B4-BE49-F238E27FC236}">
+                <a16:creationId xmlns:a16="http://schemas.microsoft.com/office/drawing/2014/main" id="{0FEEFC5F-A3DB-4781-9598-A8479501FEA1}"/>
+              </a:ext>
+            </a:extLst>
+          </p:cNvPr>
+          <p:cNvPicPr>
+            <a:picLocks noChangeAspect="1" noChangeArrowheads="1"/>
+          </p:cNvPicPr>
+          <p:nvPr userDrawn="1">
+            <p:custDataLst>
+              <p:custData r:id="rId3"/>
+            </p:custDataLst>
+          </p:nvPr>
+        </p:nvPicPr>
+        <p:blipFill>
+          <a:blip r:embed="rId8" cstate="print">
+            <a:extLst>
+              <a:ext uri="{28A0092B-C50C-407E-A947-70E740481C1C}">
+                <a14:useLocalDpi xmlns:a14="http://schemas.microsoft.com/office/drawing/2010/main" val="0"/>
+              </a:ext>
+            </a:extLst>
+          </a:blip>
+          <a:srcRect/>
+          <a:stretch>
+            <a:fillRect/>
+          </a:stretch>
+        </p:blipFill>
+        <p:spPr bwMode="auto">
+          <a:xfrm>
+            <a:off x="4994275" y="3366095"/>
+            <a:ext cx="228600" cy="217884"/>
+          </a:xfrm>
+          <a:prstGeom prst="rect">
+            <a:avLst/>
+          </a:prstGeom>
+          <a:noFill/>
+          <a:extLst>
+            <a:ext uri="{909E8E84-426E-40DD-AFC4-6F175D3DCCD1}">
+              <a14:hiddenFill xmlns:a14="http://schemas.microsoft.com/office/drawing/2010/main">
+                <a:solidFill>
+                  <a:srgbClr val="FFFFFF"/>
+                </a:solidFill>
+              </a14:hiddenFill>
+            </a:ext>
+          </a:extLst>
+        </p:spPr>
+      </p:pic>
+      <p:pic>
+        <p:nvPicPr>
+          <p:cNvPr id="7" name="Picture 2" descr="C:\Users\t-dantay\Documents\Placeholders\star.png">
+            <a:extLst>
+              <a:ext uri="{FF2B5EF4-FFF2-40B4-BE49-F238E27FC236}">
+                <a16:creationId xmlns:a16="http://schemas.microsoft.com/office/drawing/2014/main" id="{18030DF2-7FF8-4D4C-AA00-77C8A6C045B7}"/>
+              </a:ext>
+            </a:extLst>
+          </p:cNvPr>
+          <p:cNvPicPr>
+            <a:picLocks noChangeAspect="1" noChangeArrowheads="1"/>
+          </p:cNvPicPr>
+          <p:nvPr userDrawn="1">
+            <p:custDataLst>
+              <p:custData r:id="rId4"/>
+            </p:custDataLst>
+          </p:nvPr>
+        </p:nvPicPr>
+        <p:blipFill>
+          <a:blip r:embed="rId8" cstate="print">
+            <a:extLst>
+              <a:ext uri="{28A0092B-C50C-407E-A947-70E740481C1C}">
+                <a14:useLocalDpi xmlns:a14="http://schemas.microsoft.com/office/drawing/2010/main" val="0"/>
+              </a:ext>
+            </a:extLst>
+          </a:blip>
+          <a:srcRect/>
+          <a:stretch>
+            <a:fillRect/>
+          </a:stretch>
+        </p:blipFill>
+        <p:spPr bwMode="auto">
+          <a:xfrm>
+            <a:off x="5292725" y="3366095"/>
+            <a:ext cx="228600" cy="217884"/>
+          </a:xfrm>
+          <a:prstGeom prst="rect">
+            <a:avLst/>
+          </a:prstGeom>
+          <a:noFill/>
+          <a:extLst>
+            <a:ext uri="{909E8E84-426E-40DD-AFC4-6F175D3DCCD1}">
+              <a14:hiddenFill xmlns:a14="http://schemas.microsoft.com/office/drawing/2010/main">
+                <a:solidFill>
+                  <a:srgbClr val="FFFFFF"/>
+                </a:solidFill>
+              </a14:hiddenFill>
+            </a:ext>
+          </a:extLst>
+        </p:spPr>
+      </p:pic>
+      <p:pic>
+        <p:nvPicPr>
+          <p:cNvPr id="8" name="Picture 2" descr="C:\Users\t-dantay\Documents\Placeholders\star.png">
+            <a:extLst>
+              <a:ext uri="{FF2B5EF4-FFF2-40B4-BE49-F238E27FC236}">
+                <a16:creationId xmlns:a16="http://schemas.microsoft.com/office/drawing/2014/main" id="{93320923-D893-4352-ACB7-8686FAFD01CF}"/>
+              </a:ext>
+            </a:extLst>
+          </p:cNvPr>
+          <p:cNvPicPr>
+            <a:picLocks noChangeAspect="1" noChangeArrowheads="1"/>
+          </p:cNvPicPr>
+          <p:nvPr userDrawn="1">
+            <p:custDataLst>
+              <p:custData r:id="rId5"/>
+            </p:custDataLst>
+          </p:nvPr>
+        </p:nvPicPr>
+        <p:blipFill>
+          <a:blip r:embed="rId8" cstate="print">
+            <a:extLst>
+              <a:ext uri="{28A0092B-C50C-407E-A947-70E740481C1C}">
+                <a14:useLocalDpi xmlns:a14="http://schemas.microsoft.com/office/drawing/2010/main" val="0"/>
+              </a:ext>
+            </a:extLst>
+          </a:blip>
+          <a:srcRect/>
+          <a:stretch>
+            <a:fillRect/>
+          </a:stretch>
+        </p:blipFill>
+        <p:spPr bwMode="auto">
+          <a:xfrm>
+            <a:off x="5565775" y="3366095"/>
+            <a:ext cx="228600" cy="217884"/>
+          </a:xfrm>
+          <a:prstGeom prst="rect">
+            <a:avLst/>
+          </a:prstGeom>
+          <a:noFill/>
+          <a:extLst>
+            <a:ext uri="{909E8E84-426E-40DD-AFC4-6F175D3DCCD1}">
+              <a14:hiddenFill xmlns:a14="http://schemas.microsoft.com/office/drawing/2010/main">
+                <a:solidFill>
+                  <a:srgbClr val="FFFFFF"/>
+                </a:solidFill>
+              </a14:hiddenFill>
+            </a:ext>
+          </a:extLst>
+        </p:spPr>
+      </p:pic>
+      <p:pic>
+        <p:nvPicPr>
+          <p:cNvPr id="9" name="Picture 2" descr="C:\Users\t-dantay\Documents\Placeholders\star.png">
+            <a:extLst>
+              <a:ext uri="{FF2B5EF4-FFF2-40B4-BE49-F238E27FC236}">
+                <a16:creationId xmlns:a16="http://schemas.microsoft.com/office/drawing/2014/main" id="{4DB9AA55-C018-4579-8489-680754186653}"/>
+              </a:ext>
+            </a:extLst>
+          </p:cNvPr>
+          <p:cNvPicPr>
+            <a:picLocks noChangeAspect="1" noChangeArrowheads="1"/>
+          </p:cNvPicPr>
+          <p:nvPr userDrawn="1">
+            <p:custDataLst>
+              <p:custData r:id="rId6"/>
+            </p:custDataLst>
+          </p:nvPr>
+        </p:nvPicPr>
+        <p:blipFill>
+          <a:blip r:embed="rId8" cstate="print">
+            <a:extLst>
+              <a:ext uri="{28A0092B-C50C-407E-A947-70E740481C1C}">
+                <a14:useLocalDpi xmlns:a14="http://schemas.microsoft.com/office/drawing/2010/main" val="0"/>
+              </a:ext>
+            </a:extLst>
+          </a:blip>
+          <a:srcRect/>
+          <a:stretch>
+            <a:fillRect/>
+          </a:stretch>
+        </p:blipFill>
+        <p:spPr bwMode="auto">
+          <a:xfrm>
+            <a:off x="5829300" y="3354983"/>
+            <a:ext cx="228600" cy="217884"/>
+          </a:xfrm>
+          <a:prstGeom prst="rect">
+            <a:avLst/>
+          </a:prstGeom>
+          <a:noFill/>
+          <a:extLst>
+            <a:ext uri="{909E8E84-426E-40DD-AFC4-6F175D3DCCD1}">
+              <a14:hiddenFill xmlns:a14="http://schemas.microsoft.com/office/drawing/2010/main">
+                <a:solidFill>
+                  <a:srgbClr val="FFFFFF"/>
+                </a:solidFill>
+              </a14:hiddenFill>
+            </a:ext>
+          </a:extLst>
+        </p:spPr>
+      </p:pic>
+    </p:spTree>
+    <p:extLst>
+      <p:ext uri="{BB962C8B-B14F-4D97-AF65-F5344CB8AC3E}">
+        <p14:creationId xmlns:p14="http://schemas.microsoft.com/office/powerpoint/2010/main" val="520182937"/>
+      </p:ext>
+    </p:extLst>
+  </p:cSld>
+  <p:clrMapOvr>
+    <a:masterClrMapping/>
+  </p:clrMapOvr>
+</p:sldLayout>
+</file>
+
 <file path=ppt/slideMasters/slideMaster1.xml><?xml version="1.0" encoding="utf-8"?>
 <p:sldMaster xmlns:a="http://schemas.openxmlformats.org/drawingml/2006/main" xmlns:r="http://schemas.openxmlformats.org/officeDocument/2006/relationships" xmlns:p="http://schemas.openxmlformats.org/presentationml/2006/main" preserve="1">
   <p:cSld>
@@ -4797,7 +6288,7 @@
           <p:cNvGrpSpPr/>
           <p:nvPr userDrawn="1">
             <p:custDataLst>
-              <p:custData r:id="rId6"/>
+              <p:custData r:id="rId8"/>
             </p:custDataLst>
           </p:nvPr>
         </p:nvGrpSpPr>
@@ -5443,7 +6934,7 @@
               <p:nvPr/>
             </p:nvPicPr>
             <p:blipFill>
-              <a:blip r:embed="rId18" cstate="print">
+              <a:blip r:embed="rId20" cstate="print">
                 <a:extLst>
                   <a:ext uri="{28A0092B-C50C-407E-A947-70E740481C1C}">
                     <a14:useLocalDpi xmlns:a14="http://schemas.microsoft.com/office/drawing/2010/main" val="0"/>
@@ -5490,7 +6981,7 @@
               <p:nvPr/>
             </p:nvPicPr>
             <p:blipFill rotWithShape="1">
-              <a:blip r:embed="rId19" cstate="print">
+              <a:blip r:embed="rId21" cstate="print">
                 <a:extLst>
                   <a:ext uri="{28A0092B-C50C-407E-A947-70E740481C1C}">
                     <a14:useLocalDpi xmlns:a14="http://schemas.microsoft.com/office/drawing/2010/main" val="0"/>
@@ -5535,7 +7026,7 @@
               <p:nvPr/>
             </p:nvPicPr>
             <p:blipFill>
-              <a:blip r:embed="rId20" cstate="print">
+              <a:blip r:embed="rId22" cstate="print">
                 <a:extLst>
                   <a:ext uri="{28A0092B-C50C-407E-A947-70E740481C1C}">
                     <a14:useLocalDpi xmlns:a14="http://schemas.microsoft.com/office/drawing/2010/main" val="0"/>
@@ -5676,7 +7167,7 @@
                 <p:nvPr/>
               </p:nvPicPr>
               <p:blipFill>
-                <a:blip r:embed="rId21" cstate="print">
+                <a:blip r:embed="rId23" cstate="print">
                   <a:extLst>
                     <a:ext uri="{28A0092B-C50C-407E-A947-70E740481C1C}">
                       <a14:useLocalDpi xmlns:a14="http://schemas.microsoft.com/office/drawing/2010/main" val="0"/>
@@ -5723,7 +7214,7 @@
                 <p:nvPr/>
               </p:nvPicPr>
               <p:blipFill>
-                <a:blip r:embed="rId22" cstate="print">
+                <a:blip r:embed="rId24" cstate="print">
                   <a:extLst>
                     <a:ext uri="{28A0092B-C50C-407E-A947-70E740481C1C}">
                       <a14:useLocalDpi xmlns:a14="http://schemas.microsoft.com/office/drawing/2010/main" val="0"/>
@@ -5770,7 +7261,7 @@
                 <p:nvPr/>
               </p:nvPicPr>
               <p:blipFill>
-                <a:blip r:embed="rId23" cstate="print">
+                <a:blip r:embed="rId25" cstate="print">
                   <a:extLst>
                     <a:ext uri="{28A0092B-C50C-407E-A947-70E740481C1C}">
                       <a14:useLocalDpi xmlns:a14="http://schemas.microsoft.com/office/drawing/2010/main" val="0"/>
@@ -5927,7 +7418,7 @@
           <p:nvPr userDrawn="1"/>
         </p:nvPicPr>
         <p:blipFill>
-          <a:blip r:embed="rId24"/>
+          <a:blip r:embed="rId26"/>
           <a:stretch>
             <a:fillRect/>
           </a:stretch>
@@ -5954,7 +7445,7 @@
           <p:cNvGrpSpPr/>
           <p:nvPr userDrawn="1">
             <p:custDataLst>
-              <p:custData r:id="rId7"/>
+              <p:custData r:id="rId9"/>
             </p:custDataLst>
           </p:nvPr>
         </p:nvGrpSpPr>
@@ -8092,7 +9583,7 @@
           <p:cNvGrpSpPr/>
           <p:nvPr userDrawn="1">
             <p:custDataLst>
-              <p:custData r:id="rId8"/>
+              <p:custData r:id="rId10"/>
             </p:custDataLst>
           </p:nvPr>
         </p:nvGrpSpPr>
@@ -8343,7 +9834,7 @@
           <p:cNvSpPr/>
           <p:nvPr userDrawn="1">
             <p:custDataLst>
-              <p:custData r:id="rId9"/>
+              <p:custData r:id="rId11"/>
             </p:custDataLst>
           </p:nvPr>
         </p:nvSpPr>
@@ -8401,7 +9892,7 @@
           <p:cNvSpPr txBox="1"/>
           <p:nvPr userDrawn="1">
             <p:custDataLst>
-              <p:custData r:id="rId10"/>
+              <p:custData r:id="rId12"/>
             </p:custDataLst>
           </p:nvPr>
         </p:nvSpPr>
@@ -8447,7 +9938,7 @@
           <p:cNvSpPr/>
           <p:nvPr userDrawn="1">
             <p:custDataLst>
-              <p:custData r:id="rId11"/>
+              <p:custData r:id="rId13"/>
             </p:custDataLst>
           </p:nvPr>
         </p:nvSpPr>
@@ -8505,7 +9996,7 @@
           <p:cNvSpPr/>
           <p:nvPr userDrawn="1">
             <p:custDataLst>
-              <p:custData r:id="rId12"/>
+              <p:custData r:id="rId14"/>
             </p:custDataLst>
           </p:nvPr>
         </p:nvSpPr>
@@ -8566,14 +10057,14 @@
           <p:cNvSpPr/>
           <p:nvPr userDrawn="1">
             <p:custDataLst>
-              <p:custData r:id="rId13"/>
+              <p:custData r:id="rId15"/>
             </p:custDataLst>
           </p:nvPr>
         </p:nvSpPr>
         <p:spPr>
           <a:xfrm>
-            <a:off x="3290270" y="1451156"/>
-            <a:ext cx="1817772" cy="317729"/>
+            <a:off x="3301033" y="1453753"/>
+            <a:ext cx="2006361" cy="317729"/>
           </a:xfrm>
           <a:prstGeom prst="rect">
             <a:avLst/>
@@ -8627,7 +10118,7 @@
           <p:cNvSpPr/>
           <p:nvPr userDrawn="1">
             <p:custDataLst>
-              <p:custData r:id="rId14"/>
+              <p:custData r:id="rId16"/>
             </p:custDataLst>
           </p:nvPr>
         </p:nvSpPr>
@@ -8688,7 +10179,7 @@
           <p:cNvSpPr/>
           <p:nvPr userDrawn="1">
             <p:custDataLst>
-              <p:custData r:id="rId15"/>
+              <p:custData r:id="rId17"/>
             </p:custDataLst>
           </p:nvPr>
         </p:nvSpPr>
@@ -8749,7 +10240,7 @@
           <p:cNvSpPr/>
           <p:nvPr userDrawn="1">
             <p:custDataLst>
-              <p:custData r:id="rId16"/>
+              <p:custData r:id="rId18"/>
             </p:custDataLst>
           </p:nvPr>
         </p:nvSpPr>
@@ -8810,7 +10301,7 @@
           <p:cNvGrpSpPr/>
           <p:nvPr userDrawn="1">
             <p:custDataLst>
-              <p:custData r:id="rId17"/>
+              <p:custData r:id="rId19"/>
             </p:custDataLst>
           </p:nvPr>
         </p:nvGrpSpPr>
@@ -9000,6 +10491,8 @@
     <p:sldLayoutId id="2147483663" r:id="rId2"/>
     <p:sldLayoutId id="2147483661" r:id="rId3"/>
     <p:sldLayoutId id="2147483664" r:id="rId4"/>
+    <p:sldLayoutId id="2147483665" r:id="rId5"/>
+    <p:sldLayoutId id="2147483666" r:id="rId6"/>
   </p:sldLayoutIdLst>
   <p:txStyles>
     <p:titleStyle>
@@ -10133,9 +11626,45 @@
 </Control>
 </file>
 
+<file path=customXml/item118.xml><?xml version="1.0" encoding="utf-8"?>
+<Control xmlns="http://schemas.microsoft.com/VisualStudio/2011/storyboarding/control">
+  <Id Name="System.Storyboarding.Common.DataGrid" Revision="1" Stencil="System.Storyboarding.Common" StencilVersion="0.1"/>
+</Control>
+</file>
+
+<file path=customXml/item119.xml><?xml version="1.0" encoding="utf-8"?>
+<Control xmlns="http://schemas.microsoft.com/VisualStudio/2011/storyboarding/control">
+  <Id Name="System.Storyboarding.Icons.Star" Revision="1" Stencil="System.Storyboarding.Icons" StencilVersion="0.1"/>
+</Control>
+</file>
+
 <file path=customXml/item12.xml><?xml version="1.0" encoding="utf-8"?>
 <Control xmlns="http://schemas.microsoft.com/VisualStudio/2011/storyboarding/control">
   <Id Name="System.Storyboarding.Common.MousePointer" Revision="1" Stencil="System.Storyboarding.Common" StencilVersion="0.1"/>
+</Control>
+</file>
+
+<file path=customXml/item120.xml><?xml version="1.0" encoding="utf-8"?>
+<Control xmlns="http://schemas.microsoft.com/VisualStudio/2011/storyboarding/control">
+  <Id Name="System.Storyboarding.Icons.Star" Revision="1" Stencil="System.Storyboarding.Icons" StencilVersion="0.1"/>
+</Control>
+</file>
+
+<file path=customXml/item121.xml><?xml version="1.0" encoding="utf-8"?>
+<Control xmlns="http://schemas.microsoft.com/VisualStudio/2011/storyboarding/control">
+  <Id Name="System.Storyboarding.Icons.Star" Revision="1" Stencil="System.Storyboarding.Icons" StencilVersion="0.1"/>
+</Control>
+</file>
+
+<file path=customXml/item122.xml><?xml version="1.0" encoding="utf-8"?>
+<Control xmlns="http://schemas.microsoft.com/VisualStudio/2011/storyboarding/control">
+  <Id Name="System.Storyboarding.Icons.Star" Revision="1" Stencil="System.Storyboarding.Icons" StencilVersion="0.1"/>
+</Control>
+</file>
+
+<file path=customXml/item123.xml><?xml version="1.0" encoding="utf-8"?>
+<Control xmlns="http://schemas.microsoft.com/VisualStudio/2011/storyboarding/control">
+  <Id Name="System.Storyboarding.Icons.Star" Revision="1" Stencil="System.Storyboarding.Icons" StencilVersion="0.1"/>
 </Control>
 </file>
 
@@ -10877,8 +12406,56 @@
 </ds:datastoreItem>
 </file>
 
+<file path=customXml/itemProps118.xml><?xml version="1.0" encoding="utf-8"?>
+<ds:datastoreItem xmlns:ds="http://schemas.openxmlformats.org/officeDocument/2006/customXml" ds:itemID="{F106C237-6442-4C6C-BC17-BABD6E81E57F}">
+  <ds:schemaRefs>
+    <ds:schemaRef ds:uri="http://schemas.microsoft.com/VisualStudio/2011/storyboarding/control"/>
+  </ds:schemaRefs>
+</ds:datastoreItem>
+</file>
+
+<file path=customXml/itemProps119.xml><?xml version="1.0" encoding="utf-8"?>
+<ds:datastoreItem xmlns:ds="http://schemas.openxmlformats.org/officeDocument/2006/customXml" ds:itemID="{D5754EE6-BC91-4A98-A9DF-8FF792B0AA43}">
+  <ds:schemaRefs>
+    <ds:schemaRef ds:uri="http://schemas.microsoft.com/VisualStudio/2011/storyboarding/control"/>
+  </ds:schemaRefs>
+</ds:datastoreItem>
+</file>
+
 <file path=customXml/itemProps12.xml><?xml version="1.0" encoding="utf-8"?>
 <ds:datastoreItem xmlns:ds="http://schemas.openxmlformats.org/officeDocument/2006/customXml" ds:itemID="{10F0BDDE-4AA3-40EF-B2BC-ACF0382ED861}">
+  <ds:schemaRefs>
+    <ds:schemaRef ds:uri="http://schemas.microsoft.com/VisualStudio/2011/storyboarding/control"/>
+  </ds:schemaRefs>
+</ds:datastoreItem>
+</file>
+
+<file path=customXml/itemProps120.xml><?xml version="1.0" encoding="utf-8"?>
+<ds:datastoreItem xmlns:ds="http://schemas.openxmlformats.org/officeDocument/2006/customXml" ds:itemID="{73ABD768-CB5D-46A4-A597-4A94DA70A531}">
+  <ds:schemaRefs>
+    <ds:schemaRef ds:uri="http://schemas.microsoft.com/VisualStudio/2011/storyboarding/control"/>
+  </ds:schemaRefs>
+</ds:datastoreItem>
+</file>
+
+<file path=customXml/itemProps121.xml><?xml version="1.0" encoding="utf-8"?>
+<ds:datastoreItem xmlns:ds="http://schemas.openxmlformats.org/officeDocument/2006/customXml" ds:itemID="{192B0C59-AF18-4932-A8CE-C28065725D2A}">
+  <ds:schemaRefs>
+    <ds:schemaRef ds:uri="http://schemas.microsoft.com/VisualStudio/2011/storyboarding/control"/>
+  </ds:schemaRefs>
+</ds:datastoreItem>
+</file>
+
+<file path=customXml/itemProps122.xml><?xml version="1.0" encoding="utf-8"?>
+<ds:datastoreItem xmlns:ds="http://schemas.openxmlformats.org/officeDocument/2006/customXml" ds:itemID="{A6CB5F7F-1B30-4371-AA4A-C09705431B7C}">
+  <ds:schemaRefs>
+    <ds:schemaRef ds:uri="http://schemas.microsoft.com/VisualStudio/2011/storyboarding/control"/>
+  </ds:schemaRefs>
+</ds:datastoreItem>
+</file>
+
+<file path=customXml/itemProps123.xml><?xml version="1.0" encoding="utf-8"?>
+<ds:datastoreItem xmlns:ds="http://schemas.openxmlformats.org/officeDocument/2006/customXml" ds:itemID="{96B69763-A404-4DB8-8377-F47531C8F216}">
   <ds:schemaRefs>
     <ds:schemaRef ds:uri="http://schemas.microsoft.com/VisualStudio/2011/storyboarding/control"/>
   </ds:schemaRefs>

--- a/Maquettageajoutadmin.pptx
+++ b/Maquettageajoutadmin.pptx
@@ -2,12 +2,12 @@
 <file path=ppt/presentation.xml><?xml version="1.0" encoding="utf-8"?>
 <p:presentation xmlns:a="http://schemas.openxmlformats.org/drawingml/2006/main" xmlns:r="http://schemas.openxmlformats.org/officeDocument/2006/relationships" xmlns:p="http://schemas.openxmlformats.org/presentationml/2006/main" saveSubsetFonts="1">
   <p:sldMasterIdLst>
-    <p:sldMasterId id="2147483660" r:id="rId124"/>
+    <p:sldMasterId id="2147483660" r:id="rId138"/>
   </p:sldMasterIdLst>
   <p:sldIdLst>
-    <p:sldId id="256" r:id="rId125"/>
-    <p:sldId id="257" r:id="rId126"/>
-    <p:sldId id="258" r:id="rId127"/>
+    <p:sldId id="256" r:id="rId139"/>
+    <p:sldId id="257" r:id="rId140"/>
+    <p:sldId id="258" r:id="rId141"/>
   </p:sldIdLst>
   <p:sldSz cx="12192000" cy="6858000"/>
   <p:notesSz cx="6858000" cy="9144000"/>
@@ -112,6 +112,10 @@
     </p:ext>
   </p:extLst>
 </p:presentation>
+</file>
+
+<file path=ppt/revisionInfo.xml><?xml version="1.0" encoding="utf-8"?>
+<p1510:revInfo xmlns:a="http://schemas.openxmlformats.org/drawingml/2006/main" xmlns:r="http://schemas.openxmlformats.org/officeDocument/2006/relationships" xmlns:p1510="http://schemas.microsoft.com/office/powerpoint/2015/10/main"/>
 </file>
 
 <file path=ppt/charts/chart1.xml><?xml version="1.0" encoding="utf-8"?>
@@ -6254,6 +6258,1882 @@
 </p:sldLayout>
 </file>
 
+<file path=ppt/slideLayouts/slideLayout7.xml><?xml version="1.0" encoding="utf-8"?>
+<p:sldLayout xmlns:a="http://schemas.openxmlformats.org/drawingml/2006/main" xmlns:r="http://schemas.openxmlformats.org/officeDocument/2006/relationships" xmlns:p="http://schemas.openxmlformats.org/presentationml/2006/main" preserve="1" userDrawn="1">
+  <p:cSld name="3_Disposition personnalisée">
+    <p:spTree>
+      <p:nvGrpSpPr>
+        <p:cNvPr id="1" name=""/>
+        <p:cNvGrpSpPr/>
+        <p:nvPr/>
+      </p:nvGrpSpPr>
+      <p:grpSpPr>
+        <a:xfrm>
+          <a:off x="0" y="0"/>
+          <a:ext cx="0" cy="0"/>
+          <a:chOff x="0" y="0"/>
+          <a:chExt cx="0" cy="0"/>
+        </a:xfrm>
+      </p:grpSpPr>
+      <p:sp>
+        <p:nvSpPr>
+          <p:cNvPr id="4" name="Content">
+            <a:extLst>
+              <a:ext uri="{FF2B5EF4-FFF2-40B4-BE49-F238E27FC236}">
+                <a16:creationId xmlns:a16="http://schemas.microsoft.com/office/drawing/2014/main" id="{207AD1F0-91B5-4D9C-A8A2-886A44F8A046}"/>
+              </a:ext>
+            </a:extLst>
+          </p:cNvPr>
+          <p:cNvSpPr txBox="1"/>
+          <p:nvPr userDrawn="1">
+            <p:custDataLst>
+              <p:custData r:id="rId1"/>
+            </p:custDataLst>
+          </p:nvPr>
+        </p:nvSpPr>
+        <p:spPr>
+          <a:xfrm>
+            <a:off x="3479800" y="2409761"/>
+            <a:ext cx="5232400" cy="538609"/>
+          </a:xfrm>
+          <a:prstGeom prst="rect">
+            <a:avLst/>
+          </a:prstGeom>
+          <a:noFill/>
+        </p:spPr>
+        <p:txBody>
+          <a:bodyPr wrap="square" lIns="91440" tIns="18288" rIns="91440" bIns="27432" rtlCol="0" anchor="ctr" anchorCtr="0">
+            <a:spAutoFit/>
+          </a:bodyPr>
+          <a:lstStyle/>
+          <a:p>
+            <a:pPr algn="ctr"/>
+            <a:r>
+              <a:rPr lang="en-US" sz="1600" dirty="0">
+                <a:solidFill>
+                  <a:srgbClr val="000000"/>
+                </a:solidFill>
+                <a:latin typeface="Segoe UI" pitchFamily="34" charset="0"/>
+                <a:ea typeface="Segoe UI" pitchFamily="34" charset="0"/>
+                <a:cs typeface="Segoe UI" pitchFamily="34" charset="0"/>
+              </a:rPr>
+              <a:t>Si vous souhaitez contribuer à l’amelioration de notre site web, merci de nous soumettre vos idées.</a:t>
+            </a:r>
+          </a:p>
+        </p:txBody>
+      </p:sp>
+      <p:sp>
+        <p:nvSpPr>
+          <p:cNvPr id="5" name="Content">
+            <a:extLst>
+              <a:ext uri="{FF2B5EF4-FFF2-40B4-BE49-F238E27FC236}">
+                <a16:creationId xmlns:a16="http://schemas.microsoft.com/office/drawing/2014/main" id="{2644AF51-5921-4B48-A81A-099C72263646}"/>
+              </a:ext>
+            </a:extLst>
+          </p:cNvPr>
+          <p:cNvSpPr txBox="1"/>
+          <p:nvPr userDrawn="1">
+            <p:custDataLst>
+              <p:custData r:id="rId2"/>
+            </p:custDataLst>
+          </p:nvPr>
+        </p:nvSpPr>
+        <p:spPr>
+          <a:xfrm>
+            <a:off x="779780" y="4005426"/>
+            <a:ext cx="1544012" cy="230832"/>
+          </a:xfrm>
+          <a:prstGeom prst="rect">
+            <a:avLst/>
+          </a:prstGeom>
+          <a:noFill/>
+        </p:spPr>
+        <p:txBody>
+          <a:bodyPr wrap="none" lIns="91440" tIns="18288" rIns="91440" bIns="27432" rtlCol="0" anchor="ctr" anchorCtr="0">
+            <a:spAutoFit/>
+          </a:bodyPr>
+          <a:lstStyle/>
+          <a:p>
+            <a:r>
+              <a:rPr lang="en-US" sz="1200" dirty="0">
+                <a:solidFill>
+                  <a:srgbClr val="000000"/>
+                </a:solidFill>
+                <a:latin typeface="Segoe UI" pitchFamily="34" charset="0"/>
+                <a:ea typeface="Segoe UI" pitchFamily="34" charset="0"/>
+                <a:cs typeface="Segoe UI" pitchFamily="34" charset="0"/>
+              </a:rPr>
+              <a:t>Pseudo (optionnel) :</a:t>
+            </a:r>
+          </a:p>
+        </p:txBody>
+      </p:sp>
+      <p:sp>
+        <p:nvSpPr>
+          <p:cNvPr id="6" name="Content">
+            <a:extLst>
+              <a:ext uri="{FF2B5EF4-FFF2-40B4-BE49-F238E27FC236}">
+                <a16:creationId xmlns:a16="http://schemas.microsoft.com/office/drawing/2014/main" id="{6CFBB007-C53E-473B-AF3E-93694462E2D1}"/>
+              </a:ext>
+            </a:extLst>
+          </p:cNvPr>
+          <p:cNvSpPr/>
+          <p:nvPr userDrawn="1">
+            <p:custDataLst>
+              <p:custData r:id="rId3"/>
+            </p:custDataLst>
+          </p:nvPr>
+        </p:nvSpPr>
+        <p:spPr>
+          <a:xfrm>
+            <a:off x="2323792" y="4005426"/>
+            <a:ext cx="1220102" cy="228600"/>
+          </a:xfrm>
+          <a:prstGeom prst="rect">
+            <a:avLst/>
+          </a:prstGeom>
+          <a:solidFill>
+            <a:sysClr val="window" lastClr="FFFFFF"/>
+          </a:solidFill>
+          <a:ln w="3175">
+            <a:solidFill>
+              <a:srgbClr val="000000">
+                <a:lumMod val="50000"/>
+                <a:lumOff val="50000"/>
+              </a:srgbClr>
+            </a:solidFill>
+          </a:ln>
+          <a:effectLst/>
+        </p:spPr>
+        <p:style>
+          <a:lnRef idx="2">
+            <a:srgbClr val="4F81BD">
+              <a:shade val="50000"/>
+            </a:srgbClr>
+          </a:lnRef>
+          <a:fillRef idx="1">
+            <a:srgbClr val="4F81BD"/>
+          </a:fillRef>
+          <a:effectRef idx="0">
+            <a:srgbClr val="4F81BD"/>
+          </a:effectRef>
+          <a:fontRef idx="minor">
+            <a:srgbClr val="000000"/>
+          </a:fontRef>
+        </p:style>
+        <p:txBody>
+          <a:bodyPr wrap="none" lIns="45720" tIns="18288" rIns="45720" bIns="18288" rtlCol="0" anchor="ctr">
+            <a:noAutofit/>
+          </a:bodyPr>
+          <a:lstStyle/>
+          <a:p>
+            <a:endParaRPr lang="en-US" sz="1200" dirty="0">
+              <a:solidFill>
+                <a:srgbClr val="000000"/>
+              </a:solidFill>
+              <a:latin typeface="Segoe UI" pitchFamily="34" charset="0"/>
+              <a:cs typeface="Segoe UI" pitchFamily="34" charset="0"/>
+            </a:endParaRPr>
+          </a:p>
+        </p:txBody>
+      </p:sp>
+      <p:sp>
+        <p:nvSpPr>
+          <p:cNvPr id="7" name="Content">
+            <a:extLst>
+              <a:ext uri="{FF2B5EF4-FFF2-40B4-BE49-F238E27FC236}">
+                <a16:creationId xmlns:a16="http://schemas.microsoft.com/office/drawing/2014/main" id="{2BD53EE2-D2C0-4BE9-94F5-DB19CE8E6730}"/>
+              </a:ext>
+            </a:extLst>
+          </p:cNvPr>
+          <p:cNvSpPr txBox="1"/>
+          <p:nvPr userDrawn="1">
+            <p:custDataLst>
+              <p:custData r:id="rId4"/>
+            </p:custDataLst>
+          </p:nvPr>
+        </p:nvSpPr>
+        <p:spPr>
+          <a:xfrm>
+            <a:off x="1373404" y="4473094"/>
+            <a:ext cx="950388" cy="230832"/>
+          </a:xfrm>
+          <a:prstGeom prst="rect">
+            <a:avLst/>
+          </a:prstGeom>
+          <a:noFill/>
+        </p:spPr>
+        <p:txBody>
+          <a:bodyPr wrap="none" lIns="91440" tIns="18288" rIns="91440" bIns="27432" rtlCol="0" anchor="ctr" anchorCtr="0">
+            <a:spAutoFit/>
+          </a:bodyPr>
+          <a:lstStyle/>
+          <a:p>
+            <a:r>
+              <a:rPr lang="en-US" sz="1200" dirty="0">
+                <a:solidFill>
+                  <a:srgbClr val="000000"/>
+                </a:solidFill>
+                <a:latin typeface="Segoe UI" pitchFamily="34" charset="0"/>
+                <a:ea typeface="Segoe UI" pitchFamily="34" charset="0"/>
+                <a:cs typeface="Segoe UI" pitchFamily="34" charset="0"/>
+              </a:rPr>
+              <a:t>Votre idée :</a:t>
+            </a:r>
+          </a:p>
+        </p:txBody>
+      </p:sp>
+      <p:sp>
+        <p:nvSpPr>
+          <p:cNvPr id="8" name="Content">
+            <a:extLst>
+              <a:ext uri="{FF2B5EF4-FFF2-40B4-BE49-F238E27FC236}">
+                <a16:creationId xmlns:a16="http://schemas.microsoft.com/office/drawing/2014/main" id="{F6A0FE3F-EAE2-409E-87A5-022F6D26120F}"/>
+              </a:ext>
+            </a:extLst>
+          </p:cNvPr>
+          <p:cNvSpPr/>
+          <p:nvPr userDrawn="1">
+            <p:custDataLst>
+              <p:custData r:id="rId5"/>
+            </p:custDataLst>
+          </p:nvPr>
+        </p:nvSpPr>
+        <p:spPr>
+          <a:xfrm>
+            <a:off x="2323792" y="4470862"/>
+            <a:ext cx="7185968" cy="2158538"/>
+          </a:xfrm>
+          <a:prstGeom prst="rect">
+            <a:avLst/>
+          </a:prstGeom>
+          <a:solidFill>
+            <a:sysClr val="window" lastClr="FFFFFF"/>
+          </a:solidFill>
+          <a:ln w="3175">
+            <a:solidFill>
+              <a:srgbClr val="000000">
+                <a:lumMod val="50000"/>
+                <a:lumOff val="50000"/>
+              </a:srgbClr>
+            </a:solidFill>
+          </a:ln>
+          <a:effectLst/>
+        </p:spPr>
+        <p:style>
+          <a:lnRef idx="2">
+            <a:srgbClr val="4F81BD">
+              <a:shade val="50000"/>
+            </a:srgbClr>
+          </a:lnRef>
+          <a:fillRef idx="1">
+            <a:srgbClr val="4F81BD"/>
+          </a:fillRef>
+          <a:effectRef idx="0">
+            <a:srgbClr val="4F81BD"/>
+          </a:effectRef>
+          <a:fontRef idx="minor">
+            <a:srgbClr val="000000"/>
+          </a:fontRef>
+        </p:style>
+        <p:txBody>
+          <a:bodyPr wrap="none" lIns="45720" tIns="18288" rIns="45720" bIns="18288" rtlCol="0" anchor="ctr">
+            <a:noAutofit/>
+          </a:bodyPr>
+          <a:lstStyle/>
+          <a:p>
+            <a:endParaRPr lang="en-US" sz="1200" dirty="0">
+              <a:solidFill>
+                <a:srgbClr val="000000"/>
+              </a:solidFill>
+              <a:latin typeface="Segoe UI" pitchFamily="34" charset="0"/>
+              <a:cs typeface="Segoe UI" pitchFamily="34" charset="0"/>
+            </a:endParaRPr>
+          </a:p>
+        </p:txBody>
+      </p:sp>
+    </p:spTree>
+    <p:extLst>
+      <p:ext uri="{BB962C8B-B14F-4D97-AF65-F5344CB8AC3E}">
+        <p14:creationId xmlns:p14="http://schemas.microsoft.com/office/powerpoint/2010/main" val="2035963337"/>
+      </p:ext>
+    </p:extLst>
+  </p:cSld>
+  <p:clrMapOvr>
+    <a:masterClrMapping/>
+  </p:clrMapOvr>
+</p:sldLayout>
+</file>
+
+<file path=ppt/slideLayouts/slideLayout8.xml><?xml version="1.0" encoding="utf-8"?>
+<p:sldLayout xmlns:a="http://schemas.openxmlformats.org/drawingml/2006/main" xmlns:r="http://schemas.openxmlformats.org/officeDocument/2006/relationships" xmlns:p="http://schemas.openxmlformats.org/presentationml/2006/main" preserve="1" userDrawn="1">
+  <p:cSld name="4_Disposition personnalisée">
+    <p:spTree>
+      <p:nvGrpSpPr>
+        <p:cNvPr id="1" name=""/>
+        <p:cNvGrpSpPr/>
+        <p:nvPr/>
+      </p:nvGrpSpPr>
+      <p:grpSpPr>
+        <a:xfrm>
+          <a:off x="0" y="0"/>
+          <a:ext cx="0" cy="0"/>
+          <a:chOff x="0" y="0"/>
+          <a:chExt cx="0" cy="0"/>
+        </a:xfrm>
+      </p:grpSpPr>
+      <p:graphicFrame>
+        <p:nvGraphicFramePr>
+          <p:cNvPr id="3" name="Table">
+            <a:extLst>
+              <a:ext uri="{FF2B5EF4-FFF2-40B4-BE49-F238E27FC236}">
+                <a16:creationId xmlns:a16="http://schemas.microsoft.com/office/drawing/2014/main" id="{A4C76FDE-3418-4C99-92D0-6BC2D4B18577}"/>
+              </a:ext>
+            </a:extLst>
+          </p:cNvPr>
+          <p:cNvGraphicFramePr>
+            <a:graphicFrameLocks noGrp="1"/>
+          </p:cNvGraphicFramePr>
+          <p:nvPr userDrawn="1">
+            <p:custDataLst>
+              <p:custData r:id="rId1"/>
+            </p:custDataLst>
+            <p:extLst>
+              <p:ext uri="{D42A27DB-BD31-4B8C-83A1-F6EECF244321}">
+                <p14:modId xmlns:p14="http://schemas.microsoft.com/office/powerpoint/2010/main" val="2019309055"/>
+              </p:ext>
+            </p:extLst>
+          </p:nvPr>
+        </p:nvGraphicFramePr>
+        <p:xfrm>
+          <a:off x="814070" y="2644520"/>
+          <a:ext cx="10513059" cy="4516995"/>
+        </p:xfrm>
+        <a:graphic>
+          <a:graphicData uri="http://schemas.openxmlformats.org/drawingml/2006/table">
+            <a:tbl>
+              <a:tblPr firstRow="1" bandRow="1">
+                <a:tableStyleId>{8EC20E35-A176-4012-BC5E-935CFFF8708E}</a:tableStyleId>
+              </a:tblPr>
+              <a:tblGrid>
+                <a:gridCol w="7884160">
+                  <a:extLst>
+                    <a:ext uri="{9D8B030D-6E8A-4147-A177-3AD203B41FA5}">
+                      <a16:colId xmlns:a16="http://schemas.microsoft.com/office/drawing/2014/main" val="20000"/>
+                    </a:ext>
+                  </a:extLst>
+                </a:gridCol>
+                <a:gridCol w="1314450">
+                  <a:extLst>
+                    <a:ext uri="{9D8B030D-6E8A-4147-A177-3AD203B41FA5}">
+                      <a16:colId xmlns:a16="http://schemas.microsoft.com/office/drawing/2014/main" val="20001"/>
+                    </a:ext>
+                  </a:extLst>
+                </a:gridCol>
+                <a:gridCol w="1314449">
+                  <a:extLst>
+                    <a:ext uri="{9D8B030D-6E8A-4147-A177-3AD203B41FA5}">
+                      <a16:colId xmlns:a16="http://schemas.microsoft.com/office/drawing/2014/main" val="20002"/>
+                    </a:ext>
+                  </a:extLst>
+                </a:gridCol>
+              </a:tblGrid>
+              <a:tr h="350140">
+                <a:tc>
+                  <a:txBody>
+                    <a:bodyPr/>
+                    <a:lstStyle/>
+                    <a:p>
+                      <a:pPr algn="ctr"/>
+                      <a:r>
+                        <a:rPr lang="en-US" sz="2000" dirty="0">
+                          <a:solidFill>
+                            <a:srgbClr val="000000"/>
+                          </a:solidFill>
+                        </a:rPr>
+                        <a:t>Idée</a:t>
+                      </a:r>
+                    </a:p>
+                  </a:txBody>
+                  <a:tcPr marL="56960" marR="56960" marT="0" marB="28480">
+                    <a:lnL w="3175" cap="flat" cmpd="sng" algn="ctr">
+                      <a:solidFill>
+                        <a:srgbClr val="FFFFFF">
+                          <a:lumMod val="50000"/>
+                        </a:srgbClr>
+                      </a:solidFill>
+                      <a:prstDash val="solid"/>
+                      <a:round/>
+                      <a:headEnd type="none" w="med" len="med"/>
+                      <a:tailEnd type="none" w="med" len="med"/>
+                    </a:lnL>
+                    <a:lnR w="3175" cap="flat" cmpd="sng" algn="ctr">
+                      <a:solidFill>
+                        <a:srgbClr val="FFFFFF">
+                          <a:lumMod val="50000"/>
+                        </a:srgbClr>
+                      </a:solidFill>
+                      <a:prstDash val="solid"/>
+                      <a:round/>
+                      <a:headEnd type="none" w="med" len="med"/>
+                      <a:tailEnd type="none" w="med" len="med"/>
+                    </a:lnR>
+                    <a:lnT w="3175" cap="flat" cmpd="sng" algn="ctr">
+                      <a:solidFill>
+                        <a:srgbClr val="FFFFFF">
+                          <a:lumMod val="50000"/>
+                        </a:srgbClr>
+                      </a:solidFill>
+                      <a:prstDash val="solid"/>
+                      <a:round/>
+                      <a:headEnd type="none" w="med" len="med"/>
+                      <a:tailEnd type="none" w="med" len="med"/>
+                    </a:lnT>
+                    <a:lnB w="3175" cap="flat" cmpd="sng" algn="ctr">
+                      <a:solidFill>
+                        <a:srgbClr val="FFFFFF">
+                          <a:lumMod val="50000"/>
+                        </a:srgbClr>
+                      </a:solidFill>
+                      <a:prstDash val="solid"/>
+                      <a:round/>
+                      <a:headEnd type="none" w="med" len="med"/>
+                      <a:tailEnd type="none" w="med" len="med"/>
+                    </a:lnB>
+                    <a:solidFill>
+                      <a:srgbClr val="FFFFFF">
+                        <a:lumMod val="75000"/>
+                      </a:srgbClr>
+                    </a:solidFill>
+                  </a:tcPr>
+                </a:tc>
+                <a:tc>
+                  <a:txBody>
+                    <a:bodyPr/>
+                    <a:lstStyle/>
+                    <a:p>
+                      <a:pPr algn="ctr"/>
+                      <a:r>
+                        <a:rPr lang="en-US" sz="2000" dirty="0">
+                          <a:solidFill>
+                            <a:srgbClr val="000000"/>
+                          </a:solidFill>
+                        </a:rPr>
+                        <a:t>Auteur</a:t>
+                      </a:r>
+                    </a:p>
+                  </a:txBody>
+                  <a:tcPr marL="56960" marR="56960" marT="0" marB="28480">
+                    <a:lnL w="3175" cap="flat" cmpd="sng" algn="ctr">
+                      <a:solidFill>
+                        <a:srgbClr val="FFFFFF">
+                          <a:lumMod val="50000"/>
+                        </a:srgbClr>
+                      </a:solidFill>
+                      <a:prstDash val="solid"/>
+                      <a:round/>
+                      <a:headEnd type="none" w="med" len="med"/>
+                      <a:tailEnd type="none" w="med" len="med"/>
+                    </a:lnL>
+                    <a:lnR w="3175" cap="flat" cmpd="sng" algn="ctr">
+                      <a:solidFill>
+                        <a:srgbClr val="FFFFFF">
+                          <a:lumMod val="50000"/>
+                        </a:srgbClr>
+                      </a:solidFill>
+                      <a:prstDash val="solid"/>
+                      <a:round/>
+                      <a:headEnd type="none" w="med" len="med"/>
+                      <a:tailEnd type="none" w="med" len="med"/>
+                    </a:lnR>
+                    <a:lnT w="3175" cap="flat" cmpd="sng" algn="ctr">
+                      <a:solidFill>
+                        <a:srgbClr val="FFFFFF">
+                          <a:lumMod val="50000"/>
+                        </a:srgbClr>
+                      </a:solidFill>
+                      <a:prstDash val="solid"/>
+                      <a:round/>
+                      <a:headEnd type="none" w="med" len="med"/>
+                      <a:tailEnd type="none" w="med" len="med"/>
+                    </a:lnT>
+                    <a:lnB w="3175" cap="flat" cmpd="sng" algn="ctr">
+                      <a:solidFill>
+                        <a:srgbClr val="FFFFFF">
+                          <a:lumMod val="50000"/>
+                        </a:srgbClr>
+                      </a:solidFill>
+                      <a:prstDash val="solid"/>
+                      <a:round/>
+                      <a:headEnd type="none" w="med" len="med"/>
+                      <a:tailEnd type="none" w="med" len="med"/>
+                    </a:lnB>
+                    <a:solidFill>
+                      <a:srgbClr val="FFFFFF">
+                        <a:lumMod val="75000"/>
+                      </a:srgbClr>
+                    </a:solidFill>
+                  </a:tcPr>
+                </a:tc>
+                <a:tc>
+                  <a:txBody>
+                    <a:bodyPr/>
+                    <a:lstStyle/>
+                    <a:p>
+                      <a:pPr algn="ctr"/>
+                      <a:r>
+                        <a:rPr lang="en-US" sz="2000" dirty="0">
+                          <a:solidFill>
+                            <a:srgbClr val="000000"/>
+                          </a:solidFill>
+                        </a:rPr>
+                        <a:t>Note</a:t>
+                      </a:r>
+                    </a:p>
+                  </a:txBody>
+                  <a:tcPr marL="56960" marR="56960" marT="0" marB="28480">
+                    <a:lnL w="3175" cap="flat" cmpd="sng" algn="ctr">
+                      <a:solidFill>
+                        <a:srgbClr val="FFFFFF">
+                          <a:lumMod val="50000"/>
+                        </a:srgbClr>
+                      </a:solidFill>
+                      <a:prstDash val="solid"/>
+                      <a:round/>
+                      <a:headEnd type="none" w="med" len="med"/>
+                      <a:tailEnd type="none" w="med" len="med"/>
+                    </a:lnL>
+                    <a:lnR w="3175" cap="flat" cmpd="sng" algn="ctr">
+                      <a:solidFill>
+                        <a:srgbClr val="FFFFFF">
+                          <a:lumMod val="50000"/>
+                        </a:srgbClr>
+                      </a:solidFill>
+                      <a:prstDash val="solid"/>
+                      <a:round/>
+                      <a:headEnd type="none" w="med" len="med"/>
+                      <a:tailEnd type="none" w="med" len="med"/>
+                    </a:lnR>
+                    <a:lnT w="3175" cap="flat" cmpd="sng" algn="ctr">
+                      <a:solidFill>
+                        <a:srgbClr val="FFFFFF">
+                          <a:lumMod val="50000"/>
+                        </a:srgbClr>
+                      </a:solidFill>
+                      <a:prstDash val="solid"/>
+                      <a:round/>
+                      <a:headEnd type="none" w="med" len="med"/>
+                      <a:tailEnd type="none" w="med" len="med"/>
+                    </a:lnT>
+                    <a:lnB w="3175" cap="flat" cmpd="sng" algn="ctr">
+                      <a:solidFill>
+                        <a:srgbClr val="FFFFFF">
+                          <a:lumMod val="50000"/>
+                        </a:srgbClr>
+                      </a:solidFill>
+                      <a:prstDash val="solid"/>
+                      <a:round/>
+                      <a:headEnd type="none" w="med" len="med"/>
+                      <a:tailEnd type="none" w="med" len="med"/>
+                    </a:lnB>
+                    <a:solidFill>
+                      <a:srgbClr val="FFFFFF">
+                        <a:lumMod val="75000"/>
+                      </a:srgbClr>
+                    </a:solidFill>
+                  </a:tcPr>
+                </a:tc>
+                <a:extLst>
+                  <a:ext uri="{0D108BD9-81ED-4DB2-BD59-A6C34878D82A}">
+                    <a16:rowId xmlns:a16="http://schemas.microsoft.com/office/drawing/2014/main" val="10000"/>
+                  </a:ext>
+                </a:extLst>
+              </a:tr>
+              <a:tr h="595265">
+                <a:tc>
+                  <a:txBody>
+                    <a:bodyPr/>
+                    <a:lstStyle/>
+                    <a:p>
+                      <a:endParaRPr lang="en-US" sz="1100" dirty="0">
+                        <a:solidFill>
+                          <a:srgbClr val="000000"/>
+                        </a:solidFill>
+                      </a:endParaRPr>
+                    </a:p>
+                  </a:txBody>
+                  <a:tcPr marL="56960" marR="56960" marT="0" marB="28480">
+                    <a:lnL w="3175" cap="flat" cmpd="sng" algn="ctr">
+                      <a:solidFill>
+                        <a:srgbClr val="FFFFFF">
+                          <a:lumMod val="50000"/>
+                        </a:srgbClr>
+                      </a:solidFill>
+                      <a:prstDash val="solid"/>
+                      <a:round/>
+                      <a:headEnd type="none" w="med" len="med"/>
+                      <a:tailEnd type="none" w="med" len="med"/>
+                    </a:lnL>
+                    <a:lnR w="3175" cap="flat" cmpd="sng" algn="ctr">
+                      <a:solidFill>
+                        <a:srgbClr val="FFFFFF">
+                          <a:lumMod val="50000"/>
+                        </a:srgbClr>
+                      </a:solidFill>
+                      <a:prstDash val="solid"/>
+                      <a:round/>
+                      <a:headEnd type="none" w="med" len="med"/>
+                      <a:tailEnd type="none" w="med" len="med"/>
+                    </a:lnR>
+                    <a:lnT w="3175" cap="flat" cmpd="sng" algn="ctr">
+                      <a:solidFill>
+                        <a:srgbClr val="FFFFFF">
+                          <a:lumMod val="50000"/>
+                        </a:srgbClr>
+                      </a:solidFill>
+                      <a:prstDash val="solid"/>
+                      <a:round/>
+                      <a:headEnd type="none" w="med" len="med"/>
+                      <a:tailEnd type="none" w="med" len="med"/>
+                    </a:lnT>
+                  </a:tcPr>
+                </a:tc>
+                <a:tc>
+                  <a:txBody>
+                    <a:bodyPr/>
+                    <a:lstStyle/>
+                    <a:p>
+                      <a:endParaRPr lang="en-US" sz="1100" dirty="0">
+                        <a:solidFill>
+                          <a:srgbClr val="000000"/>
+                        </a:solidFill>
+                      </a:endParaRPr>
+                    </a:p>
+                  </a:txBody>
+                  <a:tcPr marL="56960" marR="56960" marT="0" marB="28480">
+                    <a:lnL w="3175" cap="flat" cmpd="sng" algn="ctr">
+                      <a:solidFill>
+                        <a:srgbClr val="FFFFFF">
+                          <a:lumMod val="50000"/>
+                        </a:srgbClr>
+                      </a:solidFill>
+                      <a:prstDash val="solid"/>
+                      <a:round/>
+                      <a:headEnd type="none" w="med" len="med"/>
+                      <a:tailEnd type="none" w="med" len="med"/>
+                    </a:lnL>
+                    <a:lnR w="3175" cap="flat" cmpd="sng" algn="ctr">
+                      <a:solidFill>
+                        <a:srgbClr val="FFFFFF">
+                          <a:lumMod val="50000"/>
+                        </a:srgbClr>
+                      </a:solidFill>
+                      <a:prstDash val="solid"/>
+                      <a:round/>
+                      <a:headEnd type="none" w="med" len="med"/>
+                      <a:tailEnd type="none" w="med" len="med"/>
+                    </a:lnR>
+                    <a:lnT w="3175" cap="flat" cmpd="sng" algn="ctr">
+                      <a:solidFill>
+                        <a:srgbClr val="FFFFFF">
+                          <a:lumMod val="50000"/>
+                        </a:srgbClr>
+                      </a:solidFill>
+                      <a:prstDash val="solid"/>
+                      <a:round/>
+                      <a:headEnd type="none" w="med" len="med"/>
+                      <a:tailEnd type="none" w="med" len="med"/>
+                    </a:lnT>
+                  </a:tcPr>
+                </a:tc>
+                <a:tc>
+                  <a:txBody>
+                    <a:bodyPr/>
+                    <a:lstStyle/>
+                    <a:p>
+                      <a:endParaRPr lang="en-US" sz="1100" dirty="0">
+                        <a:solidFill>
+                          <a:srgbClr val="000000"/>
+                        </a:solidFill>
+                      </a:endParaRPr>
+                    </a:p>
+                  </a:txBody>
+                  <a:tcPr marL="56960" marR="56960" marT="0" marB="28480">
+                    <a:lnL w="3175" cap="flat" cmpd="sng" algn="ctr">
+                      <a:solidFill>
+                        <a:srgbClr val="FFFFFF">
+                          <a:lumMod val="50000"/>
+                        </a:srgbClr>
+                      </a:solidFill>
+                      <a:prstDash val="solid"/>
+                      <a:round/>
+                      <a:headEnd type="none" w="med" len="med"/>
+                      <a:tailEnd type="none" w="med" len="med"/>
+                    </a:lnL>
+                    <a:lnR w="3175" cap="flat" cmpd="sng" algn="ctr">
+                      <a:solidFill>
+                        <a:srgbClr val="FFFFFF">
+                          <a:lumMod val="50000"/>
+                        </a:srgbClr>
+                      </a:solidFill>
+                      <a:prstDash val="solid"/>
+                      <a:round/>
+                      <a:headEnd type="none" w="med" len="med"/>
+                      <a:tailEnd type="none" w="med" len="med"/>
+                    </a:lnR>
+                    <a:lnT w="3175" cap="flat" cmpd="sng" algn="ctr">
+                      <a:solidFill>
+                        <a:srgbClr val="FFFFFF">
+                          <a:lumMod val="50000"/>
+                        </a:srgbClr>
+                      </a:solidFill>
+                      <a:prstDash val="solid"/>
+                      <a:round/>
+                      <a:headEnd type="none" w="med" len="med"/>
+                      <a:tailEnd type="none" w="med" len="med"/>
+                    </a:lnT>
+                  </a:tcPr>
+                </a:tc>
+                <a:extLst>
+                  <a:ext uri="{0D108BD9-81ED-4DB2-BD59-A6C34878D82A}">
+                    <a16:rowId xmlns:a16="http://schemas.microsoft.com/office/drawing/2014/main" val="10001"/>
+                  </a:ext>
+                </a:extLst>
+              </a:tr>
+              <a:tr h="595265">
+                <a:tc>
+                  <a:txBody>
+                    <a:bodyPr/>
+                    <a:lstStyle/>
+                    <a:p>
+                      <a:endParaRPr lang="en-US" sz="1100" dirty="0">
+                        <a:solidFill>
+                          <a:srgbClr val="000000"/>
+                        </a:solidFill>
+                      </a:endParaRPr>
+                    </a:p>
+                  </a:txBody>
+                  <a:tcPr marL="56960" marR="56960" marT="0" marB="28480">
+                    <a:lnL w="3175" cap="flat" cmpd="sng" algn="ctr">
+                      <a:solidFill>
+                        <a:srgbClr val="FFFFFF">
+                          <a:lumMod val="50000"/>
+                        </a:srgbClr>
+                      </a:solidFill>
+                      <a:prstDash val="solid"/>
+                      <a:round/>
+                      <a:headEnd type="none" w="med" len="med"/>
+                      <a:tailEnd type="none" w="med" len="med"/>
+                    </a:lnL>
+                    <a:lnR w="3175" cap="flat" cmpd="sng" algn="ctr">
+                      <a:solidFill>
+                        <a:srgbClr val="FFFFFF">
+                          <a:lumMod val="50000"/>
+                        </a:srgbClr>
+                      </a:solidFill>
+                      <a:prstDash val="solid"/>
+                      <a:round/>
+                      <a:headEnd type="none" w="med" len="med"/>
+                      <a:tailEnd type="none" w="med" len="med"/>
+                    </a:lnR>
+                  </a:tcPr>
+                </a:tc>
+                <a:tc>
+                  <a:txBody>
+                    <a:bodyPr/>
+                    <a:lstStyle/>
+                    <a:p>
+                      <a:endParaRPr lang="en-US" sz="1100" dirty="0">
+                        <a:solidFill>
+                          <a:srgbClr val="000000"/>
+                        </a:solidFill>
+                      </a:endParaRPr>
+                    </a:p>
+                  </a:txBody>
+                  <a:tcPr marL="56960" marR="56960" marT="0" marB="28480">
+                    <a:lnL w="3175" cap="flat" cmpd="sng" algn="ctr">
+                      <a:solidFill>
+                        <a:srgbClr val="FFFFFF">
+                          <a:lumMod val="50000"/>
+                        </a:srgbClr>
+                      </a:solidFill>
+                      <a:prstDash val="solid"/>
+                      <a:round/>
+                      <a:headEnd type="none" w="med" len="med"/>
+                      <a:tailEnd type="none" w="med" len="med"/>
+                    </a:lnL>
+                    <a:lnR w="3175" cap="flat" cmpd="sng" algn="ctr">
+                      <a:solidFill>
+                        <a:srgbClr val="FFFFFF">
+                          <a:lumMod val="50000"/>
+                        </a:srgbClr>
+                      </a:solidFill>
+                      <a:prstDash val="solid"/>
+                      <a:round/>
+                      <a:headEnd type="none" w="med" len="med"/>
+                      <a:tailEnd type="none" w="med" len="med"/>
+                    </a:lnR>
+                  </a:tcPr>
+                </a:tc>
+                <a:tc>
+                  <a:txBody>
+                    <a:bodyPr/>
+                    <a:lstStyle/>
+                    <a:p>
+                      <a:endParaRPr lang="en-US" sz="1100" dirty="0">
+                        <a:solidFill>
+                          <a:srgbClr val="000000"/>
+                        </a:solidFill>
+                      </a:endParaRPr>
+                    </a:p>
+                  </a:txBody>
+                  <a:tcPr marL="56960" marR="56960" marT="0" marB="28480">
+                    <a:lnL w="3175" cap="flat" cmpd="sng" algn="ctr">
+                      <a:solidFill>
+                        <a:srgbClr val="FFFFFF">
+                          <a:lumMod val="50000"/>
+                        </a:srgbClr>
+                      </a:solidFill>
+                      <a:prstDash val="solid"/>
+                      <a:round/>
+                      <a:headEnd type="none" w="med" len="med"/>
+                      <a:tailEnd type="none" w="med" len="med"/>
+                    </a:lnL>
+                    <a:lnR w="3175" cap="flat" cmpd="sng" algn="ctr">
+                      <a:solidFill>
+                        <a:srgbClr val="FFFFFF">
+                          <a:lumMod val="50000"/>
+                        </a:srgbClr>
+                      </a:solidFill>
+                      <a:prstDash val="solid"/>
+                      <a:round/>
+                      <a:headEnd type="none" w="med" len="med"/>
+                      <a:tailEnd type="none" w="med" len="med"/>
+                    </a:lnR>
+                  </a:tcPr>
+                </a:tc>
+                <a:extLst>
+                  <a:ext uri="{0D108BD9-81ED-4DB2-BD59-A6C34878D82A}">
+                    <a16:rowId xmlns:a16="http://schemas.microsoft.com/office/drawing/2014/main" val="10002"/>
+                  </a:ext>
+                </a:extLst>
+              </a:tr>
+              <a:tr h="595265">
+                <a:tc>
+                  <a:txBody>
+                    <a:bodyPr/>
+                    <a:lstStyle/>
+                    <a:p>
+                      <a:endParaRPr lang="en-US" sz="1100" dirty="0">
+                        <a:solidFill>
+                          <a:srgbClr val="000000"/>
+                        </a:solidFill>
+                      </a:endParaRPr>
+                    </a:p>
+                  </a:txBody>
+                  <a:tcPr marL="56960" marR="56960" marT="0" marB="28480">
+                    <a:lnL w="3175" cap="flat" cmpd="sng" algn="ctr">
+                      <a:solidFill>
+                        <a:srgbClr val="FFFFFF">
+                          <a:lumMod val="50000"/>
+                        </a:srgbClr>
+                      </a:solidFill>
+                      <a:prstDash val="solid"/>
+                      <a:round/>
+                      <a:headEnd type="none" w="med" len="med"/>
+                      <a:tailEnd type="none" w="med" len="med"/>
+                    </a:lnL>
+                    <a:lnR w="3175" cap="flat" cmpd="sng" algn="ctr">
+                      <a:solidFill>
+                        <a:srgbClr val="FFFFFF">
+                          <a:lumMod val="50000"/>
+                        </a:srgbClr>
+                      </a:solidFill>
+                      <a:prstDash val="solid"/>
+                      <a:round/>
+                      <a:headEnd type="none" w="med" len="med"/>
+                      <a:tailEnd type="none" w="med" len="med"/>
+                    </a:lnR>
+                  </a:tcPr>
+                </a:tc>
+                <a:tc>
+                  <a:txBody>
+                    <a:bodyPr/>
+                    <a:lstStyle/>
+                    <a:p>
+                      <a:endParaRPr lang="en-US" sz="1100" dirty="0">
+                        <a:solidFill>
+                          <a:srgbClr val="000000"/>
+                        </a:solidFill>
+                      </a:endParaRPr>
+                    </a:p>
+                  </a:txBody>
+                  <a:tcPr marL="56960" marR="56960" marT="0" marB="28480">
+                    <a:lnL w="3175" cap="flat" cmpd="sng" algn="ctr">
+                      <a:solidFill>
+                        <a:srgbClr val="FFFFFF">
+                          <a:lumMod val="50000"/>
+                        </a:srgbClr>
+                      </a:solidFill>
+                      <a:prstDash val="solid"/>
+                      <a:round/>
+                      <a:headEnd type="none" w="med" len="med"/>
+                      <a:tailEnd type="none" w="med" len="med"/>
+                    </a:lnL>
+                    <a:lnR w="3175" cap="flat" cmpd="sng" algn="ctr">
+                      <a:solidFill>
+                        <a:srgbClr val="FFFFFF">
+                          <a:lumMod val="50000"/>
+                        </a:srgbClr>
+                      </a:solidFill>
+                      <a:prstDash val="solid"/>
+                      <a:round/>
+                      <a:headEnd type="none" w="med" len="med"/>
+                      <a:tailEnd type="none" w="med" len="med"/>
+                    </a:lnR>
+                  </a:tcPr>
+                </a:tc>
+                <a:tc>
+                  <a:txBody>
+                    <a:bodyPr/>
+                    <a:lstStyle/>
+                    <a:p>
+                      <a:endParaRPr lang="en-US" sz="1100" dirty="0">
+                        <a:solidFill>
+                          <a:srgbClr val="000000"/>
+                        </a:solidFill>
+                      </a:endParaRPr>
+                    </a:p>
+                  </a:txBody>
+                  <a:tcPr marL="56960" marR="56960" marT="0" marB="28480">
+                    <a:lnL w="3175" cap="flat" cmpd="sng" algn="ctr">
+                      <a:solidFill>
+                        <a:srgbClr val="FFFFFF">
+                          <a:lumMod val="50000"/>
+                        </a:srgbClr>
+                      </a:solidFill>
+                      <a:prstDash val="solid"/>
+                      <a:round/>
+                      <a:headEnd type="none" w="med" len="med"/>
+                      <a:tailEnd type="none" w="med" len="med"/>
+                    </a:lnL>
+                    <a:lnR w="3175" cap="flat" cmpd="sng" algn="ctr">
+                      <a:solidFill>
+                        <a:srgbClr val="FFFFFF">
+                          <a:lumMod val="50000"/>
+                        </a:srgbClr>
+                      </a:solidFill>
+                      <a:prstDash val="solid"/>
+                      <a:round/>
+                      <a:headEnd type="none" w="med" len="med"/>
+                      <a:tailEnd type="none" w="med" len="med"/>
+                    </a:lnR>
+                  </a:tcPr>
+                </a:tc>
+                <a:extLst>
+                  <a:ext uri="{0D108BD9-81ED-4DB2-BD59-A6C34878D82A}">
+                    <a16:rowId xmlns:a16="http://schemas.microsoft.com/office/drawing/2014/main" val="10003"/>
+                  </a:ext>
+                </a:extLst>
+              </a:tr>
+              <a:tr h="595265">
+                <a:tc>
+                  <a:txBody>
+                    <a:bodyPr/>
+                    <a:lstStyle/>
+                    <a:p>
+                      <a:endParaRPr lang="en-US" sz="1100" dirty="0">
+                        <a:solidFill>
+                          <a:srgbClr val="000000"/>
+                        </a:solidFill>
+                      </a:endParaRPr>
+                    </a:p>
+                  </a:txBody>
+                  <a:tcPr marL="56960" marR="56960" marT="0" marB="28480">
+                    <a:lnL w="3175" cap="flat" cmpd="sng" algn="ctr">
+                      <a:solidFill>
+                        <a:srgbClr val="FFFFFF">
+                          <a:lumMod val="50000"/>
+                        </a:srgbClr>
+                      </a:solidFill>
+                      <a:prstDash val="solid"/>
+                      <a:round/>
+                      <a:headEnd type="none" w="med" len="med"/>
+                      <a:tailEnd type="none" w="med" len="med"/>
+                    </a:lnL>
+                    <a:lnR w="3175" cap="flat" cmpd="sng" algn="ctr">
+                      <a:solidFill>
+                        <a:srgbClr val="FFFFFF">
+                          <a:lumMod val="50000"/>
+                        </a:srgbClr>
+                      </a:solidFill>
+                      <a:prstDash val="solid"/>
+                      <a:round/>
+                      <a:headEnd type="none" w="med" len="med"/>
+                      <a:tailEnd type="none" w="med" len="med"/>
+                    </a:lnR>
+                  </a:tcPr>
+                </a:tc>
+                <a:tc>
+                  <a:txBody>
+                    <a:bodyPr/>
+                    <a:lstStyle/>
+                    <a:p>
+                      <a:endParaRPr lang="en-US" sz="1100" dirty="0">
+                        <a:solidFill>
+                          <a:srgbClr val="000000"/>
+                        </a:solidFill>
+                      </a:endParaRPr>
+                    </a:p>
+                  </a:txBody>
+                  <a:tcPr marL="56960" marR="56960" marT="0" marB="28480">
+                    <a:lnL w="3175" cap="flat" cmpd="sng" algn="ctr">
+                      <a:solidFill>
+                        <a:srgbClr val="FFFFFF">
+                          <a:lumMod val="50000"/>
+                        </a:srgbClr>
+                      </a:solidFill>
+                      <a:prstDash val="solid"/>
+                      <a:round/>
+                      <a:headEnd type="none" w="med" len="med"/>
+                      <a:tailEnd type="none" w="med" len="med"/>
+                    </a:lnL>
+                    <a:lnR w="3175" cap="flat" cmpd="sng" algn="ctr">
+                      <a:solidFill>
+                        <a:srgbClr val="FFFFFF">
+                          <a:lumMod val="50000"/>
+                        </a:srgbClr>
+                      </a:solidFill>
+                      <a:prstDash val="solid"/>
+                      <a:round/>
+                      <a:headEnd type="none" w="med" len="med"/>
+                      <a:tailEnd type="none" w="med" len="med"/>
+                    </a:lnR>
+                  </a:tcPr>
+                </a:tc>
+                <a:tc>
+                  <a:txBody>
+                    <a:bodyPr/>
+                    <a:lstStyle/>
+                    <a:p>
+                      <a:endParaRPr lang="en-US" sz="1100" dirty="0">
+                        <a:solidFill>
+                          <a:srgbClr val="000000"/>
+                        </a:solidFill>
+                      </a:endParaRPr>
+                    </a:p>
+                  </a:txBody>
+                  <a:tcPr marL="56960" marR="56960" marT="0" marB="28480">
+                    <a:lnL w="3175" cap="flat" cmpd="sng" algn="ctr">
+                      <a:solidFill>
+                        <a:srgbClr val="FFFFFF">
+                          <a:lumMod val="50000"/>
+                        </a:srgbClr>
+                      </a:solidFill>
+                      <a:prstDash val="solid"/>
+                      <a:round/>
+                      <a:headEnd type="none" w="med" len="med"/>
+                      <a:tailEnd type="none" w="med" len="med"/>
+                    </a:lnL>
+                    <a:lnR w="3175" cap="flat" cmpd="sng" algn="ctr">
+                      <a:solidFill>
+                        <a:srgbClr val="FFFFFF">
+                          <a:lumMod val="50000"/>
+                        </a:srgbClr>
+                      </a:solidFill>
+                      <a:prstDash val="solid"/>
+                      <a:round/>
+                      <a:headEnd type="none" w="med" len="med"/>
+                      <a:tailEnd type="none" w="med" len="med"/>
+                    </a:lnR>
+                  </a:tcPr>
+                </a:tc>
+                <a:extLst>
+                  <a:ext uri="{0D108BD9-81ED-4DB2-BD59-A6C34878D82A}">
+                    <a16:rowId xmlns:a16="http://schemas.microsoft.com/office/drawing/2014/main" val="10004"/>
+                  </a:ext>
+                </a:extLst>
+              </a:tr>
+              <a:tr h="595265">
+                <a:tc>
+                  <a:txBody>
+                    <a:bodyPr/>
+                    <a:lstStyle/>
+                    <a:p>
+                      <a:endParaRPr lang="en-US" sz="1100" dirty="0">
+                        <a:solidFill>
+                          <a:srgbClr val="000000"/>
+                        </a:solidFill>
+                      </a:endParaRPr>
+                    </a:p>
+                  </a:txBody>
+                  <a:tcPr marL="56960" marR="56960" marT="0" marB="28480">
+                    <a:lnL w="3175" cap="flat" cmpd="sng" algn="ctr">
+                      <a:solidFill>
+                        <a:srgbClr val="FFFFFF">
+                          <a:lumMod val="50000"/>
+                        </a:srgbClr>
+                      </a:solidFill>
+                      <a:prstDash val="solid"/>
+                      <a:round/>
+                      <a:headEnd type="none" w="med" len="med"/>
+                      <a:tailEnd type="none" w="med" len="med"/>
+                    </a:lnL>
+                    <a:lnR w="3175" cap="flat" cmpd="sng" algn="ctr">
+                      <a:solidFill>
+                        <a:srgbClr val="FFFFFF">
+                          <a:lumMod val="50000"/>
+                        </a:srgbClr>
+                      </a:solidFill>
+                      <a:prstDash val="solid"/>
+                      <a:round/>
+                      <a:headEnd type="none" w="med" len="med"/>
+                      <a:tailEnd type="none" w="med" len="med"/>
+                    </a:lnR>
+                  </a:tcPr>
+                </a:tc>
+                <a:tc>
+                  <a:txBody>
+                    <a:bodyPr/>
+                    <a:lstStyle/>
+                    <a:p>
+                      <a:endParaRPr lang="en-US" sz="1100" dirty="0">
+                        <a:solidFill>
+                          <a:srgbClr val="000000"/>
+                        </a:solidFill>
+                      </a:endParaRPr>
+                    </a:p>
+                  </a:txBody>
+                  <a:tcPr marL="56960" marR="56960" marT="0" marB="28480">
+                    <a:lnL w="3175" cap="flat" cmpd="sng" algn="ctr">
+                      <a:solidFill>
+                        <a:srgbClr val="FFFFFF">
+                          <a:lumMod val="50000"/>
+                        </a:srgbClr>
+                      </a:solidFill>
+                      <a:prstDash val="solid"/>
+                      <a:round/>
+                      <a:headEnd type="none" w="med" len="med"/>
+                      <a:tailEnd type="none" w="med" len="med"/>
+                    </a:lnL>
+                    <a:lnR w="3175" cap="flat" cmpd="sng" algn="ctr">
+                      <a:solidFill>
+                        <a:srgbClr val="FFFFFF">
+                          <a:lumMod val="50000"/>
+                        </a:srgbClr>
+                      </a:solidFill>
+                      <a:prstDash val="solid"/>
+                      <a:round/>
+                      <a:headEnd type="none" w="med" len="med"/>
+                      <a:tailEnd type="none" w="med" len="med"/>
+                    </a:lnR>
+                  </a:tcPr>
+                </a:tc>
+                <a:tc>
+                  <a:txBody>
+                    <a:bodyPr/>
+                    <a:lstStyle/>
+                    <a:p>
+                      <a:endParaRPr lang="en-US" sz="1100" dirty="0">
+                        <a:solidFill>
+                          <a:srgbClr val="000000"/>
+                        </a:solidFill>
+                      </a:endParaRPr>
+                    </a:p>
+                  </a:txBody>
+                  <a:tcPr marL="56960" marR="56960" marT="0" marB="28480">
+                    <a:lnL w="3175" cap="flat" cmpd="sng" algn="ctr">
+                      <a:solidFill>
+                        <a:srgbClr val="FFFFFF">
+                          <a:lumMod val="50000"/>
+                        </a:srgbClr>
+                      </a:solidFill>
+                      <a:prstDash val="solid"/>
+                      <a:round/>
+                      <a:headEnd type="none" w="med" len="med"/>
+                      <a:tailEnd type="none" w="med" len="med"/>
+                    </a:lnL>
+                    <a:lnR w="3175" cap="flat" cmpd="sng" algn="ctr">
+                      <a:solidFill>
+                        <a:srgbClr val="FFFFFF">
+                          <a:lumMod val="50000"/>
+                        </a:srgbClr>
+                      </a:solidFill>
+                      <a:prstDash val="solid"/>
+                      <a:round/>
+                      <a:headEnd type="none" w="med" len="med"/>
+                      <a:tailEnd type="none" w="med" len="med"/>
+                    </a:lnR>
+                  </a:tcPr>
+                </a:tc>
+                <a:extLst>
+                  <a:ext uri="{0D108BD9-81ED-4DB2-BD59-A6C34878D82A}">
+                    <a16:rowId xmlns:a16="http://schemas.microsoft.com/office/drawing/2014/main" val="10005"/>
+                  </a:ext>
+                </a:extLst>
+              </a:tr>
+              <a:tr h="595265">
+                <a:tc>
+                  <a:txBody>
+                    <a:bodyPr/>
+                    <a:lstStyle/>
+                    <a:p>
+                      <a:endParaRPr lang="en-US" sz="1100" dirty="0">
+                        <a:solidFill>
+                          <a:srgbClr val="000000"/>
+                        </a:solidFill>
+                      </a:endParaRPr>
+                    </a:p>
+                  </a:txBody>
+                  <a:tcPr marL="56960" marR="56960" marT="0" marB="28480">
+                    <a:lnL w="3175" cap="flat" cmpd="sng" algn="ctr">
+                      <a:solidFill>
+                        <a:srgbClr val="FFFFFF">
+                          <a:lumMod val="50000"/>
+                        </a:srgbClr>
+                      </a:solidFill>
+                      <a:prstDash val="solid"/>
+                      <a:round/>
+                      <a:headEnd type="none" w="med" len="med"/>
+                      <a:tailEnd type="none" w="med" len="med"/>
+                    </a:lnL>
+                    <a:lnR w="3175" cap="flat" cmpd="sng" algn="ctr">
+                      <a:solidFill>
+                        <a:srgbClr val="FFFFFF">
+                          <a:lumMod val="50000"/>
+                        </a:srgbClr>
+                      </a:solidFill>
+                      <a:prstDash val="solid"/>
+                      <a:round/>
+                      <a:headEnd type="none" w="med" len="med"/>
+                      <a:tailEnd type="none" w="med" len="med"/>
+                    </a:lnR>
+                  </a:tcPr>
+                </a:tc>
+                <a:tc>
+                  <a:txBody>
+                    <a:bodyPr/>
+                    <a:lstStyle/>
+                    <a:p>
+                      <a:endParaRPr lang="en-US" sz="1100" dirty="0">
+                        <a:solidFill>
+                          <a:srgbClr val="000000"/>
+                        </a:solidFill>
+                      </a:endParaRPr>
+                    </a:p>
+                  </a:txBody>
+                  <a:tcPr marL="56960" marR="56960" marT="0" marB="28480">
+                    <a:lnL w="3175" cap="flat" cmpd="sng" algn="ctr">
+                      <a:solidFill>
+                        <a:srgbClr val="FFFFFF">
+                          <a:lumMod val="50000"/>
+                        </a:srgbClr>
+                      </a:solidFill>
+                      <a:prstDash val="solid"/>
+                      <a:round/>
+                      <a:headEnd type="none" w="med" len="med"/>
+                      <a:tailEnd type="none" w="med" len="med"/>
+                    </a:lnL>
+                    <a:lnR w="3175" cap="flat" cmpd="sng" algn="ctr">
+                      <a:solidFill>
+                        <a:srgbClr val="FFFFFF">
+                          <a:lumMod val="50000"/>
+                        </a:srgbClr>
+                      </a:solidFill>
+                      <a:prstDash val="solid"/>
+                      <a:round/>
+                      <a:headEnd type="none" w="med" len="med"/>
+                      <a:tailEnd type="none" w="med" len="med"/>
+                    </a:lnR>
+                  </a:tcPr>
+                </a:tc>
+                <a:tc>
+                  <a:txBody>
+                    <a:bodyPr/>
+                    <a:lstStyle/>
+                    <a:p>
+                      <a:endParaRPr lang="en-US" sz="1100" dirty="0">
+                        <a:solidFill>
+                          <a:srgbClr val="000000"/>
+                        </a:solidFill>
+                      </a:endParaRPr>
+                    </a:p>
+                  </a:txBody>
+                  <a:tcPr marL="56960" marR="56960" marT="0" marB="28480">
+                    <a:lnL w="3175" cap="flat" cmpd="sng" algn="ctr">
+                      <a:solidFill>
+                        <a:srgbClr val="FFFFFF">
+                          <a:lumMod val="50000"/>
+                        </a:srgbClr>
+                      </a:solidFill>
+                      <a:prstDash val="solid"/>
+                      <a:round/>
+                      <a:headEnd type="none" w="med" len="med"/>
+                      <a:tailEnd type="none" w="med" len="med"/>
+                    </a:lnL>
+                    <a:lnR w="3175" cap="flat" cmpd="sng" algn="ctr">
+                      <a:solidFill>
+                        <a:srgbClr val="FFFFFF">
+                          <a:lumMod val="50000"/>
+                        </a:srgbClr>
+                      </a:solidFill>
+                      <a:prstDash val="solid"/>
+                      <a:round/>
+                      <a:headEnd type="none" w="med" len="med"/>
+                      <a:tailEnd type="none" w="med" len="med"/>
+                    </a:lnR>
+                  </a:tcPr>
+                </a:tc>
+                <a:extLst>
+                  <a:ext uri="{0D108BD9-81ED-4DB2-BD59-A6C34878D82A}">
+                    <a16:rowId xmlns:a16="http://schemas.microsoft.com/office/drawing/2014/main" val="10006"/>
+                  </a:ext>
+                </a:extLst>
+              </a:tr>
+              <a:tr h="595265">
+                <a:tc>
+                  <a:txBody>
+                    <a:bodyPr/>
+                    <a:lstStyle/>
+                    <a:p>
+                      <a:endParaRPr lang="en-US" sz="1100" dirty="0">
+                        <a:solidFill>
+                          <a:srgbClr val="000000"/>
+                        </a:solidFill>
+                      </a:endParaRPr>
+                    </a:p>
+                  </a:txBody>
+                  <a:tcPr marL="56960" marR="56960" marT="0" marB="28480">
+                    <a:lnL w="3175" cap="flat" cmpd="sng" algn="ctr">
+                      <a:solidFill>
+                        <a:srgbClr val="FFFFFF">
+                          <a:lumMod val="50000"/>
+                        </a:srgbClr>
+                      </a:solidFill>
+                      <a:prstDash val="solid"/>
+                      <a:round/>
+                      <a:headEnd type="none" w="med" len="med"/>
+                      <a:tailEnd type="none" w="med" len="med"/>
+                    </a:lnL>
+                    <a:lnR w="3175" cap="flat" cmpd="sng" algn="ctr">
+                      <a:solidFill>
+                        <a:srgbClr val="FFFFFF">
+                          <a:lumMod val="50000"/>
+                        </a:srgbClr>
+                      </a:solidFill>
+                      <a:prstDash val="solid"/>
+                      <a:round/>
+                      <a:headEnd type="none" w="med" len="med"/>
+                      <a:tailEnd type="none" w="med" len="med"/>
+                    </a:lnR>
+                    <a:lnB w="3175" cap="flat" cmpd="sng" algn="ctr">
+                      <a:solidFill>
+                        <a:srgbClr val="FFFFFF">
+                          <a:lumMod val="50000"/>
+                        </a:srgbClr>
+                      </a:solidFill>
+                      <a:prstDash val="solid"/>
+                      <a:round/>
+                      <a:headEnd type="none" w="med" len="med"/>
+                      <a:tailEnd type="none" w="med" len="med"/>
+                    </a:lnB>
+                  </a:tcPr>
+                </a:tc>
+                <a:tc>
+                  <a:txBody>
+                    <a:bodyPr/>
+                    <a:lstStyle/>
+                    <a:p>
+                      <a:endParaRPr lang="en-US" sz="1100" dirty="0">
+                        <a:solidFill>
+                          <a:srgbClr val="000000"/>
+                        </a:solidFill>
+                      </a:endParaRPr>
+                    </a:p>
+                  </a:txBody>
+                  <a:tcPr marL="56960" marR="56960" marT="0" marB="28480">
+                    <a:lnL w="3175" cap="flat" cmpd="sng" algn="ctr">
+                      <a:solidFill>
+                        <a:srgbClr val="FFFFFF">
+                          <a:lumMod val="50000"/>
+                        </a:srgbClr>
+                      </a:solidFill>
+                      <a:prstDash val="solid"/>
+                      <a:round/>
+                      <a:headEnd type="none" w="med" len="med"/>
+                      <a:tailEnd type="none" w="med" len="med"/>
+                    </a:lnL>
+                    <a:lnR w="3175" cap="flat" cmpd="sng" algn="ctr">
+                      <a:solidFill>
+                        <a:srgbClr val="FFFFFF">
+                          <a:lumMod val="50000"/>
+                        </a:srgbClr>
+                      </a:solidFill>
+                      <a:prstDash val="solid"/>
+                      <a:round/>
+                      <a:headEnd type="none" w="med" len="med"/>
+                      <a:tailEnd type="none" w="med" len="med"/>
+                    </a:lnR>
+                    <a:lnB w="3175" cap="flat" cmpd="sng" algn="ctr">
+                      <a:solidFill>
+                        <a:srgbClr val="FFFFFF">
+                          <a:lumMod val="50000"/>
+                        </a:srgbClr>
+                      </a:solidFill>
+                      <a:prstDash val="solid"/>
+                      <a:round/>
+                      <a:headEnd type="none" w="med" len="med"/>
+                      <a:tailEnd type="none" w="med" len="med"/>
+                    </a:lnB>
+                  </a:tcPr>
+                </a:tc>
+                <a:tc>
+                  <a:txBody>
+                    <a:bodyPr/>
+                    <a:lstStyle/>
+                    <a:p>
+                      <a:endParaRPr lang="en-US" sz="1100" dirty="0">
+                        <a:solidFill>
+                          <a:srgbClr val="000000"/>
+                        </a:solidFill>
+                      </a:endParaRPr>
+                    </a:p>
+                  </a:txBody>
+                  <a:tcPr marL="56960" marR="56960" marT="0" marB="28480">
+                    <a:lnL w="3175" cap="flat" cmpd="sng" algn="ctr">
+                      <a:solidFill>
+                        <a:srgbClr val="FFFFFF">
+                          <a:lumMod val="50000"/>
+                        </a:srgbClr>
+                      </a:solidFill>
+                      <a:prstDash val="solid"/>
+                      <a:round/>
+                      <a:headEnd type="none" w="med" len="med"/>
+                      <a:tailEnd type="none" w="med" len="med"/>
+                    </a:lnL>
+                    <a:lnR w="3175" cap="flat" cmpd="sng" algn="ctr">
+                      <a:solidFill>
+                        <a:srgbClr val="FFFFFF">
+                          <a:lumMod val="50000"/>
+                        </a:srgbClr>
+                      </a:solidFill>
+                      <a:prstDash val="solid"/>
+                      <a:round/>
+                      <a:headEnd type="none" w="med" len="med"/>
+                      <a:tailEnd type="none" w="med" len="med"/>
+                    </a:lnR>
+                    <a:lnB w="3175" cap="flat" cmpd="sng" algn="ctr">
+                      <a:solidFill>
+                        <a:srgbClr val="FFFFFF">
+                          <a:lumMod val="50000"/>
+                        </a:srgbClr>
+                      </a:solidFill>
+                      <a:prstDash val="solid"/>
+                      <a:round/>
+                      <a:headEnd type="none" w="med" len="med"/>
+                      <a:tailEnd type="none" w="med" len="med"/>
+                    </a:lnB>
+                  </a:tcPr>
+                </a:tc>
+                <a:extLst>
+                  <a:ext uri="{0D108BD9-81ED-4DB2-BD59-A6C34878D82A}">
+                    <a16:rowId xmlns:a16="http://schemas.microsoft.com/office/drawing/2014/main" val="10007"/>
+                  </a:ext>
+                </a:extLst>
+              </a:tr>
+            </a:tbl>
+          </a:graphicData>
+        </a:graphic>
+      </p:graphicFrame>
+      <p:sp>
+        <p:nvSpPr>
+          <p:cNvPr id="4" name="Content">
+            <a:extLst>
+              <a:ext uri="{FF2B5EF4-FFF2-40B4-BE49-F238E27FC236}">
+                <a16:creationId xmlns:a16="http://schemas.microsoft.com/office/drawing/2014/main" id="{7163A3E8-A4FB-4742-AD03-EDD5066B8D87}"/>
+              </a:ext>
+            </a:extLst>
+          </p:cNvPr>
+          <p:cNvSpPr txBox="1"/>
+          <p:nvPr userDrawn="1">
+            <p:custDataLst>
+              <p:custData r:id="rId2"/>
+            </p:custDataLst>
+          </p:nvPr>
+        </p:nvSpPr>
+        <p:spPr>
+          <a:xfrm>
+            <a:off x="5139263" y="2000781"/>
+            <a:ext cx="1913473" cy="415498"/>
+          </a:xfrm>
+          <a:prstGeom prst="rect">
+            <a:avLst/>
+          </a:prstGeom>
+          <a:noFill/>
+        </p:spPr>
+        <p:txBody>
+          <a:bodyPr wrap="none" lIns="91440" tIns="18288" rIns="91440" bIns="27432" rtlCol="0" anchor="ctr" anchorCtr="0">
+            <a:spAutoFit/>
+          </a:bodyPr>
+          <a:lstStyle/>
+          <a:p>
+            <a:r>
+              <a:rPr lang="en-US" sz="2400" dirty="0">
+                <a:solidFill>
+                  <a:srgbClr val="000000"/>
+                </a:solidFill>
+                <a:latin typeface="Segoe UI" pitchFamily="34" charset="0"/>
+                <a:ea typeface="Segoe UI" pitchFamily="34" charset="0"/>
+                <a:cs typeface="Segoe UI" pitchFamily="34" charset="0"/>
+              </a:rPr>
+              <a:t>Boîte à idées</a:t>
+            </a:r>
+          </a:p>
+        </p:txBody>
+      </p:sp>
+      <p:pic>
+        <p:nvPicPr>
+          <p:cNvPr id="5" name="Picture 2" descr="C:\Users\t-dantay\Documents\Placeholders\star.png">
+            <a:extLst>
+              <a:ext uri="{FF2B5EF4-FFF2-40B4-BE49-F238E27FC236}">
+                <a16:creationId xmlns:a16="http://schemas.microsoft.com/office/drawing/2014/main" id="{03B5F8AE-3794-4C34-81E0-C2ACE8FA8F2F}"/>
+              </a:ext>
+            </a:extLst>
+          </p:cNvPr>
+          <p:cNvPicPr>
+            <a:picLocks noChangeAspect="1" noChangeArrowheads="1"/>
+          </p:cNvPicPr>
+          <p:nvPr userDrawn="1">
+            <p:custDataLst>
+              <p:custData r:id="rId3"/>
+            </p:custDataLst>
+          </p:nvPr>
+        </p:nvPicPr>
+        <p:blipFill>
+          <a:blip r:embed="rId10" cstate="print">
+            <a:extLst>
+              <a:ext uri="{28A0092B-C50C-407E-A947-70E740481C1C}">
+                <a14:useLocalDpi xmlns:a14="http://schemas.microsoft.com/office/drawing/2010/main" val="0"/>
+              </a:ext>
+            </a:extLst>
+          </a:blip>
+          <a:srcRect/>
+          <a:stretch>
+            <a:fillRect/>
+          </a:stretch>
+        </p:blipFill>
+        <p:spPr bwMode="auto">
+          <a:xfrm>
+            <a:off x="10018713" y="3193058"/>
+            <a:ext cx="228600" cy="217884"/>
+          </a:xfrm>
+          <a:prstGeom prst="rect">
+            <a:avLst/>
+          </a:prstGeom>
+          <a:noFill/>
+          <a:extLst>
+            <a:ext uri="{909E8E84-426E-40DD-AFC4-6F175D3DCCD1}">
+              <a14:hiddenFill xmlns:a14="http://schemas.microsoft.com/office/drawing/2010/main">
+                <a:solidFill>
+                  <a:srgbClr val="FFFFFF"/>
+                </a:solidFill>
+              </a14:hiddenFill>
+            </a:ext>
+          </a:extLst>
+        </p:spPr>
+      </p:pic>
+      <p:pic>
+        <p:nvPicPr>
+          <p:cNvPr id="6" name="Picture 2" descr="C:\Users\t-dantay\Documents\Placeholders\star.png">
+            <a:extLst>
+              <a:ext uri="{FF2B5EF4-FFF2-40B4-BE49-F238E27FC236}">
+                <a16:creationId xmlns:a16="http://schemas.microsoft.com/office/drawing/2014/main" id="{DE819AD6-46B5-4349-B78E-5C32AEEC8B5E}"/>
+              </a:ext>
+            </a:extLst>
+          </p:cNvPr>
+          <p:cNvPicPr>
+            <a:picLocks noChangeAspect="1" noChangeArrowheads="1"/>
+          </p:cNvPicPr>
+          <p:nvPr userDrawn="1">
+            <p:custDataLst>
+              <p:custData r:id="rId4"/>
+            </p:custDataLst>
+          </p:nvPr>
+        </p:nvPicPr>
+        <p:blipFill>
+          <a:blip r:embed="rId10" cstate="print">
+            <a:extLst>
+              <a:ext uri="{28A0092B-C50C-407E-A947-70E740481C1C}">
+                <a14:useLocalDpi xmlns:a14="http://schemas.microsoft.com/office/drawing/2010/main" val="0"/>
+              </a:ext>
+            </a:extLst>
+          </a:blip>
+          <a:srcRect/>
+          <a:stretch>
+            <a:fillRect/>
+          </a:stretch>
+        </p:blipFill>
+        <p:spPr bwMode="auto">
+          <a:xfrm>
+            <a:off x="10284619" y="3193058"/>
+            <a:ext cx="228600" cy="217884"/>
+          </a:xfrm>
+          <a:prstGeom prst="rect">
+            <a:avLst/>
+          </a:prstGeom>
+          <a:noFill/>
+          <a:extLst>
+            <a:ext uri="{909E8E84-426E-40DD-AFC4-6F175D3DCCD1}">
+              <a14:hiddenFill xmlns:a14="http://schemas.microsoft.com/office/drawing/2010/main">
+                <a:solidFill>
+                  <a:srgbClr val="FFFFFF"/>
+                </a:solidFill>
+              </a14:hiddenFill>
+            </a:ext>
+          </a:extLst>
+        </p:spPr>
+      </p:pic>
+      <p:pic>
+        <p:nvPicPr>
+          <p:cNvPr id="7" name="Picture 2" descr="C:\Users\t-dantay\Documents\Placeholders\star.png">
+            <a:extLst>
+              <a:ext uri="{FF2B5EF4-FFF2-40B4-BE49-F238E27FC236}">
+                <a16:creationId xmlns:a16="http://schemas.microsoft.com/office/drawing/2014/main" id="{FFB5159F-3AA3-4E16-B739-2BC4FB26810D}"/>
+              </a:ext>
+            </a:extLst>
+          </p:cNvPr>
+          <p:cNvPicPr>
+            <a:picLocks noChangeAspect="1" noChangeArrowheads="1"/>
+          </p:cNvPicPr>
+          <p:nvPr userDrawn="1">
+            <p:custDataLst>
+              <p:custData r:id="rId5"/>
+            </p:custDataLst>
+          </p:nvPr>
+        </p:nvPicPr>
+        <p:blipFill>
+          <a:blip r:embed="rId10" cstate="print">
+            <a:extLst>
+              <a:ext uri="{28A0092B-C50C-407E-A947-70E740481C1C}">
+                <a14:useLocalDpi xmlns:a14="http://schemas.microsoft.com/office/drawing/2010/main" val="0"/>
+              </a:ext>
+            </a:extLst>
+          </a:blip>
+          <a:srcRect/>
+          <a:stretch>
+            <a:fillRect/>
+          </a:stretch>
+        </p:blipFill>
+        <p:spPr bwMode="auto">
+          <a:xfrm>
+            <a:off x="10550525" y="3193058"/>
+            <a:ext cx="228600" cy="217884"/>
+          </a:xfrm>
+          <a:prstGeom prst="rect">
+            <a:avLst/>
+          </a:prstGeom>
+          <a:noFill/>
+          <a:extLst>
+            <a:ext uri="{909E8E84-426E-40DD-AFC4-6F175D3DCCD1}">
+              <a14:hiddenFill xmlns:a14="http://schemas.microsoft.com/office/drawing/2010/main">
+                <a:solidFill>
+                  <a:srgbClr val="FFFFFF"/>
+                </a:solidFill>
+              </a14:hiddenFill>
+            </a:ext>
+          </a:extLst>
+        </p:spPr>
+      </p:pic>
+      <p:pic>
+        <p:nvPicPr>
+          <p:cNvPr id="8" name="Picture 2" descr="C:\Users\t-dantay\Documents\Placeholders\star.png">
+            <a:extLst>
+              <a:ext uri="{FF2B5EF4-FFF2-40B4-BE49-F238E27FC236}">
+                <a16:creationId xmlns:a16="http://schemas.microsoft.com/office/drawing/2014/main" id="{18216C42-38F5-4B2D-A010-287BD991E242}"/>
+              </a:ext>
+            </a:extLst>
+          </p:cNvPr>
+          <p:cNvPicPr>
+            <a:picLocks noChangeAspect="1" noChangeArrowheads="1"/>
+          </p:cNvPicPr>
+          <p:nvPr userDrawn="1">
+            <p:custDataLst>
+              <p:custData r:id="rId6"/>
+            </p:custDataLst>
+          </p:nvPr>
+        </p:nvPicPr>
+        <p:blipFill>
+          <a:blip r:embed="rId10" cstate="print">
+            <a:extLst>
+              <a:ext uri="{28A0092B-C50C-407E-A947-70E740481C1C}">
+                <a14:useLocalDpi xmlns:a14="http://schemas.microsoft.com/office/drawing/2010/main" val="0"/>
+              </a:ext>
+            </a:extLst>
+          </a:blip>
+          <a:srcRect/>
+          <a:stretch>
+            <a:fillRect/>
+          </a:stretch>
+        </p:blipFill>
+        <p:spPr bwMode="auto">
+          <a:xfrm>
+            <a:off x="10816431" y="3193058"/>
+            <a:ext cx="228600" cy="217884"/>
+          </a:xfrm>
+          <a:prstGeom prst="rect">
+            <a:avLst/>
+          </a:prstGeom>
+          <a:noFill/>
+          <a:extLst>
+            <a:ext uri="{909E8E84-426E-40DD-AFC4-6F175D3DCCD1}">
+              <a14:hiddenFill xmlns:a14="http://schemas.microsoft.com/office/drawing/2010/main">
+                <a:solidFill>
+                  <a:srgbClr val="FFFFFF"/>
+                </a:solidFill>
+              </a14:hiddenFill>
+            </a:ext>
+          </a:extLst>
+        </p:spPr>
+      </p:pic>
+      <p:pic>
+        <p:nvPicPr>
+          <p:cNvPr id="9" name="Picture 2" descr="C:\Users\t-dantay\Documents\Placeholders\star.png">
+            <a:extLst>
+              <a:ext uri="{FF2B5EF4-FFF2-40B4-BE49-F238E27FC236}">
+                <a16:creationId xmlns:a16="http://schemas.microsoft.com/office/drawing/2014/main" id="{C0F65679-1725-48A6-A5F0-9D7138807579}"/>
+              </a:ext>
+            </a:extLst>
+          </p:cNvPr>
+          <p:cNvPicPr>
+            <a:picLocks noChangeAspect="1" noChangeArrowheads="1"/>
+          </p:cNvPicPr>
+          <p:nvPr userDrawn="1">
+            <p:custDataLst>
+              <p:custData r:id="rId7"/>
+            </p:custDataLst>
+          </p:nvPr>
+        </p:nvPicPr>
+        <p:blipFill>
+          <a:blip r:embed="rId10" cstate="print">
+            <a:extLst>
+              <a:ext uri="{28A0092B-C50C-407E-A947-70E740481C1C}">
+                <a14:useLocalDpi xmlns:a14="http://schemas.microsoft.com/office/drawing/2010/main" val="0"/>
+              </a:ext>
+            </a:extLst>
+          </a:blip>
+          <a:srcRect/>
+          <a:stretch>
+            <a:fillRect/>
+          </a:stretch>
+        </p:blipFill>
+        <p:spPr bwMode="auto">
+          <a:xfrm>
+            <a:off x="11082337" y="3193058"/>
+            <a:ext cx="228600" cy="217884"/>
+          </a:xfrm>
+          <a:prstGeom prst="rect">
+            <a:avLst/>
+          </a:prstGeom>
+          <a:noFill/>
+          <a:extLst>
+            <a:ext uri="{909E8E84-426E-40DD-AFC4-6F175D3DCCD1}">
+              <a14:hiddenFill xmlns:a14="http://schemas.microsoft.com/office/drawing/2010/main">
+                <a:solidFill>
+                  <a:srgbClr val="FFFFFF"/>
+                </a:solidFill>
+              </a14:hiddenFill>
+            </a:ext>
+          </a:extLst>
+        </p:spPr>
+      </p:pic>
+      <p:sp>
+        <p:nvSpPr>
+          <p:cNvPr id="10" name="Content">
+            <a:extLst>
+              <a:ext uri="{FF2B5EF4-FFF2-40B4-BE49-F238E27FC236}">
+                <a16:creationId xmlns:a16="http://schemas.microsoft.com/office/drawing/2014/main" id="{2D80DF93-94FE-4188-B1F3-E0252A276528}"/>
+              </a:ext>
+            </a:extLst>
+          </p:cNvPr>
+          <p:cNvSpPr/>
+          <p:nvPr userDrawn="1">
+            <p:custDataLst>
+              <p:custData r:id="rId8"/>
+            </p:custDataLst>
+          </p:nvPr>
+        </p:nvSpPr>
+        <p:spPr>
+          <a:xfrm>
+            <a:off x="10099675" y="2000781"/>
+            <a:ext cx="1211262" cy="457200"/>
+          </a:xfrm>
+          <a:prstGeom prst="roundRect">
+            <a:avLst/>
+          </a:prstGeom>
+          <a:solidFill>
+            <a:srgbClr val="FFFFFF">
+              <a:lumMod val="95000"/>
+            </a:srgbClr>
+          </a:solidFill>
+          <a:ln w="3175">
+            <a:solidFill>
+              <a:srgbClr val="000000">
+                <a:lumMod val="50000"/>
+                <a:lumOff val="50000"/>
+              </a:srgbClr>
+            </a:solidFill>
+          </a:ln>
+          <a:effectLst/>
+        </p:spPr>
+        <p:style>
+          <a:lnRef idx="2">
+            <a:srgbClr val="4F81BD">
+              <a:shade val="50000"/>
+            </a:srgbClr>
+          </a:lnRef>
+          <a:fillRef idx="1">
+            <a:srgbClr val="4F81BD"/>
+          </a:fillRef>
+          <a:effectRef idx="0">
+            <a:srgbClr val="4F81BD"/>
+          </a:effectRef>
+          <a:fontRef idx="minor">
+            <a:srgbClr val="000000"/>
+          </a:fontRef>
+        </p:style>
+        <p:txBody>
+          <a:bodyPr wrap="square" lIns="91440" tIns="0" rIns="91440" bIns="9144" rtlCol="0" anchor="ctr">
+            <a:noAutofit/>
+          </a:bodyPr>
+          <a:lstStyle/>
+          <a:p>
+            <a:pPr algn="ctr"/>
+            <a:r>
+              <a:rPr lang="en-US" sz="1400" dirty="0">
+                <a:solidFill>
+                  <a:srgbClr val="000000"/>
+                </a:solidFill>
+                <a:latin typeface="Segoe UI" pitchFamily="34" charset="0"/>
+                <a:cs typeface="Segoe UI" pitchFamily="34" charset="0"/>
+              </a:rPr>
+              <a:t>Soumettez votre idée</a:t>
+            </a:r>
+          </a:p>
+        </p:txBody>
+      </p:sp>
+    </p:spTree>
+    <p:extLst>
+      <p:ext uri="{BB962C8B-B14F-4D97-AF65-F5344CB8AC3E}">
+        <p14:creationId xmlns:p14="http://schemas.microsoft.com/office/powerpoint/2010/main" val="457703528"/>
+      </p:ext>
+    </p:extLst>
+  </p:cSld>
+  <p:clrMapOvr>
+    <a:masterClrMapping/>
+  </p:clrMapOvr>
+</p:sldLayout>
+</file>
+
 <file path=ppt/slideMasters/slideMaster1.xml><?xml version="1.0" encoding="utf-8"?>
 <p:sldMaster xmlns:a="http://schemas.openxmlformats.org/drawingml/2006/main" xmlns:r="http://schemas.openxmlformats.org/officeDocument/2006/relationships" xmlns:p="http://schemas.openxmlformats.org/presentationml/2006/main" preserve="1">
   <p:cSld>
@@ -6288,7 +8168,7 @@
           <p:cNvGrpSpPr/>
           <p:nvPr userDrawn="1">
             <p:custDataLst>
-              <p:custData r:id="rId8"/>
+              <p:custData r:id="rId10"/>
             </p:custDataLst>
           </p:nvPr>
         </p:nvGrpSpPr>
@@ -6934,7 +8814,7 @@
               <p:nvPr/>
             </p:nvPicPr>
             <p:blipFill>
-              <a:blip r:embed="rId20" cstate="print">
+              <a:blip r:embed="rId22" cstate="print">
                 <a:extLst>
                   <a:ext uri="{28A0092B-C50C-407E-A947-70E740481C1C}">
                     <a14:useLocalDpi xmlns:a14="http://schemas.microsoft.com/office/drawing/2010/main" val="0"/>
@@ -6981,7 +8861,7 @@
               <p:nvPr/>
             </p:nvPicPr>
             <p:blipFill rotWithShape="1">
-              <a:blip r:embed="rId21" cstate="print">
+              <a:blip r:embed="rId23" cstate="print">
                 <a:extLst>
                   <a:ext uri="{28A0092B-C50C-407E-A947-70E740481C1C}">
                     <a14:useLocalDpi xmlns:a14="http://schemas.microsoft.com/office/drawing/2010/main" val="0"/>
@@ -7026,7 +8906,7 @@
               <p:nvPr/>
             </p:nvPicPr>
             <p:blipFill>
-              <a:blip r:embed="rId22" cstate="print">
+              <a:blip r:embed="rId24" cstate="print">
                 <a:extLst>
                   <a:ext uri="{28A0092B-C50C-407E-A947-70E740481C1C}">
                     <a14:useLocalDpi xmlns:a14="http://schemas.microsoft.com/office/drawing/2010/main" val="0"/>
@@ -7167,7 +9047,7 @@
                 <p:nvPr/>
               </p:nvPicPr>
               <p:blipFill>
-                <a:blip r:embed="rId23" cstate="print">
+                <a:blip r:embed="rId25" cstate="print">
                   <a:extLst>
                     <a:ext uri="{28A0092B-C50C-407E-A947-70E740481C1C}">
                       <a14:useLocalDpi xmlns:a14="http://schemas.microsoft.com/office/drawing/2010/main" val="0"/>
@@ -7214,7 +9094,7 @@
                 <p:nvPr/>
               </p:nvPicPr>
               <p:blipFill>
-                <a:blip r:embed="rId24" cstate="print">
+                <a:blip r:embed="rId26" cstate="print">
                   <a:extLst>
                     <a:ext uri="{28A0092B-C50C-407E-A947-70E740481C1C}">
                       <a14:useLocalDpi xmlns:a14="http://schemas.microsoft.com/office/drawing/2010/main" val="0"/>
@@ -7261,7 +9141,7 @@
                 <p:nvPr/>
               </p:nvPicPr>
               <p:blipFill>
-                <a:blip r:embed="rId25" cstate="print">
+                <a:blip r:embed="rId27" cstate="print">
                   <a:extLst>
                     <a:ext uri="{28A0092B-C50C-407E-A947-70E740481C1C}">
                       <a14:useLocalDpi xmlns:a14="http://schemas.microsoft.com/office/drawing/2010/main" val="0"/>
@@ -7418,7 +9298,7 @@
           <p:nvPr userDrawn="1"/>
         </p:nvPicPr>
         <p:blipFill>
-          <a:blip r:embed="rId26"/>
+          <a:blip r:embed="rId28"/>
           <a:stretch>
             <a:fillRect/>
           </a:stretch>
@@ -7445,7 +9325,7 @@
           <p:cNvGrpSpPr/>
           <p:nvPr userDrawn="1">
             <p:custDataLst>
-              <p:custData r:id="rId9"/>
+              <p:custData r:id="rId11"/>
             </p:custDataLst>
           </p:nvPr>
         </p:nvGrpSpPr>
@@ -9583,7 +11463,7 @@
           <p:cNvGrpSpPr/>
           <p:nvPr userDrawn="1">
             <p:custDataLst>
-              <p:custData r:id="rId10"/>
+              <p:custData r:id="rId12"/>
             </p:custDataLst>
           </p:nvPr>
         </p:nvGrpSpPr>
@@ -9834,7 +11714,7 @@
           <p:cNvSpPr/>
           <p:nvPr userDrawn="1">
             <p:custDataLst>
-              <p:custData r:id="rId11"/>
+              <p:custData r:id="rId13"/>
             </p:custDataLst>
           </p:nvPr>
         </p:nvSpPr>
@@ -9892,7 +11772,7 @@
           <p:cNvSpPr txBox="1"/>
           <p:nvPr userDrawn="1">
             <p:custDataLst>
-              <p:custData r:id="rId12"/>
+              <p:custData r:id="rId14"/>
             </p:custDataLst>
           </p:nvPr>
         </p:nvSpPr>
@@ -9938,7 +11818,7 @@
           <p:cNvSpPr/>
           <p:nvPr userDrawn="1">
             <p:custDataLst>
-              <p:custData r:id="rId13"/>
+              <p:custData r:id="rId15"/>
             </p:custDataLst>
           </p:nvPr>
         </p:nvSpPr>
@@ -9996,7 +11876,7 @@
           <p:cNvSpPr/>
           <p:nvPr userDrawn="1">
             <p:custDataLst>
-              <p:custData r:id="rId14"/>
+              <p:custData r:id="rId16"/>
             </p:custDataLst>
           </p:nvPr>
         </p:nvSpPr>
@@ -10057,7 +11937,7 @@
           <p:cNvSpPr/>
           <p:nvPr userDrawn="1">
             <p:custDataLst>
-              <p:custData r:id="rId15"/>
+              <p:custData r:id="rId17"/>
             </p:custDataLst>
           </p:nvPr>
         </p:nvSpPr>
@@ -10118,7 +11998,7 @@
           <p:cNvSpPr/>
           <p:nvPr userDrawn="1">
             <p:custDataLst>
-              <p:custData r:id="rId16"/>
+              <p:custData r:id="rId18"/>
             </p:custDataLst>
           </p:nvPr>
         </p:nvSpPr>
@@ -10179,7 +12059,7 @@
           <p:cNvSpPr/>
           <p:nvPr userDrawn="1">
             <p:custDataLst>
-              <p:custData r:id="rId17"/>
+              <p:custData r:id="rId19"/>
             </p:custDataLst>
           </p:nvPr>
         </p:nvSpPr>
@@ -10240,7 +12120,7 @@
           <p:cNvSpPr/>
           <p:nvPr userDrawn="1">
             <p:custDataLst>
-              <p:custData r:id="rId18"/>
+              <p:custData r:id="rId20"/>
             </p:custDataLst>
           </p:nvPr>
         </p:nvSpPr>
@@ -10301,7 +12181,7 @@
           <p:cNvGrpSpPr/>
           <p:nvPr userDrawn="1">
             <p:custDataLst>
-              <p:custData r:id="rId19"/>
+              <p:custData r:id="rId21"/>
             </p:custDataLst>
           </p:nvPr>
         </p:nvGrpSpPr>
@@ -10493,6 +12373,8 @@
     <p:sldLayoutId id="2147483664" r:id="rId4"/>
     <p:sldLayoutId id="2147483665" r:id="rId5"/>
     <p:sldLayoutId id="2147483666" r:id="rId6"/>
+    <p:sldLayoutId id="2147483667" r:id="rId7"/>
+    <p:sldLayoutId id="2147483668" r:id="rId8"/>
   </p:sldLayoutIdLst>
   <p:txStyles>
     <p:titleStyle>
@@ -11502,7 +13384,7 @@
 
 <file path=customXml/item1.xml><?xml version="1.0" encoding="utf-8"?>
 <Control xmlns="http://schemas.microsoft.com/VisualStudio/2011/storyboarding/control">
-  <Id Name="System.Storyboarding.WindowsApps.WindowsAppsTileWideSmall" Revision="1" Stencil="System.Storyboarding.WindowsApps" StencilVersion="0.1"/>
+  <Id Name="System.Storyboarding.Common.TextInput" Revision="1" Stencil="System.Storyboarding.Common" StencilVersion="0.1"/>
 </Control>
 </file>
 
@@ -11514,25 +13396,25 @@
 
 <file path=customXml/item100.xml><?xml version="1.0" encoding="utf-8"?>
 <Control xmlns="http://schemas.microsoft.com/VisualStudio/2011/storyboarding/control">
-  <Id Name="System.Storyboarding.Common.Button" Revision="1" Stencil="System.Storyboarding.Common" StencilVersion="0.1"/>
+  <Id Name="System.Storyboarding.Icons.Star" Revision="1" Stencil="System.Storyboarding.Icons" StencilVersion="0.1"/>
 </Control>
 </file>
 
 <file path=customXml/item101.xml><?xml version="1.0" encoding="utf-8"?>
 <Control xmlns="http://schemas.microsoft.com/VisualStudio/2011/storyboarding/control">
-  <Id Name="System.Storyboarding.WindowsApps.WindowsAppsTileWideSmall" Revision="1" Stencil="System.Storyboarding.WindowsApps" StencilVersion="0.1"/>
+  <Id Name="System.Storyboarding.WindowsApps.WindowsAppsMediumWideTile" Revision="1" Stencil="System.Storyboarding.WindowsApps" StencilVersion="0.1"/>
 </Control>
 </file>
 
 <file path=customXml/item102.xml><?xml version="1.0" encoding="utf-8"?>
 <Control xmlns="http://schemas.microsoft.com/VisualStudio/2011/storyboarding/control">
-  <Id Name="System.Storyboarding.Common.Hyperlink" Revision="1" Stencil="System.Storyboarding.Common" StencilVersion="0.1"/>
+  <Id Name="System.Storyboarding.Common.Text" Revision="1" Stencil="System.Storyboarding.Common" StencilVersion="0.1"/>
 </Control>
 </file>
 
 <file path=customXml/item103.xml><?xml version="1.0" encoding="utf-8"?>
 <Control xmlns="http://schemas.microsoft.com/VisualStudio/2011/storyboarding/control">
-  <Id Name="System.Storyboarding.Common.DatePicker" Revision="1" Stencil="System.Storyboarding.Common" StencilVersion="0.1"/>
+  <Id Name="System.Storyboarding.Common.TextInput" Revision="1" Stencil="System.Storyboarding.Common" StencilVersion="0.1"/>
 </Control>
 </file>
 
@@ -11544,13 +13426,13 @@
 
 <file path=customXml/item105.xml><?xml version="1.0" encoding="utf-8"?>
 <Control xmlns="http://schemas.microsoft.com/VisualStudio/2011/storyboarding/control">
-  <Id Name="System.Storyboarding.WindowsApps.WindowsAppsContextMenu" Revision="1" Stencil="System.Storyboarding.WindowsApps" StencilVersion="0.1"/>
+  <Id Name="System.Storyboarding.WindowsPhone.PageTitle" Revision="1" Stencil="System.Storyboarding.WindowsPhone" StencilVersion="0.1"/>
 </Control>
 </file>
 
 <file path=customXml/item106.xml><?xml version="1.0" encoding="utf-8"?>
 <Control xmlns="http://schemas.microsoft.com/VisualStudio/2011/storyboarding/control">
-  <Id Name="System.Storyboarding.Backgrounds.WebBrowser" Revision="1" Stencil="System.Storyboarding.Backgrounds" StencilVersion="0.1"/>
+  <Id Name="System.Storyboarding.Common.TextInput" Revision="1" Stencil="System.Storyboarding.Common" StencilVersion="0.1"/>
 </Control>
 </file>
 
@@ -11562,127 +13444,211 @@
 
 <file path=customXml/item108.xml><?xml version="1.0" encoding="utf-8"?>
 <Control xmlns="http://schemas.microsoft.com/VisualStudio/2011/storyboarding/control">
+  <Id Name="System.Storyboarding.Common.RadioButtonSelected" Revision="1" Stencil="System.Storyboarding.Common" StencilVersion="0.1"/>
+</Control>
+</file>
+
+<file path=customXml/item109.xml><?xml version="1.0" encoding="utf-8"?>
+<Control xmlns="http://schemas.microsoft.com/VisualStudio/2011/storyboarding/control">
+  <Id Name="System.Storyboarding.Common.RadioButtonSelected" Revision="1" Stencil="System.Storyboarding.Common" StencilVersion="0.1"/>
+</Control>
+</file>
+
+<file path=customXml/item11.xml><?xml version="1.0" encoding="utf-8"?>
+<Control xmlns="http://schemas.microsoft.com/VisualStudio/2011/storyboarding/control">
+  <Id Name="System.Storyboarding.Common.Hyperlink" Revision="1" Stencil="System.Storyboarding.Common" StencilVersion="0.1"/>
+</Control>
+</file>
+
+<file path=customXml/item110.xml><?xml version="1.0" encoding="utf-8"?>
+<Control xmlns="http://schemas.microsoft.com/VisualStudio/2011/storyboarding/control">
   <Id Name="System.Storyboarding.Common.TextInput" Revision="1" Stencil="System.Storyboarding.Common" StencilVersion="0.1"/>
 </Control>
 </file>
 
-<file path=customXml/item109.xml><?xml version="1.0" encoding="utf-8"?>
+<file path=customXml/item111.xml><?xml version="1.0" encoding="utf-8"?>
+<Control xmlns="http://schemas.microsoft.com/VisualStudio/2011/storyboarding/control">
+  <Id Name="System.Storyboarding.WindowsAppIcons.Check" Revision="1" Stencil="System.Storyboarding.WindowsAppIcons" StencilVersion="0.1"/>
+</Control>
+</file>
+
+<file path=customXml/item112.xml><?xml version="1.0" encoding="utf-8"?>
+<Control xmlns="http://schemas.microsoft.com/VisualStudio/2011/storyboarding/control">
+  <Id Name="System.Storyboarding.Common.Text" Revision="1" Stencil="System.Storyboarding.Common" StencilVersion="0.1"/>
+</Control>
+</file>
+
+<file path=customXml/item113.xml><?xml version="1.0" encoding="utf-8"?>
+<Control xmlns="http://schemas.microsoft.com/VisualStudio/2011/storyboarding/control">
+  <Id Name="System.Storyboarding.WindowsApps.WindowsAppsMediumWideTile" Revision="1" Stencil="System.Storyboarding.WindowsApps" StencilVersion="0.1"/>
+</Control>
+</file>
+
+<file path=customXml/item114.xml><?xml version="1.0" encoding="utf-8"?>
+<Control xmlns="http://schemas.microsoft.com/VisualStudio/2011/storyboarding/control">
+  <Id Name="System.Storyboarding.WindowsApps.WindowsAppsTileWideSmall" Revision="1" Stencil="System.Storyboarding.WindowsApps" StencilVersion="0.1"/>
+</Control>
+</file>
+
+<file path=customXml/item115.xml><?xml version="1.0" encoding="utf-8"?>
+<Control xmlns="http://schemas.microsoft.com/VisualStudio/2011/storyboarding/control">
+  <Id Name="System.Storyboarding.Common.CheckBoxUnchecked" Revision="1" Stencil="System.Storyboarding.Common" StencilVersion="0.1"/>
+</Control>
+</file>
+
+<file path=customXml/item116.xml><?xml version="1.0" encoding="utf-8"?>
+<Control xmlns="http://schemas.microsoft.com/VisualStudio/2011/storyboarding/control">
+  <Id Name="System.Storyboarding.Icons.Lock" Revision="1" Stencil="System.Storyboarding.Icons" StencilVersion="0.1"/>
+</Control>
+</file>
+
+<file path=customXml/item117.xml><?xml version="1.0" encoding="utf-8"?>
+<Control xmlns="http://schemas.microsoft.com/VisualStudio/2011/storyboarding/control">
+  <Id Name="System.Storyboarding.Common.Button" Revision="1" Stencil="System.Storyboarding.Common" StencilVersion="0.1"/>
+</Control>
+</file>
+
+<file path=customXml/item118.xml><?xml version="1.0" encoding="utf-8"?>
+<Control xmlns="http://schemas.microsoft.com/VisualStudio/2011/storyboarding/control">
+  <Id Name="System.Storyboarding.WindowsApps.WindowsAppsTileWideSmall" Revision="1" Stencil="System.Storyboarding.WindowsApps" StencilVersion="0.1"/>
+</Control>
+</file>
+
+<file path=customXml/item119.xml><?xml version="1.0" encoding="utf-8"?>
+<Control xmlns="http://schemas.microsoft.com/VisualStudio/2011/storyboarding/control">
+  <Id Name="System.Storyboarding.WindowsAppIcons.Plus" Revision="1" Stencil="System.Storyboarding.WindowsAppIcons" StencilVersion="0.1"/>
+</Control>
+</file>
+
+<file path=customXml/item12.xml><?xml version="1.0" encoding="utf-8"?>
+<Control xmlns="http://schemas.microsoft.com/VisualStudio/2011/storyboarding/control">
+  <Id Name="System.Storyboarding.Icons.Star" Revision="1" Stencil="System.Storyboarding.Icons" StencilVersion="0.1"/>
+</Control>
+</file>
+
+<file path=customXml/item120.xml><?xml version="1.0" encoding="utf-8"?>
+<Control xmlns="http://schemas.microsoft.com/VisualStudio/2011/storyboarding/control">
+  <Id Name="System.Storyboarding.WindowsApps.WindowsAppsTileWideSmall" Revision="1" Stencil="System.Storyboarding.WindowsApps" StencilVersion="0.1"/>
+</Control>
+</file>
+
+<file path=customXml/item121.xml><?xml version="1.0" encoding="utf-8"?>
 <Control xmlns="http://schemas.microsoft.com/VisualStudio/2011/storyboarding/control">
   <Id Name="System.Storyboarding.WindowsApps.WindowsAppsTileMedium" Revision="1" Stencil="System.Storyboarding.WindowsApps" StencilVersion="0.1"/>
 </Control>
 </file>
 
-<file path=customXml/item11.xml><?xml version="1.0" encoding="utf-8"?>
+<file path=customXml/item122.xml><?xml version="1.0" encoding="utf-8"?>
 <Control xmlns="http://schemas.microsoft.com/VisualStudio/2011/storyboarding/control">
-  <Id Name="System.Storyboarding.Icons.Copy" Revision="1" Stencil="System.Storyboarding.Icons" StencilVersion="0.1"/>
+  <Id Name="System.Storyboarding.Media.PieChart" Revision="1" Stencil="System.Storyboarding.Media" StencilVersion="0.1"/>
 </Control>
 </file>
 
-<file path=customXml/item110.xml><?xml version="1.0" encoding="utf-8"?>
+<file path=customXml/item123.xml><?xml version="1.0" encoding="utf-8"?>
 <Control xmlns="http://schemas.microsoft.com/VisualStudio/2011/storyboarding/control">
-  <Id Name="System.Storyboarding.WindowsAppIcons.Check" Revision="1" Stencil="System.Storyboarding.WindowsAppIcons" StencilVersion="0.1"/>
+  <Id Name="System.Storyboarding.Common.RadioButtonSelected" Revision="1" Stencil="System.Storyboarding.Common" StencilVersion="0.1"/>
 </Control>
 </file>
 
-<file path=customXml/item111.xml><?xml version="1.0" encoding="utf-8"?>
-<Control xmlns="http://schemas.microsoft.com/VisualStudio/2011/storyboarding/control">
-  <Id Name="System.Storyboarding.Common.TextArea" Revision="1" Stencil="System.Storyboarding.Common" StencilVersion="0.1"/>
-</Control>
-</file>
-
-<file path=customXml/item112.xml><?xml version="1.0" encoding="utf-8"?>
+<file path=customXml/item124.xml><?xml version="1.0" encoding="utf-8"?>
 <Control xmlns="http://schemas.microsoft.com/VisualStudio/2011/storyboarding/control">
   <Id Name="System.Storyboarding.Common.TextInput" Revision="1" Stencil="System.Storyboarding.Common" StencilVersion="0.1"/>
 </Control>
 </file>
 
-<file path=customXml/item113.xml><?xml version="1.0" encoding="utf-8"?>
+<file path=customXml/item125.xml><?xml version="1.0" encoding="utf-8"?>
 <Control xmlns="http://schemas.microsoft.com/VisualStudio/2011/storyboarding/control">
   <Id Name="System.Storyboarding.Common.Text" Revision="1" Stencil="System.Storyboarding.Common" StencilVersion="0.1"/>
 </Control>
 </file>
 
-<file path=customXml/item114.xml><?xml version="1.0" encoding="utf-8"?>
+<file path=customXml/item126.xml><?xml version="1.0" encoding="utf-8"?>
 <Control xmlns="http://schemas.microsoft.com/VisualStudio/2011/storyboarding/control">
   <Id Name="System.Storyboarding.Common.Text" Revision="1" Stencil="System.Storyboarding.Common" StencilVersion="0.1"/>
 </Control>
 </file>
 
-<file path=customXml/item115.xml><?xml version="1.0" encoding="utf-8"?>
+<file path=customXml/item127.xml><?xml version="1.0" encoding="utf-8"?>
+<Control xmlns="http://schemas.microsoft.com/VisualStudio/2011/storyboarding/control">
+  <Id Name="System.Storyboarding.Common.TextInput" Revision="1" Stencil="System.Storyboarding.Common" StencilVersion="0.1"/>
+</Control>
+</file>
+
+<file path=customXml/item128.xml><?xml version="1.0" encoding="utf-8"?>
 <Control xmlns="http://schemas.microsoft.com/VisualStudio/2011/storyboarding/control">
   <Id Name="System.Storyboarding.Common.Text" Revision="1" Stencil="System.Storyboarding.Common" StencilVersion="0.1"/>
 </Control>
 </file>
 
-<file path=customXml/item116.xml><?xml version="1.0" encoding="utf-8"?>
+<file path=customXml/item129.xml><?xml version="1.0" encoding="utf-8"?>
 <Control xmlns="http://schemas.microsoft.com/VisualStudio/2011/storyboarding/control">
   <Id Name="System.Storyboarding.Common.TextInput" Revision="1" Stencil="System.Storyboarding.Common" StencilVersion="0.1"/>
 </Control>
 </file>
 
-<file path=customXml/item117.xml><?xml version="1.0" encoding="utf-8"?>
+<file path=customXml/item13.xml><?xml version="1.0" encoding="utf-8"?>
 <Control xmlns="http://schemas.microsoft.com/VisualStudio/2011/storyboarding/control">
-  <Id Name="System.Storyboarding.Icons.Lock" Revision="1" Stencil="System.Storyboarding.Icons" StencilVersion="0.1"/>
+  <Id Name="System.Storyboarding.Common.Text" Revision="1" Stencil="System.Storyboarding.Common" StencilVersion="0.1"/>
 </Control>
 </file>
 
-<file path=customXml/item118.xml><?xml version="1.0" encoding="utf-8"?>
+<file path=customXml/item130.xml><?xml version="1.0" encoding="utf-8"?>
 <Control xmlns="http://schemas.microsoft.com/VisualStudio/2011/storyboarding/control">
   <Id Name="System.Storyboarding.Common.DataGrid" Revision="1" Stencil="System.Storyboarding.Common" StencilVersion="0.1"/>
 </Control>
 </file>
 
-<file path=customXml/item119.xml><?xml version="1.0" encoding="utf-8"?>
+<file path=customXml/item131.xml><?xml version="1.0" encoding="utf-8"?>
+<Control xmlns="http://schemas.microsoft.com/VisualStudio/2011/storyboarding/control">
+  <Id Name="System.Storyboarding.Common.Text" Revision="1" Stencil="System.Storyboarding.Common" StencilVersion="0.1"/>
+</Control>
+</file>
+
+<file path=customXml/item132.xml><?xml version="1.0" encoding="utf-8"?>
 <Control xmlns="http://schemas.microsoft.com/VisualStudio/2011/storyboarding/control">
   <Id Name="System.Storyboarding.Icons.Star" Revision="1" Stencil="System.Storyboarding.Icons" StencilVersion="0.1"/>
 </Control>
 </file>
 
-<file path=customXml/item12.xml><?xml version="1.0" encoding="utf-8"?>
-<Control xmlns="http://schemas.microsoft.com/VisualStudio/2011/storyboarding/control">
-  <Id Name="System.Storyboarding.Common.MousePointer" Revision="1" Stencil="System.Storyboarding.Common" StencilVersion="0.1"/>
-</Control>
-</file>
-
-<file path=customXml/item120.xml><?xml version="1.0" encoding="utf-8"?>
+<file path=customXml/item133.xml><?xml version="1.0" encoding="utf-8"?>
 <Control xmlns="http://schemas.microsoft.com/VisualStudio/2011/storyboarding/control">
   <Id Name="System.Storyboarding.Icons.Star" Revision="1" Stencil="System.Storyboarding.Icons" StencilVersion="0.1"/>
 </Control>
 </file>
 
-<file path=customXml/item121.xml><?xml version="1.0" encoding="utf-8"?>
+<file path=customXml/item134.xml><?xml version="1.0" encoding="utf-8"?>
 <Control xmlns="http://schemas.microsoft.com/VisualStudio/2011/storyboarding/control">
   <Id Name="System.Storyboarding.Icons.Star" Revision="1" Stencil="System.Storyboarding.Icons" StencilVersion="0.1"/>
 </Control>
 </file>
 
-<file path=customXml/item122.xml><?xml version="1.0" encoding="utf-8"?>
+<file path=customXml/item135.xml><?xml version="1.0" encoding="utf-8"?>
 <Control xmlns="http://schemas.microsoft.com/VisualStudio/2011/storyboarding/control">
   <Id Name="System.Storyboarding.Icons.Star" Revision="1" Stencil="System.Storyboarding.Icons" StencilVersion="0.1"/>
 </Control>
 </file>
 
-<file path=customXml/item123.xml><?xml version="1.0" encoding="utf-8"?>
+<file path=customXml/item136.xml><?xml version="1.0" encoding="utf-8"?>
 <Control xmlns="http://schemas.microsoft.com/VisualStudio/2011/storyboarding/control">
   <Id Name="System.Storyboarding.Icons.Star" Revision="1" Stencil="System.Storyboarding.Icons" StencilVersion="0.1"/>
 </Control>
 </file>
 
-<file path=customXml/item13.xml><?xml version="1.0" encoding="utf-8"?>
+<file path=customXml/item137.xml><?xml version="1.0" encoding="utf-8"?>
 <Control xmlns="http://schemas.microsoft.com/VisualStudio/2011/storyboarding/control">
-  <Id Name="System.Storyboarding.Icons.Copy" Revision="1" Stencil="System.Storyboarding.Icons" StencilVersion="0.1"/>
+  <Id Name="System.Storyboarding.Common.Button" Revision="1" Stencil="System.Storyboarding.Common" StencilVersion="0.1"/>
 </Control>
 </file>
 
 <file path=customXml/item14.xml><?xml version="1.0" encoding="utf-8"?>
 <Control xmlns="http://schemas.microsoft.com/VisualStudio/2011/storyboarding/control">
-  <Id Name="System.Storyboarding.Common.ScrollbarVertical" Revision="1" Stencil="System.Storyboarding.Common" StencilVersion="0.1"/>
+  <Id Name="System.Storyboarding.Common.Text" Revision="1" Stencil="System.Storyboarding.Common" StencilVersion="0.1"/>
 </Control>
 </file>
 
 <file path=customXml/item15.xml><?xml version="1.0" encoding="utf-8"?>
 <Control xmlns="http://schemas.microsoft.com/VisualStudio/2011/storyboarding/control">
-  <Id Name="System.Storyboarding.Common.Text" Revision="1" Stencil="System.Storyboarding.Common" StencilVersion="0.1"/>
+  <Id Name="System.Storyboarding.Media.Image" Revision="1" Stencil="System.Storyboarding.Media" StencilVersion="0.1"/>
 </Control>
 </file>
 
@@ -11694,13 +13660,13 @@
 
 <file path=customXml/item17.xml><?xml version="1.0" encoding="utf-8"?>
 <Control xmlns="http://schemas.microsoft.com/VisualStudio/2011/storyboarding/control">
-  <Id Name="System.Storyboarding.WindowsAppIcons.Plus" Revision="1" Stencil="System.Storyboarding.WindowsAppIcons" StencilVersion="0.1"/>
+  <Id Name="System.Storyboarding.Common.ScrollbarVertical" Revision="1" Stencil="System.Storyboarding.Common" StencilVersion="0.1"/>
 </Control>
 </file>
 
 <file path=customXml/item18.xml><?xml version="1.0" encoding="utf-8"?>
 <Control xmlns="http://schemas.microsoft.com/VisualStudio/2011/storyboarding/control">
-  <Id Name="System.Storyboarding.Common.CheckBoxUnchecked" Revision="1" Stencil="System.Storyboarding.Common" StencilVersion="0.1"/>
+  <Id Name="System.Storyboarding.Common.DatePicker" Revision="1" Stencil="System.Storyboarding.Common" StencilVersion="0.1"/>
 </Control>
 </file>
 
@@ -11718,163 +13684,163 @@
 
 <file path=customXml/item20.xml><?xml version="1.0" encoding="utf-8"?>
 <Control xmlns="http://schemas.microsoft.com/VisualStudio/2011/storyboarding/control">
-  <Id Name="System.Storyboarding.WindowsApps.WindowsAppsTileWideSmall" Revision="1" Stencil="System.Storyboarding.WindowsApps" StencilVersion="0.1"/>
+  <Id Name="91f9215f-48a3-4bce-9856-a1c79d18b395" RevisionId="54383394-c8b8-40b0-9c4b-42c6089a8ac7" Stencil="172d6d98-e5c9-42e9-a209-79f7a94bbd38" StencilRevisionId="00000000-0000-0000-0000-000000000000" StencilVersion="0.0"/>
 </Control>
 </file>
 
 <file path=customXml/item21.xml><?xml version="1.0" encoding="utf-8"?>
+<Control xmlns="http://schemas.microsoft.com/VisualStudio/2011/storyboarding/control">
+  <Id Name="System.Storyboarding.Common.TextInput" Revision="1" Stencil="System.Storyboarding.Common" StencilVersion="0.1"/>
+</Control>
+</file>
+
+<file path=customXml/item22.xml><?xml version="1.0" encoding="utf-8"?>
+<Control xmlns="http://schemas.microsoft.com/VisualStudio/2011/storyboarding/control">
+  <Id Name="System.Storyboarding.Common.TextInput" Revision="1" Stencil="System.Storyboarding.Common" StencilVersion="0.1"/>
+</Control>
+</file>
+
+<file path=customXml/item23.xml><?xml version="1.0" encoding="utf-8"?>
+<Control xmlns="http://schemas.microsoft.com/VisualStudio/2011/storyboarding/control">
+  <Id Name="System.Storyboarding.WindowsApps.WindowsAppsTileMedium" Revision="1" Stencil="System.Storyboarding.WindowsApps" StencilVersion="0.1"/>
+</Control>
+</file>
+
+<file path=customXml/item24.xml><?xml version="1.0" encoding="utf-8"?>
+<Control xmlns="http://schemas.microsoft.com/VisualStudio/2011/storyboarding/control">
+  <Id Name="System.Storyboarding.Common.Hyperlink" Revision="1" Stencil="System.Storyboarding.Common" StencilVersion="0.1"/>
+</Control>
+</file>
+
+<file path=customXml/item25.xml><?xml version="1.0" encoding="utf-8"?>
 <Control xmlns="http://schemas.microsoft.com/VisualStudio/2011/storyboarding/control">
   <Id Name="System.Storyboarding.Common.Button" Revision="1" Stencil="System.Storyboarding.Common" StencilVersion="0.1"/>
 </Control>
 </file>
 
-<file path=customXml/item22.xml><?xml version="1.0" encoding="utf-8"?>
+<file path=customXml/item26.xml><?xml version="1.0" encoding="utf-8"?>
+<Control xmlns="http://schemas.microsoft.com/VisualStudio/2011/storyboarding/control">
+  <Id Name="System.Storyboarding.Common.Text" Revision="1" Stencil="System.Storyboarding.Common" StencilVersion="0.1"/>
+</Control>
+</file>
+
+<file path=customXml/item27.xml><?xml version="1.0" encoding="utf-8"?>
 <Control xmlns="http://schemas.microsoft.com/VisualStudio/2011/storyboarding/control">
   <Id Name="System.Storyboarding.Common.DatePicker" Revision="1" Stencil="System.Storyboarding.Common" StencilVersion="0.1"/>
 </Control>
 </file>
 
-<file path=customXml/item23.xml><?xml version="1.0" encoding="utf-8"?>
+<file path=customXml/item28.xml><?xml version="1.0" encoding="utf-8"?>
 <Control xmlns="http://schemas.microsoft.com/VisualStudio/2011/storyboarding/control">
-  <Id Name="System.Storyboarding.WindowsAppIcons.Heart" Revision="1" Stencil="System.Storyboarding.WindowsAppIcons" StencilVersion="0.1"/>
+  <Id Name="System.Storyboarding.Common.Button" Revision="1" Stencil="System.Storyboarding.Common" StencilVersion="0.1"/>
 </Control>
 </file>
 
-<file path=customXml/item24.xml><?xml version="1.0" encoding="utf-8"?>
+<file path=customXml/item29.xml><?xml version="1.0" encoding="utf-8"?>
 <Control xmlns="http://schemas.microsoft.com/VisualStudio/2011/storyboarding/control">
-  <Id Name="System.Storyboarding.Common.TextInput" Revision="1" Stencil="System.Storyboarding.Common" StencilVersion="0.1"/>
+  <Id Name="System.Storyboarding.WindowsApps.WindowsAppsContextMenu" Revision="1" Stencil="System.Storyboarding.WindowsApps" StencilVersion="0.1"/>
 </Control>
 </file>
 
-<file path=customXml/item25.xml><?xml version="1.0" encoding="utf-8"?>
+<file path=customXml/item3.xml><?xml version="1.0" encoding="utf-8"?>
+<Control xmlns="http://schemas.microsoft.com/VisualStudio/2011/storyboarding/control">
+  <Id Name="System.Storyboarding.WindowsApps.WindowsAppsTileWideSmall" Revision="1" Stencil="System.Storyboarding.WindowsApps" StencilVersion="0.1"/>
+</Control>
+</file>
+
+<file path=customXml/item30.xml><?xml version="1.0" encoding="utf-8"?>
+<Control xmlns="http://schemas.microsoft.com/VisualStudio/2011/storyboarding/control">
+  <Id Name="System.Storyboarding.Common.Text" Revision="1" Stencil="System.Storyboarding.Common" StencilVersion="0.1"/>
+</Control>
+</file>
+
+<file path=customXml/item31.xml><?xml version="1.0" encoding="utf-8"?>
+<Control xmlns="http://schemas.microsoft.com/VisualStudio/2011/storyboarding/control">
+  <Id Name="System.Storyboarding.Common.DataGrid" Revision="1" Stencil="System.Storyboarding.Common" StencilVersion="0.1"/>
+</Control>
+</file>
+
+<file path=customXml/item32.xml><?xml version="1.0" encoding="utf-8"?>
+<Control xmlns="http://schemas.microsoft.com/VisualStudio/2011/storyboarding/control">
+  <Id Name="System.Storyboarding.WindowsApps.WindowsAppsTileMedium" Revision="1" Stencil="System.Storyboarding.WindowsApps" StencilVersion="0.1"/>
+</Control>
+</file>
+
+<file path=customXml/item33.xml><?xml version="1.0" encoding="utf-8"?>
+<Control xmlns="http://schemas.microsoft.com/VisualStudio/2011/storyboarding/control">
+  <Id Name="System.Storyboarding.WindowsApps.WindowsAppsEditBox" Revision="1" Stencil="System.Storyboarding.WindowsApps" StencilVersion="0.1"/>
+</Control>
+</file>
+
+<file path=customXml/item34.xml><?xml version="1.0" encoding="utf-8"?>
+<Control xmlns="http://schemas.microsoft.com/VisualStudio/2011/storyboarding/control">
+  <Id Name="System.Storyboarding.Backgrounds.DesktopTaskbar" Revision="1" Stencil="System.Storyboarding.Backgrounds" StencilVersion="0.1"/>
+</Control>
+</file>
+
+<file path=customXml/item35.xml><?xml version="1.0" encoding="utf-8"?>
+<Control xmlns="http://schemas.microsoft.com/VisualStudio/2011/storyboarding/control">
+  <Id Name="System.Storyboarding.WindowsApps.WindowsAppsButton" Revision="1" Stencil="System.Storyboarding.WindowsApps" StencilVersion="0.1"/>
+</Control>
+</file>
+
+<file path=customXml/item36.xml><?xml version="1.0" encoding="utf-8"?>
+<Control xmlns="http://schemas.microsoft.com/VisualStudio/2011/storyboarding/control">
+  <Id Name="System.Storyboarding.WindowsApps.WindowsAppsButton" Revision="1" Stencil="System.Storyboarding.WindowsApps" StencilVersion="0.1"/>
+</Control>
+</file>
+
+<file path=customXml/item37.xml><?xml version="1.0" encoding="utf-8"?>
+<Control xmlns="http://schemas.microsoft.com/VisualStudio/2011/storyboarding/control">
+  <Id Name="System.Storyboarding.WindowsAppIcons.Like" Revision="1" Stencil="System.Storyboarding.WindowsAppIcons" StencilVersion="0.1"/>
+</Control>
+</file>
+
+<file path=customXml/item38.xml><?xml version="1.0" encoding="utf-8"?>
 <Control xmlns="http://schemas.microsoft.com/VisualStudio/2011/storyboarding/control">
   <Id Name="32035d07-bc66-4a79-8001-2507012193e3" RevisionId="7f6cc906-8fab-4878-8f41-90bcdc4e860e" Stencil="172d6d98-e5c9-42e9-a209-79f7a94bbd38" StencilRevisionId="00000000-0000-0000-0000-000000000000" StencilVersion="0.0"/>
 </Control>
 </file>
 
-<file path=customXml/item26.xml><?xml version="1.0" encoding="utf-8"?>
+<file path=customXml/item39.xml><?xml version="1.0" encoding="utf-8"?>
 <Control xmlns="http://schemas.microsoft.com/VisualStudio/2011/storyboarding/control">
-  <Id Name="System.Storyboarding.Common.CheckBoxUnchecked" Revision="1" Stencil="System.Storyboarding.Common" StencilVersion="0.1"/>
+  <Id Name="System.Storyboarding.Icons.Star" Revision="1" Stencil="System.Storyboarding.Icons" StencilVersion="0.1"/>
 </Control>
 </file>
 
-<file path=customXml/item27.xml><?xml version="1.0" encoding="utf-8"?>
+<file path=customXml/item4.xml><?xml version="1.0" encoding="utf-8"?>
 <Control xmlns="http://schemas.microsoft.com/VisualStudio/2011/storyboarding/control">
-  <Id Name="System.Storyboarding.Common.Text" Revision="1" Stencil="System.Storyboarding.Common" StencilVersion="0.1"/>
+  <Id Name="System.Storyboarding.Icons.Copy" Revision="1" Stencil="System.Storyboarding.Icons" StencilVersion="0.1"/>
 </Control>
 </file>
 
-<file path=customXml/item28.xml><?xml version="1.0" encoding="utf-8"?>
-<Control xmlns="http://schemas.microsoft.com/VisualStudio/2011/storyboarding/control">
-  <Id Name="System.Storyboarding.WindowsAppIcons.Hyperlink" Revision="1" Stencil="System.Storyboarding.WindowsAppIcons" StencilVersion="0.1"/>
-</Control>
-</file>
-
-<file path=customXml/item29.xml><?xml version="1.0" encoding="utf-8"?>
-<Control xmlns="http://schemas.microsoft.com/VisualStudio/2011/storyboarding/control">
-  <Id Name="System.Storyboarding.WindowsPhone.PageTitle" Revision="1" Stencil="System.Storyboarding.WindowsPhone" StencilVersion="0.1"/>
-</Control>
-</file>
-
-<file path=customXml/item3.xml><?xml version="1.0" encoding="utf-8"?>
+<file path=customXml/item40.xml><?xml version="1.0" encoding="utf-8"?>
 <Control xmlns="http://schemas.microsoft.com/VisualStudio/2011/storyboarding/control">
   <Id Name="System.Storyboarding.WindowsApps.WindowsAppsContextMenu" Revision="1" Stencil="System.Storyboarding.WindowsApps" StencilVersion="0.1"/>
 </Control>
 </file>
 
-<file path=customXml/item30.xml><?xml version="1.0" encoding="utf-8"?>
+<file path=customXml/item41.xml><?xml version="1.0" encoding="utf-8"?>
 <Control xmlns="http://schemas.microsoft.com/VisualStudio/2011/storyboarding/control">
-  <Id Name="91f9215f-48a3-4bce-9856-a1c79d18b395" RevisionId="54383394-c8b8-40b0-9c4b-42c6089a8ac7" Stencil="172d6d98-e5c9-42e9-a209-79f7a94bbd38" StencilRevisionId="00000000-0000-0000-0000-000000000000" StencilVersion="0.0"/>
+  <Id Name="System.Storyboarding.Common.MousePointer" Revision="1" Stencil="System.Storyboarding.Common" StencilVersion="0.1"/>
 </Control>
 </file>
 
-<file path=customXml/item31.xml><?xml version="1.0" encoding="utf-8"?>
+<file path=customXml/item42.xml><?xml version="1.0" encoding="utf-8"?>
 <Control xmlns="http://schemas.microsoft.com/VisualStudio/2011/storyboarding/control">
-  <Id Name="System.Storyboarding.Common.CheckBoxUnchecked" Revision="1" Stencil="System.Storyboarding.Common" StencilVersion="0.1"/>
+  <Id Name="System.Storyboarding.WindowsAppIcons.Plus" Revision="1" Stencil="System.Storyboarding.WindowsAppIcons" StencilVersion="0.1"/>
 </Control>
 </file>
 
-<file path=customXml/item32.xml><?xml version="1.0" encoding="utf-8"?>
+<file path=customXml/item43.xml><?xml version="1.0" encoding="utf-8"?>
 <Control xmlns="http://schemas.microsoft.com/VisualStudio/2011/storyboarding/control">
-  <Id Name="System.Storyboarding.Backgrounds.DesktopTaskbar" Revision="1" Stencil="System.Storyboarding.Backgrounds" StencilVersion="0.1"/>
+  <Id Name="32035d07-bc66-4a79-8001-2507012193e3" RevisionId="7f6cc906-8fab-4878-8f41-90bcdc4e860e" Stencil="172d6d98-e5c9-42e9-a209-79f7a94bbd38" StencilRevisionId="00000000-0000-0000-0000-000000000000" StencilVersion="0.0"/>
 </Control>
 </file>
 
-<file path=customXml/item33.xml><?xml version="1.0" encoding="utf-8"?>
+<file path=customXml/item44.xml><?xml version="1.0" encoding="utf-8"?>
 <Control xmlns="http://schemas.microsoft.com/VisualStudio/2011/storyboarding/control">
   <Id Name="System.Storyboarding.Media.HorizontalBarChart" Revision="1" Stencil="System.Storyboarding.Media" StencilVersion="0.1"/>
-</Control>
-</file>
-
-<file path=customXml/item34.xml><?xml version="1.0" encoding="utf-8"?>
-<Control xmlns="http://schemas.microsoft.com/VisualStudio/2011/storyboarding/control">
-  <Id Name="System.Storyboarding.Common.Text" Revision="1" Stencil="System.Storyboarding.Common" StencilVersion="0.1"/>
-</Control>
-</file>
-
-<file path=customXml/item35.xml><?xml version="1.0" encoding="utf-8"?>
-<Control xmlns="http://schemas.microsoft.com/VisualStudio/2011/storyboarding/control">
-  <Id Name="System.Storyboarding.Common.TextInput" Revision="1" Stencil="System.Storyboarding.Common" StencilVersion="0.1"/>
-</Control>
-</file>
-
-<file path=customXml/item36.xml><?xml version="1.0" encoding="utf-8"?>
-<Control xmlns="http://schemas.microsoft.com/VisualStudio/2011/storyboarding/control">
-  <Id Name="System.Storyboarding.WindowsApps.WindowsAppsMediumWideTile" Revision="1" Stencil="System.Storyboarding.WindowsApps" StencilVersion="0.1"/>
-</Control>
-</file>
-
-<file path=customXml/item37.xml><?xml version="1.0" encoding="utf-8"?>
-<Control xmlns="http://schemas.microsoft.com/VisualStudio/2011/storyboarding/control">
-  <Id Name="System.Storyboarding.Backgrounds.WebBrowser" Revision="1" Stencil="System.Storyboarding.Backgrounds" StencilVersion="0.1"/>
-</Control>
-</file>
-
-<file path=customXml/item38.xml><?xml version="1.0" encoding="utf-8"?>
-<Control xmlns="http://schemas.microsoft.com/VisualStudio/2011/storyboarding/control">
-  <Id Name="System.Storyboarding.Common.RadioButtonSelected" Revision="1" Stencil="System.Storyboarding.Common" StencilVersion="0.1"/>
-</Control>
-</file>
-
-<file path=customXml/item39.xml><?xml version="1.0" encoding="utf-8"?>
-<Control xmlns="http://schemas.microsoft.com/VisualStudio/2011/storyboarding/control">
-  <Id Name="System.Storyboarding.Common.ScrollbarVertical" Revision="1" Stencil="System.Storyboarding.Common" StencilVersion="0.1"/>
-</Control>
-</file>
-
-<file path=customXml/item4.xml><?xml version="1.0" encoding="utf-8"?>
-<Control xmlns="http://schemas.microsoft.com/VisualStudio/2011/storyboarding/control">
-  <Id Name="System.Storyboarding.Backgrounds.WebBrowser" Revision="1" Stencil="System.Storyboarding.Backgrounds" StencilVersion="0.1"/>
-</Control>
-</file>
-
-<file path=customXml/item40.xml><?xml version="1.0" encoding="utf-8"?>
-<Control xmlns="http://schemas.microsoft.com/VisualStudio/2011/storyboarding/control">
-  <Id Name="System.Storyboarding.WindowsApps.WindowsAppsTileWideSmall" Revision="1" Stencil="System.Storyboarding.WindowsApps" StencilVersion="0.1"/>
-</Control>
-</file>
-
-<file path=customXml/item41.xml><?xml version="1.0" encoding="utf-8"?>
-<Control xmlns="http://schemas.microsoft.com/VisualStudio/2011/storyboarding/control">
-  <Id Name="System.Storyboarding.Media.Image" Revision="1" Stencil="System.Storyboarding.Media" StencilVersion="0.1"/>
-</Control>
-</file>
-
-<file path=customXml/item42.xml><?xml version="1.0" encoding="utf-8"?>
-<Control xmlns="http://schemas.microsoft.com/VisualStudio/2011/storyboarding/control">
-  <Id Name="System.Storyboarding.WindowsApps.WindowsAppsTileWideSmall" Revision="1" Stencil="System.Storyboarding.WindowsApps" StencilVersion="0.1"/>
-</Control>
-</file>
-
-<file path=customXml/item43.xml><?xml version="1.0" encoding="utf-8"?>
-<Control xmlns="http://schemas.microsoft.com/VisualStudio/2011/storyboarding/control">
-  <Id Name="System.Storyboarding.Common.TextInput" Revision="1" Stencil="System.Storyboarding.Common" StencilVersion="0.1"/>
-</Control>
-</file>
-
-<file path=customXml/item44.xml><?xml version="1.0" encoding="utf-8"?>
-<Control xmlns="http://schemas.microsoft.com/VisualStudio/2011/storyboarding/control">
-  <Id Name="System.Storyboarding.Common.CheckBoxUnchecked" Revision="1" Stencil="System.Storyboarding.Common" StencilVersion="0.1"/>
 </Control>
 </file>
 
@@ -11892,25 +13858,25 @@
 
 <file path=customXml/item47.xml><?xml version="1.0" encoding="utf-8"?>
 <Control xmlns="http://schemas.microsoft.com/VisualStudio/2011/storyboarding/control">
-  <Id Name="System.Storyboarding.WindowsAppIcons.Plus" Revision="1" Stencil="System.Storyboarding.WindowsAppIcons" StencilVersion="0.1"/>
+  <Id Name="System.Storyboarding.Common.Button" Revision="1" Stencil="System.Storyboarding.Common" StencilVersion="0.1"/>
 </Control>
 </file>
 
 <file path=customXml/item48.xml><?xml version="1.0" encoding="utf-8"?>
 <Control xmlns="http://schemas.microsoft.com/VisualStudio/2011/storyboarding/control">
-  <Id Name="System.Storyboarding.WindowsApps.WindowsAppsTileMedium" Revision="1" Stencil="System.Storyboarding.WindowsApps" StencilVersion="0.1"/>
+  <Id Name="System.Storyboarding.Backgrounds.DesktopTaskbar" Revision="1" Stencil="System.Storyboarding.Backgrounds" StencilVersion="0.1"/>
 </Control>
 </file>
 
 <file path=customXml/item49.xml><?xml version="1.0" encoding="utf-8"?>
 <Control xmlns="http://schemas.microsoft.com/VisualStudio/2011/storyboarding/control">
-  <Id Name="System.Storyboarding.Common.ScrollbarVertical" Revision="1" Stencil="System.Storyboarding.Common" StencilVersion="0.1"/>
+  <Id Name="System.Storyboarding.Common.DatePicker" Revision="1" Stencil="System.Storyboarding.Common" StencilVersion="0.1"/>
 </Control>
 </file>
 
 <file path=customXml/item5.xml><?xml version="1.0" encoding="utf-8"?>
 <Control xmlns="http://schemas.microsoft.com/VisualStudio/2011/storyboarding/control">
-  <Id Name="System.Storyboarding.Common.Text" Revision="1" Stencil="System.Storyboarding.Common" StencilVersion="0.1"/>
+  <Id Name="System.Storyboarding.Backgrounds.DesktopTaskbar" Revision="1" Stencil="System.Storyboarding.Backgrounds" StencilVersion="0.1"/>
 </Control>
 </file>
 
@@ -11922,19 +13888,19 @@
 
 <file path=customXml/item51.xml><?xml version="1.0" encoding="utf-8"?>
 <Control xmlns="http://schemas.microsoft.com/VisualStudio/2011/storyboarding/control">
-  <Id Name="System.Storyboarding.WindowsApps.WindowsAppsEditBox" Revision="1" Stencil="System.Storyboarding.WindowsApps" StencilVersion="0.1"/>
+  <Id Name="System.Storyboarding.Common.TextInput" Revision="1" Stencil="System.Storyboarding.Common" StencilVersion="0.1"/>
 </Control>
 </file>
 
 <file path=customXml/item52.xml><?xml version="1.0" encoding="utf-8"?>
 <Control xmlns="http://schemas.microsoft.com/VisualStudio/2011/storyboarding/control">
-  <Id Name="System.Storyboarding.Common.Text" Revision="1" Stencil="System.Storyboarding.Common" StencilVersion="0.1"/>
+  <Id Name="System.Storyboarding.WindowsApps.WindowsAppsTileWideSmall" Revision="1" Stencil="System.Storyboarding.WindowsApps" StencilVersion="0.1"/>
 </Control>
 </file>
 
 <file path=customXml/item53.xml><?xml version="1.0" encoding="utf-8"?>
 <Control xmlns="http://schemas.microsoft.com/VisualStudio/2011/storyboarding/control">
-  <Id Name="System.Storyboarding.Common.Text" Revision="1" Stencil="System.Storyboarding.Common" StencilVersion="0.1"/>
+  <Id Name="System.Storyboarding.Media.Image" Revision="1" Stencil="System.Storyboarding.Media" StencilVersion="0.1"/>
 </Control>
 </file>
 
@@ -11946,55 +13912,55 @@
 
 <file path=customXml/item55.xml><?xml version="1.0" encoding="utf-8"?>
 <Control xmlns="http://schemas.microsoft.com/VisualStudio/2011/storyboarding/control">
-  <Id Name="System.Storyboarding.Common.RadioButtonSelected" Revision="1" Stencil="System.Storyboarding.Common" StencilVersion="0.1"/>
+  <Id Name="System.Storyboarding.WindowsApps.WindowsAppsTileWideSmall" Revision="1" Stencil="System.Storyboarding.WindowsApps" StencilVersion="0.1"/>
 </Control>
 </file>
 
 <file path=customXml/item56.xml><?xml version="1.0" encoding="utf-8"?>
-<Control xmlns="http://schemas.microsoft.com/VisualStudio/2011/storyboarding/control">
-  <Id Name="System.Storyboarding.Common.Hyperlink" Revision="1" Stencil="System.Storyboarding.Common" StencilVersion="0.1"/>
-</Control>
-</file>
-
-<file path=customXml/item57.xml><?xml version="1.0" encoding="utf-8"?>
-<Control xmlns="http://schemas.microsoft.com/VisualStudio/2011/storyboarding/control">
-  <Id Name="System.Storyboarding.Common.DatePicker" Revision="1" Stencil="System.Storyboarding.Common" StencilVersion="0.1"/>
-</Control>
-</file>
-
-<file path=customXml/item58.xml><?xml version="1.0" encoding="utf-8"?>
-<Control xmlns="http://schemas.microsoft.com/VisualStudio/2011/storyboarding/control">
-  <Id Name="System.Storyboarding.Media.PieChart" Revision="1" Stencil="System.Storyboarding.Media" StencilVersion="0.1"/>
-</Control>
-</file>
-
-<file path=customXml/item59.xml><?xml version="1.0" encoding="utf-8"?>
 <Control xmlns="http://schemas.microsoft.com/VisualStudio/2011/storyboarding/control">
   <Id Name="System.Storyboarding.Common.Button" Revision="1" Stencil="System.Storyboarding.Common" StencilVersion="0.1"/>
 </Control>
 </file>
 
+<file path=customXml/item57.xml><?xml version="1.0" encoding="utf-8"?>
+<Control xmlns="http://schemas.microsoft.com/VisualStudio/2011/storyboarding/control">
+  <Id Name="System.Storyboarding.WindowsApps.WindowsAppsTileWideSmall" Revision="1" Stencil="System.Storyboarding.WindowsApps" StencilVersion="0.1"/>
+</Control>
+</file>
+
+<file path=customXml/item58.xml><?xml version="1.0" encoding="utf-8"?>
+<Control xmlns="http://schemas.microsoft.com/VisualStudio/2011/storyboarding/control">
+  <Id Name="System.Storyboarding.Media.VerticalBarChart" Revision="1" Stencil="System.Storyboarding.Media" StencilVersion="0.1"/>
+</Control>
+</file>
+
+<file path=customXml/item59.xml><?xml version="1.0" encoding="utf-8"?>
+<Control xmlns="http://schemas.microsoft.com/VisualStudio/2011/storyboarding/control">
+  <Id Name="System.Storyboarding.Common.RadioButtonUnselected" Revision="1" Stencil="System.Storyboarding.Common" StencilVersion="0.1"/>
+</Control>
+</file>
+
 <file path=customXml/item6.xml><?xml version="1.0" encoding="utf-8"?>
 <Control xmlns="http://schemas.microsoft.com/VisualStudio/2011/storyboarding/control">
-  <Id Name="System.Storyboarding.Common.CheckBoxUnchecked" Revision="1" Stencil="System.Storyboarding.Common" StencilVersion="0.1"/>
+  <Id Name="System.Storyboarding.Backgrounds.WebBrowser" Revision="1" Stencil="System.Storyboarding.Backgrounds" StencilVersion="0.1"/>
 </Control>
 </file>
 
 <file path=customXml/item60.xml><?xml version="1.0" encoding="utf-8"?>
 <Control xmlns="http://schemas.microsoft.com/VisualStudio/2011/storyboarding/control">
-  <Id Name="System.Storyboarding.Backgrounds.DesktopTaskbar" Revision="1" Stencil="System.Storyboarding.Backgrounds" StencilVersion="0.1"/>
+  <Id Name="System.Storyboarding.Common.TextInput" Revision="1" Stencil="System.Storyboarding.Common" StencilVersion="0.1"/>
 </Control>
 </file>
 
 <file path=customXml/item61.xml><?xml version="1.0" encoding="utf-8"?>
 <Control xmlns="http://schemas.microsoft.com/VisualStudio/2011/storyboarding/control">
-  <Id Name="System.Storyboarding.WindowsApps.WindowsAppsMediumWideTile" Revision="1" Stencil="System.Storyboarding.WindowsApps" StencilVersion="0.1"/>
+  <Id Name="System.Storyboarding.Common.Text" Revision="1" Stencil="System.Storyboarding.Common" StencilVersion="0.1"/>
 </Control>
 </file>
 
 <file path=customXml/item62.xml><?xml version="1.0" encoding="utf-8"?>
 <Control xmlns="http://schemas.microsoft.com/VisualStudio/2011/storyboarding/control">
-  <Id Name="System.Storyboarding.WindowsApps.WindowsAppsTileWideSmall" Revision="1" Stencil="System.Storyboarding.WindowsApps" StencilVersion="0.1"/>
+  <Id Name="System.Storyboarding.Common.TextArea" Revision="1" Stencil="System.Storyboarding.Common" StencilVersion="0.1"/>
 </Control>
 </file>
 
@@ -12006,79 +13972,79 @@
 
 <file path=customXml/item64.xml><?xml version="1.0" encoding="utf-8"?>
 <Control xmlns="http://schemas.microsoft.com/VisualStudio/2011/storyboarding/control">
-  <Id Name="System.Storyboarding.Common.Button" Revision="1" Stencil="System.Storyboarding.Common" StencilVersion="0.1"/>
+  <Id Name="System.Storyboarding.Common.CheckBoxUnchecked" Revision="1" Stencil="System.Storyboarding.Common" StencilVersion="0.1"/>
 </Control>
 </file>
 
 <file path=customXml/item65.xml><?xml version="1.0" encoding="utf-8"?>
-<Control xmlns="http://schemas.microsoft.com/VisualStudio/2011/storyboarding/control">
-  <Id Name="System.Storyboarding.Common.Button" Revision="1" Stencil="System.Storyboarding.Common" StencilVersion="0.1"/>
-</Control>
-</file>
-
-<file path=customXml/item66.xml><?xml version="1.0" encoding="utf-8"?>
-<Control xmlns="http://schemas.microsoft.com/VisualStudio/2011/storyboarding/control">
-  <Id Name="System.Storyboarding.Common.RadioButtonSelected" Revision="1" Stencil="System.Storyboarding.Common" StencilVersion="0.1"/>
-</Control>
-</file>
-
-<file path=customXml/item67.xml><?xml version="1.0" encoding="utf-8"?>
-<Control xmlns="http://schemas.microsoft.com/VisualStudio/2011/storyboarding/control">
-  <Id Name="System.Storyboarding.Backgrounds.DesktopTaskbar" Revision="1" Stencil="System.Storyboarding.Backgrounds" StencilVersion="0.1"/>
-</Control>
-</file>
-
-<file path=customXml/item68.xml><?xml version="1.0" encoding="utf-8"?>
-<Control xmlns="http://schemas.microsoft.com/VisualStudio/2011/storyboarding/control">
-  <Id Name="System.Storyboarding.WindowsApps.WindowsAppsTileMedium" Revision="1" Stencil="System.Storyboarding.WindowsApps" StencilVersion="0.1"/>
-</Control>
-</file>
-
-<file path=customXml/item69.xml><?xml version="1.0" encoding="utf-8"?>
 <Control xmlns="http://schemas.microsoft.com/VisualStudio/2011/storyboarding/control">
   <Id Name="System.Storyboarding.Common.Text" Revision="1" Stencil="System.Storyboarding.Common" StencilVersion="0.1"/>
 </Control>
 </file>
 
-<file path=customXml/item7.xml><?xml version="1.0" encoding="utf-8"?>
+<file path=customXml/item66.xml><?xml version="1.0" encoding="utf-8"?>
+<Control xmlns="http://schemas.microsoft.com/VisualStudio/2011/storyboarding/control">
+  <Id Name="System.Storyboarding.WindowsAppIcons.Heart" Revision="1" Stencil="System.Storyboarding.WindowsAppIcons" StencilVersion="0.1"/>
+</Control>
+</file>
+
+<file path=customXml/item67.xml><?xml version="1.0" encoding="utf-8"?>
+<Control xmlns="http://schemas.microsoft.com/VisualStudio/2011/storyboarding/control">
+  <Id Name="System.Storyboarding.WindowsAppIcons.Hyperlink" Revision="1" Stencil="System.Storyboarding.WindowsAppIcons" StencilVersion="0.1"/>
+</Control>
+</file>
+
+<file path=customXml/item68.xml><?xml version="1.0" encoding="utf-8"?>
 <Control xmlns="http://schemas.microsoft.com/VisualStudio/2011/storyboarding/control">
   <Id Name="System.Storyboarding.WindowsApps.WindowsAppsMediumWideTile" Revision="1" Stencil="System.Storyboarding.WindowsApps" StencilVersion="0.1"/>
 </Control>
 </file>
 
-<file path=customXml/item70.xml><?xml version="1.0" encoding="utf-8"?>
+<file path=customXml/item69.xml><?xml version="1.0" encoding="utf-8"?>
 <Control xmlns="http://schemas.microsoft.com/VisualStudio/2011/storyboarding/control">
-  <Id Name="System.Storyboarding.Common.Button" Revision="1" Stencil="System.Storyboarding.Common" StencilVersion="0.1"/>
+  <Id Name="System.Storyboarding.Common.ScrollbarVertical" Revision="1" Stencil="System.Storyboarding.Common" StencilVersion="0.1"/>
 </Control>
 </file>
 
-<file path=customXml/item71.xml><?xml version="1.0" encoding="utf-8"?>
+<file path=customXml/item7.xml><?xml version="1.0" encoding="utf-8"?>
 <Control xmlns="http://schemas.microsoft.com/VisualStudio/2011/storyboarding/control">
   <Id Name="System.Storyboarding.Common.Text" Revision="1" Stencil="System.Storyboarding.Common" StencilVersion="0.1"/>
 </Control>
 </file>
 
+<file path=customXml/item70.xml><?xml version="1.0" encoding="utf-8"?>
+<Control xmlns="http://schemas.microsoft.com/VisualStudio/2011/storyboarding/control">
+  <Id Name="System.Storyboarding.Common.DatePicker" Revision="1" Stencil="System.Storyboarding.Common" StencilVersion="0.1"/>
+</Control>
+</file>
+
+<file path=customXml/item71.xml><?xml version="1.0" encoding="utf-8"?>
+<Control xmlns="http://schemas.microsoft.com/VisualStudio/2011/storyboarding/control">
+  <Id Name="System.Storyboarding.Backgrounds.WebBrowser" Revision="1" Stencil="System.Storyboarding.Backgrounds" StencilVersion="0.1"/>
+</Control>
+</file>
+
 <file path=customXml/item72.xml><?xml version="1.0" encoding="utf-8"?>
 <Control xmlns="http://schemas.microsoft.com/VisualStudio/2011/storyboarding/control">
-  <Id Name="System.Storyboarding.Backgrounds.DesktopTaskbar" Revision="1" Stencil="System.Storyboarding.Backgrounds" StencilVersion="0.1"/>
+  <Id Name="System.Storyboarding.Common.Text" Revision="1" Stencil="System.Storyboarding.Common" StencilVersion="0.1"/>
 </Control>
 </file>
 
 <file path=customXml/item73.xml><?xml version="1.0" encoding="utf-8"?>
+<Control xmlns="http://schemas.microsoft.com/VisualStudio/2011/storyboarding/control">
+  <Id Name="System.Storyboarding.Icons.Star" Revision="1" Stencil="System.Storyboarding.Icons" StencilVersion="0.1"/>
+</Control>
+</file>
+
+<file path=customXml/item74.xml><?xml version="1.0" encoding="utf-8"?>
 <Control xmlns="http://schemas.microsoft.com/VisualStudio/2011/storyboarding/control">
   <Id Name="System.Storyboarding.Common.TextInput" Revision="1" Stencil="System.Storyboarding.Common" StencilVersion="0.1"/>
 </Control>
 </file>
 
-<file path=customXml/item74.xml><?xml version="1.0" encoding="utf-8"?>
-<Control xmlns="http://schemas.microsoft.com/VisualStudio/2011/storyboarding/control">
-  <Id Name="System.Storyboarding.WindowsApps.WindowsAppsTileWideSmall" Revision="1" Stencil="System.Storyboarding.WindowsApps" StencilVersion="0.1"/>
-</Control>
-</file>
-
 <file path=customXml/item75.xml><?xml version="1.0" encoding="utf-8"?>
 <Control xmlns="http://schemas.microsoft.com/VisualStudio/2011/storyboarding/control">
-  <Id Name="System.Storyboarding.WindowsApps.WindowsAppsTileWideSmall" Revision="1" Stencil="System.Storyboarding.WindowsApps" StencilVersion="0.1"/>
+  <Id Name="System.Storyboarding.Common.CheckBoxUnchecked" Revision="1" Stencil="System.Storyboarding.Common" StencilVersion="0.1"/>
 </Control>
 </file>
 
@@ -12090,156 +14056,156 @@
 
 <file path=customXml/item77.xml><?xml version="1.0" encoding="utf-8"?>
 <Control xmlns="http://schemas.microsoft.com/VisualStudio/2011/storyboarding/control">
-  <Id Name="System.Storyboarding.Common.DatePicker" Revision="1" Stencil="System.Storyboarding.Common" StencilVersion="0.1"/>
+  <Id Name="System.Storyboarding.Common.Text" Revision="1" Stencil="System.Storyboarding.Common" StencilVersion="0.1"/>
 </Control>
 </file>
 
 <file path=customXml/item78.xml><?xml version="1.0" encoding="utf-8"?>
+<Control xmlns="http://schemas.microsoft.com/VisualStudio/2011/storyboarding/control">
+  <Id Name="System.Storyboarding.Backgrounds.DesktopTaskbar" Revision="1" Stencil="System.Storyboarding.Backgrounds" StencilVersion="0.1"/>
+</Control>
+</file>
+
+<file path=customXml/item79.xml><?xml version="1.0" encoding="utf-8"?>
+<Control xmlns="http://schemas.microsoft.com/VisualStudio/2011/storyboarding/control">
+  <Id Name="System.Storyboarding.Common.Button" Revision="1" Stencil="System.Storyboarding.Common" StencilVersion="0.1"/>
+</Control>
+</file>
+
+<file path=customXml/item8.xml><?xml version="1.0" encoding="utf-8"?>
+<Control xmlns="http://schemas.microsoft.com/VisualStudio/2011/storyboarding/control">
+  <Id Name="System.Storyboarding.Media.PieChart" Revision="1" Stencil="System.Storyboarding.Media" StencilVersion="0.1"/>
+</Control>
+</file>
+
+<file path=customXml/item80.xml><?xml version="1.0" encoding="utf-8"?>
+<Control xmlns="http://schemas.microsoft.com/VisualStudio/2011/storyboarding/control">
+  <Id Name="System.Storyboarding.Common.TextInput" Revision="1" Stencil="System.Storyboarding.Common" StencilVersion="0.1"/>
+</Control>
+</file>
+
+<file path=customXml/item81.xml><?xml version="1.0" encoding="utf-8"?>
 <Control xmlns="http://schemas.microsoft.com/VisualStudio/2011/storyboarding/control">
   <Id Name="System.Storyboarding.Common.MousePointer" Revision="1" Stencil="System.Storyboarding.Common" StencilVersion="0.1"/>
 </Control>
 </file>
 
-<file path=customXml/item79.xml><?xml version="1.0" encoding="utf-8"?>
+<file path=customXml/item82.xml><?xml version="1.0" encoding="utf-8"?>
+<Control xmlns="http://schemas.microsoft.com/VisualStudio/2011/storyboarding/control">
+  <Id Name="System.Storyboarding.Backgrounds.WebBrowser" Revision="1" Stencil="System.Storyboarding.Backgrounds" StencilVersion="0.1"/>
+</Control>
+</file>
+
+<file path=customXml/item83.xml><?xml version="1.0" encoding="utf-8"?>
+<Control xmlns="http://schemas.microsoft.com/VisualStudio/2011/storyboarding/control">
+  <Id Name="System.Storyboarding.Common.Text" Revision="1" Stencil="System.Storyboarding.Common" StencilVersion="0.1"/>
+</Control>
+</file>
+
+<file path=customXml/item84.xml><?xml version="1.0" encoding="utf-8"?>
+<Control xmlns="http://schemas.microsoft.com/VisualStudio/2011/storyboarding/control">
+  <Id Name="System.Storyboarding.Common.RadioButtonSelected" Revision="1" Stencil="System.Storyboarding.Common" StencilVersion="0.1"/>
+</Control>
+</file>
+
+<file path=customXml/item85.xml><?xml version="1.0" encoding="utf-8"?>
+<Control xmlns="http://schemas.microsoft.com/VisualStudio/2011/storyboarding/control">
+  <Id Name="System.Storyboarding.WindowsApps.WindowsAppsTileWideSmall" Revision="1" Stencil="System.Storyboarding.WindowsApps" StencilVersion="0.1"/>
+</Control>
+</file>
+
+<file path=customXml/item86.xml><?xml version="1.0" encoding="utf-8"?>
+<Control xmlns="http://schemas.microsoft.com/VisualStudio/2011/storyboarding/control">
+  <Id Name="System.Storyboarding.WindowsApps.WindowsAppsTileWideSmall" Revision="1" Stencil="System.Storyboarding.WindowsApps" StencilVersion="0.1"/>
+</Control>
+</file>
+
+<file path=customXml/item87.xml><?xml version="1.0" encoding="utf-8"?>
+<Control xmlns="http://schemas.microsoft.com/VisualStudio/2011/storyboarding/control">
+  <Id Name="System.Storyboarding.Icons.Star" Revision="1" Stencil="System.Storyboarding.Icons" StencilVersion="0.1"/>
+</Control>
+</file>
+
+<file path=customXml/item88.xml><?xml version="1.0" encoding="utf-8"?>
+<Control xmlns="http://schemas.microsoft.com/VisualStudio/2011/storyboarding/control">
+  <Id Name="System.Storyboarding.Backgrounds.WebBrowser" Revision="1" Stencil="System.Storyboarding.Backgrounds" StencilVersion="0.1"/>
+</Control>
+</file>
+
+<file path=customXml/item89.xml><?xml version="1.0" encoding="utf-8"?>
+<Control xmlns="http://schemas.microsoft.com/VisualStudio/2011/storyboarding/control">
+  <Id Name="System.Storyboarding.Common.Text" Revision="1" Stencil="System.Storyboarding.Common" StencilVersion="0.1"/>
+</Control>
+</file>
+
+<file path=customXml/item9.xml><?xml version="1.0" encoding="utf-8"?>
+<Control xmlns="http://schemas.microsoft.com/VisualStudio/2011/storyboarding/control">
+  <Id Name="System.Storyboarding.WindowsApps.WindowsAppsTileWideSmall" Revision="1" Stencil="System.Storyboarding.WindowsApps" StencilVersion="0.1"/>
+</Control>
+</file>
+
+<file path=customXml/item90.xml><?xml version="1.0" encoding="utf-8"?>
+<Control xmlns="http://schemas.microsoft.com/VisualStudio/2011/storyboarding/control">
+  <Id Name="System.Storyboarding.Icons.Copy" Revision="1" Stencil="System.Storyboarding.Icons" StencilVersion="0.1"/>
+</Control>
+</file>
+
+<file path=customXml/item91.xml><?xml version="1.0" encoding="utf-8"?>
+<Control xmlns="http://schemas.microsoft.com/VisualStudio/2011/storyboarding/control">
+  <Id Name="System.Storyboarding.Common.CheckBoxUnchecked" Revision="1" Stencil="System.Storyboarding.Common" StencilVersion="0.1"/>
+</Control>
+</file>
+
+<file path=customXml/item92.xml><?xml version="1.0" encoding="utf-8"?>
+<Control xmlns="http://schemas.microsoft.com/VisualStudio/2011/storyboarding/control">
+  <Id Name="System.Storyboarding.Common.ScrollbarVertical" Revision="1" Stencil="System.Storyboarding.Common" StencilVersion="0.1"/>
+</Control>
+</file>
+
+<file path=customXml/item93.xml><?xml version="1.0" encoding="utf-8"?>
+<Control xmlns="http://schemas.microsoft.com/VisualStudio/2011/storyboarding/control">
+  <Id Name="System.Storyboarding.WindowsApps.WindowsAppsTileMedium" Revision="1" Stencil="System.Storyboarding.WindowsApps" StencilVersion="0.1"/>
+</Control>
+</file>
+
+<file path=customXml/item94.xml><?xml version="1.0" encoding="utf-8"?>
+<Control xmlns="http://schemas.microsoft.com/VisualStudio/2011/storyboarding/control">
+  <Id Name="System.Storyboarding.Common.Text" Revision="1" Stencil="System.Storyboarding.Common" StencilVersion="0.1"/>
+</Control>
+</file>
+
+<file path=customXml/item95.xml><?xml version="1.0" encoding="utf-8"?>
 <Control xmlns="http://schemas.microsoft.com/VisualStudio/2011/storyboarding/control">
   <Id Name="System.Storyboarding.Common.TextInput" Revision="1" Stencil="System.Storyboarding.Common" StencilVersion="0.1"/>
 </Control>
 </file>
 
-<file path=customXml/item8.xml><?xml version="1.0" encoding="utf-8"?>
+<file path=customXml/item96.xml><?xml version="1.0" encoding="utf-8"?>
+<Control xmlns="http://schemas.microsoft.com/VisualStudio/2011/storyboarding/control">
+  <Id Name="System.Storyboarding.Common.RadioButtonSelected" Revision="1" Stencil="System.Storyboarding.Common" StencilVersion="0.1"/>
+</Control>
+</file>
+
+<file path=customXml/item97.xml><?xml version="1.0" encoding="utf-8"?>
+<Control xmlns="http://schemas.microsoft.com/VisualStudio/2011/storyboarding/control">
+  <Id Name="System.Storyboarding.Common.CheckBoxUnchecked" Revision="1" Stencil="System.Storyboarding.Common" StencilVersion="0.1"/>
+</Control>
+</file>
+
+<file path=customXml/item98.xml><?xml version="1.0" encoding="utf-8"?>
 <Control xmlns="http://schemas.microsoft.com/VisualStudio/2011/storyboarding/control">
   <Id Name="System.Storyboarding.WindowsApps.WindowsAppsTileMedium" Revision="1" Stencil="System.Storyboarding.WindowsApps" StencilVersion="0.1"/>
 </Control>
 </file>
 
-<file path=customXml/item80.xml><?xml version="1.0" encoding="utf-8"?>
-<Control xmlns="http://schemas.microsoft.com/VisualStudio/2011/storyboarding/control">
-  <Id Name="System.Storyboarding.WindowsApps.WindowsAppsButton" Revision="1" Stencil="System.Storyboarding.WindowsApps" StencilVersion="0.1"/>
-</Control>
-</file>
-
-<file path=customXml/item81.xml><?xml version="1.0" encoding="utf-8"?>
-<Control xmlns="http://schemas.microsoft.com/VisualStudio/2011/storyboarding/control">
-  <Id Name="System.Storyboarding.Backgrounds.WebBrowser" Revision="1" Stencil="System.Storyboarding.Backgrounds" StencilVersion="0.1"/>
-</Control>
-</file>
-
-<file path=customXml/item82.xml><?xml version="1.0" encoding="utf-8"?>
-<Control xmlns="http://schemas.microsoft.com/VisualStudio/2011/storyboarding/control">
-  <Id Name="System.Storyboarding.WindowsApps.WindowsAppsTileWideSmall" Revision="1" Stencil="System.Storyboarding.WindowsApps" StencilVersion="0.1"/>
-</Control>
-</file>
-
-<file path=customXml/item83.xml><?xml version="1.0" encoding="utf-8"?>
-<Control xmlns="http://schemas.microsoft.com/VisualStudio/2011/storyboarding/control">
-  <Id Name="System.Storyboarding.Media.VerticalBarChart" Revision="1" Stencil="System.Storyboarding.Media" StencilVersion="0.1"/>
-</Control>
-</file>
-
-<file path=customXml/item84.xml><?xml version="1.0" encoding="utf-8"?>
-<Control xmlns="http://schemas.microsoft.com/VisualStudio/2011/storyboarding/control">
-  <Id Name="System.Storyboarding.Media.PieChart" Revision="1" Stencil="System.Storyboarding.Media" StencilVersion="0.1"/>
-</Control>
-</file>
-
-<file path=customXml/item85.xml><?xml version="1.0" encoding="utf-8"?>
-<Control xmlns="http://schemas.microsoft.com/VisualStudio/2011/storyboarding/control">
-  <Id Name="System.Storyboarding.WindowsApps.WindowsAppsButton" Revision="1" Stencil="System.Storyboarding.WindowsApps" StencilVersion="0.1"/>
-</Control>
-</file>
-
-<file path=customXml/item86.xml><?xml version="1.0" encoding="utf-8"?>
+<file path=customXml/item99.xml><?xml version="1.0" encoding="utf-8"?>
 <Control xmlns="http://schemas.microsoft.com/VisualStudio/2011/storyboarding/control">
   <Id Name="System.Storyboarding.Common.Text" Revision="1" Stencil="System.Storyboarding.Common" StencilVersion="0.1"/>
 </Control>
 </file>
 
-<file path=customXml/item87.xml><?xml version="1.0" encoding="utf-8"?>
-<Control xmlns="http://schemas.microsoft.com/VisualStudio/2011/storyboarding/control">
-  <Id Name="System.Storyboarding.Common.TextInput" Revision="1" Stencil="System.Storyboarding.Common" StencilVersion="0.1"/>
-</Control>
-</file>
-
-<file path=customXml/item88.xml><?xml version="1.0" encoding="utf-8"?>
-<Control xmlns="http://schemas.microsoft.com/VisualStudio/2011/storyboarding/control">
-  <Id Name="System.Storyboarding.Common.RadioButtonUnselected" Revision="1" Stencil="System.Storyboarding.Common" StencilVersion="0.1"/>
-</Control>
-</file>
-
-<file path=customXml/item89.xml><?xml version="1.0" encoding="utf-8"?>
-<Control xmlns="http://schemas.microsoft.com/VisualStudio/2011/storyboarding/control">
-  <Id Name="System.Storyboarding.Common.RadioButtonSelected" Revision="1" Stencil="System.Storyboarding.Common" StencilVersion="0.1"/>
-</Control>
-</file>
-
-<file path=customXml/item9.xml><?xml version="1.0" encoding="utf-8"?>
-<Control xmlns="http://schemas.microsoft.com/VisualStudio/2011/storyboarding/control">
-  <Id Name="System.Storyboarding.Common.Text" Revision="1" Stencil="System.Storyboarding.Common" StencilVersion="0.1"/>
-</Control>
-</file>
-
-<file path=customXml/item90.xml><?xml version="1.0" encoding="utf-8"?>
-<Control xmlns="http://schemas.microsoft.com/VisualStudio/2011/storyboarding/control">
-  <Id Name="System.Storyboarding.Common.Text" Revision="1" Stencil="System.Storyboarding.Common" StencilVersion="0.1"/>
-</Control>
-</file>
-
-<file path=customXml/item91.xml><?xml version="1.0" encoding="utf-8"?>
-<Control xmlns="http://schemas.microsoft.com/VisualStudio/2011/storyboarding/control">
-  <Id Name="System.Storyboarding.Common.TextInput" Revision="1" Stencil="System.Storyboarding.Common" StencilVersion="0.1"/>
-</Control>
-</file>
-
-<file path=customXml/item92.xml><?xml version="1.0" encoding="utf-8"?>
-<Control xmlns="http://schemas.microsoft.com/VisualStudio/2011/storyboarding/control">
-  <Id Name="System.Storyboarding.Common.TextInput" Revision="1" Stencil="System.Storyboarding.Common" StencilVersion="0.1"/>
-</Control>
-</file>
-
-<file path=customXml/item93.xml><?xml version="1.0" encoding="utf-8"?>
-<Control xmlns="http://schemas.microsoft.com/VisualStudio/2011/storyboarding/control">
-  <Id Name="System.Storyboarding.WindowsAppIcons.Like" Revision="1" Stencil="System.Storyboarding.WindowsAppIcons" StencilVersion="0.1"/>
-</Control>
-</file>
-
-<file path=customXml/item94.xml><?xml version="1.0" encoding="utf-8"?>
-<Control xmlns="http://schemas.microsoft.com/VisualStudio/2011/storyboarding/control">
-  <Id Name="System.Storyboarding.Common.RadioButtonSelected" Revision="1" Stencil="System.Storyboarding.Common" StencilVersion="0.1"/>
-</Control>
-</file>
-
-<file path=customXml/item95.xml><?xml version="1.0" encoding="utf-8"?>
-<Control xmlns="http://schemas.microsoft.com/VisualStudio/2011/storyboarding/control">
-  <Id Name="System.Storyboarding.Media.Image" Revision="1" Stencil="System.Storyboarding.Media" StencilVersion="0.1"/>
-</Control>
-</file>
-
-<file path=customXml/item96.xml><?xml version="1.0" encoding="utf-8"?>
-<Control xmlns="http://schemas.microsoft.com/VisualStudio/2011/storyboarding/control">
-  <Id Name="System.Storyboarding.Common.Text" Revision="1" Stencil="System.Storyboarding.Common" StencilVersion="0.1"/>
-</Control>
-</file>
-
-<file path=customXml/item97.xml><?xml version="1.0" encoding="utf-8"?>
-<Control xmlns="http://schemas.microsoft.com/VisualStudio/2011/storyboarding/control">
-  <Id Name="System.Storyboarding.WindowsApps.WindowsAppsTileMedium" Revision="1" Stencil="System.Storyboarding.WindowsApps" StencilVersion="0.1"/>
-</Control>
-</file>
-
-<file path=customXml/item98.xml><?xml version="1.0" encoding="utf-8"?>
-<Control xmlns="http://schemas.microsoft.com/VisualStudio/2011/storyboarding/control">
-  <Id Name="32035d07-bc66-4a79-8001-2507012193e3" RevisionId="7f6cc906-8fab-4878-8f41-90bcdc4e860e" Stencil="172d6d98-e5c9-42e9-a209-79f7a94bbd38" StencilRevisionId="00000000-0000-0000-0000-000000000000" StencilVersion="0.0"/>
-</Control>
-</file>
-
-<file path=customXml/item99.xml><?xml version="1.0" encoding="utf-8"?>
-<Control xmlns="http://schemas.microsoft.com/VisualStudio/2011/storyboarding/control">
-  <Id Name="System.Storyboarding.WindowsApps.WindowsAppsTileWideSmall" Revision="1" Stencil="System.Storyboarding.WindowsApps" StencilVersion="0.1"/>
-</Control>
-</file>
-
 <file path=customXml/itemProps1.xml><?xml version="1.0" encoding="utf-8"?>
-<ds:datastoreItem xmlns:ds="http://schemas.openxmlformats.org/officeDocument/2006/customXml" ds:itemID="{C5822030-9D10-4417-BB70-A547D778BA9D}">
+<ds:datastoreItem xmlns:ds="http://schemas.openxmlformats.org/officeDocument/2006/customXml" ds:itemID="{78155127-0705-49C8-971C-53A1E448FCFC}">
   <ds:schemaRefs>
     <ds:schemaRef ds:uri="http://schemas.microsoft.com/VisualStudio/2011/storyboarding/control"/>
   </ds:schemaRefs>
@@ -12247,7 +14213,7 @@
 </file>
 
 <file path=customXml/itemProps10.xml><?xml version="1.0" encoding="utf-8"?>
-<ds:datastoreItem xmlns:ds="http://schemas.openxmlformats.org/officeDocument/2006/customXml" ds:itemID="{8A555954-45BE-4EEE-9F3C-9C997F6D1BA3}">
+<ds:datastoreItem xmlns:ds="http://schemas.openxmlformats.org/officeDocument/2006/customXml" ds:itemID="{E5DD84D4-A8CE-4783-AB20-E42165ABDFA7}">
   <ds:schemaRefs>
     <ds:schemaRef ds:uri="http://schemas.microsoft.com/VisualStudio/2011/storyboarding/control"/>
   </ds:schemaRefs>
@@ -12255,6 +14221,454 @@
 </file>
 
 <file path=customXml/itemProps100.xml><?xml version="1.0" encoding="utf-8"?>
+<ds:datastoreItem xmlns:ds="http://schemas.openxmlformats.org/officeDocument/2006/customXml" ds:itemID="{73ABD768-CB5D-46A4-A597-4A94DA70A531}">
+  <ds:schemaRefs>
+    <ds:schemaRef ds:uri="http://schemas.microsoft.com/VisualStudio/2011/storyboarding/control"/>
+  </ds:schemaRefs>
+</ds:datastoreItem>
+</file>
+
+<file path=customXml/itemProps101.xml><?xml version="1.0" encoding="utf-8"?>
+<ds:datastoreItem xmlns:ds="http://schemas.openxmlformats.org/officeDocument/2006/customXml" ds:itemID="{ED7BDB59-BF74-409B-8509-C9B8AF445363}">
+  <ds:schemaRefs>
+    <ds:schemaRef ds:uri="http://schemas.microsoft.com/VisualStudio/2011/storyboarding/control"/>
+  </ds:schemaRefs>
+</ds:datastoreItem>
+</file>
+
+<file path=customXml/itemProps102.xml><?xml version="1.0" encoding="utf-8"?>
+<ds:datastoreItem xmlns:ds="http://schemas.openxmlformats.org/officeDocument/2006/customXml" ds:itemID="{98F07B01-E4E8-4E44-B227-4A307E110F5E}">
+  <ds:schemaRefs>
+    <ds:schemaRef ds:uri="http://schemas.microsoft.com/VisualStudio/2011/storyboarding/control"/>
+  </ds:schemaRefs>
+</ds:datastoreItem>
+</file>
+
+<file path=customXml/itemProps103.xml><?xml version="1.0" encoding="utf-8"?>
+<ds:datastoreItem xmlns:ds="http://schemas.openxmlformats.org/officeDocument/2006/customXml" ds:itemID="{E56EDE5A-F97D-4AD1-8B27-19C05BC797E2}">
+  <ds:schemaRefs>
+    <ds:schemaRef ds:uri="http://schemas.microsoft.com/VisualStudio/2011/storyboarding/control"/>
+  </ds:schemaRefs>
+</ds:datastoreItem>
+</file>
+
+<file path=customXml/itemProps104.xml><?xml version="1.0" encoding="utf-8"?>
+<ds:datastoreItem xmlns:ds="http://schemas.openxmlformats.org/officeDocument/2006/customXml" ds:itemID="{F2AC79B3-EA47-4A60-8F32-62C9B6A4B730}">
+  <ds:schemaRefs>
+    <ds:schemaRef ds:uri="http://schemas.microsoft.com/VisualStudio/2011/storyboarding/control"/>
+  </ds:schemaRefs>
+</ds:datastoreItem>
+</file>
+
+<file path=customXml/itemProps105.xml><?xml version="1.0" encoding="utf-8"?>
+<ds:datastoreItem xmlns:ds="http://schemas.openxmlformats.org/officeDocument/2006/customXml" ds:itemID="{6909E70A-4203-43FA-8666-1DA9A83FC55A}">
+  <ds:schemaRefs>
+    <ds:schemaRef ds:uri="http://schemas.microsoft.com/VisualStudio/2011/storyboarding/control"/>
+  </ds:schemaRefs>
+</ds:datastoreItem>
+</file>
+
+<file path=customXml/itemProps106.xml><?xml version="1.0" encoding="utf-8"?>
+<ds:datastoreItem xmlns:ds="http://schemas.openxmlformats.org/officeDocument/2006/customXml" ds:itemID="{90E6BF7D-584A-485E-85F5-083945235CD7}">
+  <ds:schemaRefs>
+    <ds:schemaRef ds:uri="http://schemas.microsoft.com/VisualStudio/2011/storyboarding/control"/>
+  </ds:schemaRefs>
+</ds:datastoreItem>
+</file>
+
+<file path=customXml/itemProps107.xml><?xml version="1.0" encoding="utf-8"?>
+<ds:datastoreItem xmlns:ds="http://schemas.openxmlformats.org/officeDocument/2006/customXml" ds:itemID="{1E27CC14-9852-42D8-9A73-828A1C767F65}">
+  <ds:schemaRefs>
+    <ds:schemaRef ds:uri="http://schemas.microsoft.com/VisualStudio/2011/storyboarding/control"/>
+  </ds:schemaRefs>
+</ds:datastoreItem>
+</file>
+
+<file path=customXml/itemProps108.xml><?xml version="1.0" encoding="utf-8"?>
+<ds:datastoreItem xmlns:ds="http://schemas.openxmlformats.org/officeDocument/2006/customXml" ds:itemID="{AF01C7FC-A844-4EAB-9C49-C1EDCADB47C1}">
+  <ds:schemaRefs>
+    <ds:schemaRef ds:uri="http://schemas.microsoft.com/VisualStudio/2011/storyboarding/control"/>
+  </ds:schemaRefs>
+</ds:datastoreItem>
+</file>
+
+<file path=customXml/itemProps109.xml><?xml version="1.0" encoding="utf-8"?>
+<ds:datastoreItem xmlns:ds="http://schemas.openxmlformats.org/officeDocument/2006/customXml" ds:itemID="{3E9518F8-52DB-4512-B6E1-D4B81EC47F8E}">
+  <ds:schemaRefs>
+    <ds:schemaRef ds:uri="http://schemas.microsoft.com/VisualStudio/2011/storyboarding/control"/>
+  </ds:schemaRefs>
+</ds:datastoreItem>
+</file>
+
+<file path=customXml/itemProps11.xml><?xml version="1.0" encoding="utf-8"?>
+<ds:datastoreItem xmlns:ds="http://schemas.openxmlformats.org/officeDocument/2006/customXml" ds:itemID="{D2AAAC7E-0A85-448C-BEAF-FB2E1B4987CA}">
+  <ds:schemaRefs>
+    <ds:schemaRef ds:uri="http://schemas.microsoft.com/VisualStudio/2011/storyboarding/control"/>
+  </ds:schemaRefs>
+</ds:datastoreItem>
+</file>
+
+<file path=customXml/itemProps110.xml><?xml version="1.0" encoding="utf-8"?>
+<ds:datastoreItem xmlns:ds="http://schemas.openxmlformats.org/officeDocument/2006/customXml" ds:itemID="{C95B04FA-49D0-4922-A7EB-76ADF3F5F5D3}">
+  <ds:schemaRefs>
+    <ds:schemaRef ds:uri="http://schemas.microsoft.com/VisualStudio/2011/storyboarding/control"/>
+  </ds:schemaRefs>
+</ds:datastoreItem>
+</file>
+
+<file path=customXml/itemProps111.xml><?xml version="1.0" encoding="utf-8"?>
+<ds:datastoreItem xmlns:ds="http://schemas.openxmlformats.org/officeDocument/2006/customXml" ds:itemID="{4AA25D42-EDA7-4712-8354-F682B1D61ABE}">
+  <ds:schemaRefs>
+    <ds:schemaRef ds:uri="http://schemas.microsoft.com/VisualStudio/2011/storyboarding/control"/>
+  </ds:schemaRefs>
+</ds:datastoreItem>
+</file>
+
+<file path=customXml/itemProps112.xml><?xml version="1.0" encoding="utf-8"?>
+<ds:datastoreItem xmlns:ds="http://schemas.openxmlformats.org/officeDocument/2006/customXml" ds:itemID="{33F9E1D4-170C-4DAF-A4E9-B2F1E33BDA51}">
+  <ds:schemaRefs>
+    <ds:schemaRef ds:uri="http://schemas.microsoft.com/VisualStudio/2011/storyboarding/control"/>
+  </ds:schemaRefs>
+</ds:datastoreItem>
+</file>
+
+<file path=customXml/itemProps113.xml><?xml version="1.0" encoding="utf-8"?>
+<ds:datastoreItem xmlns:ds="http://schemas.openxmlformats.org/officeDocument/2006/customXml" ds:itemID="{29B37182-9887-4972-8113-B6FBFE59F94E}">
+  <ds:schemaRefs>
+    <ds:schemaRef ds:uri="http://schemas.microsoft.com/VisualStudio/2011/storyboarding/control"/>
+  </ds:schemaRefs>
+</ds:datastoreItem>
+</file>
+
+<file path=customXml/itemProps114.xml><?xml version="1.0" encoding="utf-8"?>
+<ds:datastoreItem xmlns:ds="http://schemas.openxmlformats.org/officeDocument/2006/customXml" ds:itemID="{5248BC68-ADE7-429D-B013-9195EF7419E9}">
+  <ds:schemaRefs>
+    <ds:schemaRef ds:uri="http://schemas.microsoft.com/VisualStudio/2011/storyboarding/control"/>
+  </ds:schemaRefs>
+</ds:datastoreItem>
+</file>
+
+<file path=customXml/itemProps115.xml><?xml version="1.0" encoding="utf-8"?>
+<ds:datastoreItem xmlns:ds="http://schemas.openxmlformats.org/officeDocument/2006/customXml" ds:itemID="{FCFEC772-99A0-4E2F-BE46-6982F97F1BE9}">
+  <ds:schemaRefs>
+    <ds:schemaRef ds:uri="http://schemas.microsoft.com/VisualStudio/2011/storyboarding/control"/>
+  </ds:schemaRefs>
+</ds:datastoreItem>
+</file>
+
+<file path=customXml/itemProps116.xml><?xml version="1.0" encoding="utf-8"?>
+<ds:datastoreItem xmlns:ds="http://schemas.openxmlformats.org/officeDocument/2006/customXml" ds:itemID="{19219105-B97A-44AD-8E8F-0F014E4D5F2F}">
+  <ds:schemaRefs>
+    <ds:schemaRef ds:uri="http://schemas.microsoft.com/VisualStudio/2011/storyboarding/control"/>
+  </ds:schemaRefs>
+</ds:datastoreItem>
+</file>
+
+<file path=customXml/itemProps117.xml><?xml version="1.0" encoding="utf-8"?>
+<ds:datastoreItem xmlns:ds="http://schemas.openxmlformats.org/officeDocument/2006/customXml" ds:itemID="{51D515F3-5B60-4F94-84C8-4468FC08CD50}">
+  <ds:schemaRefs>
+    <ds:schemaRef ds:uri="http://schemas.microsoft.com/VisualStudio/2011/storyboarding/control"/>
+  </ds:schemaRefs>
+</ds:datastoreItem>
+</file>
+
+<file path=customXml/itemProps118.xml><?xml version="1.0" encoding="utf-8"?>
+<ds:datastoreItem xmlns:ds="http://schemas.openxmlformats.org/officeDocument/2006/customXml" ds:itemID="{15112653-7036-4EB6-9E86-EDFCD1846E57}">
+  <ds:schemaRefs>
+    <ds:schemaRef ds:uri="http://schemas.microsoft.com/VisualStudio/2011/storyboarding/control"/>
+  </ds:schemaRefs>
+</ds:datastoreItem>
+</file>
+
+<file path=customXml/itemProps119.xml><?xml version="1.0" encoding="utf-8"?>
+<ds:datastoreItem xmlns:ds="http://schemas.openxmlformats.org/officeDocument/2006/customXml" ds:itemID="{85F86E7D-DA49-4BE9-9097-1D50FB466B1E}">
+  <ds:schemaRefs>
+    <ds:schemaRef ds:uri="http://schemas.microsoft.com/VisualStudio/2011/storyboarding/control"/>
+  </ds:schemaRefs>
+</ds:datastoreItem>
+</file>
+
+<file path=customXml/itemProps12.xml><?xml version="1.0" encoding="utf-8"?>
+<ds:datastoreItem xmlns:ds="http://schemas.openxmlformats.org/officeDocument/2006/customXml" ds:itemID="{96B69763-A404-4DB8-8377-F47531C8F216}">
+  <ds:schemaRefs>
+    <ds:schemaRef ds:uri="http://schemas.microsoft.com/VisualStudio/2011/storyboarding/control"/>
+  </ds:schemaRefs>
+</ds:datastoreItem>
+</file>
+
+<file path=customXml/itemProps120.xml><?xml version="1.0" encoding="utf-8"?>
+<ds:datastoreItem xmlns:ds="http://schemas.openxmlformats.org/officeDocument/2006/customXml" ds:itemID="{8B3DF17E-302B-453F-A2FD-6CDC4C0170AA}">
+  <ds:schemaRefs>
+    <ds:schemaRef ds:uri="http://schemas.microsoft.com/VisualStudio/2011/storyboarding/control"/>
+  </ds:schemaRefs>
+</ds:datastoreItem>
+</file>
+
+<file path=customXml/itemProps121.xml><?xml version="1.0" encoding="utf-8"?>
+<ds:datastoreItem xmlns:ds="http://schemas.openxmlformats.org/officeDocument/2006/customXml" ds:itemID="{F9A8EA35-007A-40F9-AD73-68499C4EFDFA}">
+  <ds:schemaRefs>
+    <ds:schemaRef ds:uri="http://schemas.microsoft.com/VisualStudio/2011/storyboarding/control"/>
+  </ds:schemaRefs>
+</ds:datastoreItem>
+</file>
+
+<file path=customXml/itemProps122.xml><?xml version="1.0" encoding="utf-8"?>
+<ds:datastoreItem xmlns:ds="http://schemas.openxmlformats.org/officeDocument/2006/customXml" ds:itemID="{1C9E4718-660A-46FF-B326-15E4FE359C0C}">
+  <ds:schemaRefs>
+    <ds:schemaRef ds:uri="http://schemas.microsoft.com/VisualStudio/2011/storyboarding/control"/>
+  </ds:schemaRefs>
+</ds:datastoreItem>
+</file>
+
+<file path=customXml/itemProps123.xml><?xml version="1.0" encoding="utf-8"?>
+<ds:datastoreItem xmlns:ds="http://schemas.openxmlformats.org/officeDocument/2006/customXml" ds:itemID="{0ACEBE80-DD25-46F5-ACB3-B9B1A4485D53}">
+  <ds:schemaRefs>
+    <ds:schemaRef ds:uri="http://schemas.microsoft.com/VisualStudio/2011/storyboarding/control"/>
+  </ds:schemaRefs>
+</ds:datastoreItem>
+</file>
+
+<file path=customXml/itemProps124.xml><?xml version="1.0" encoding="utf-8"?>
+<ds:datastoreItem xmlns:ds="http://schemas.openxmlformats.org/officeDocument/2006/customXml" ds:itemID="{35D9A441-A94D-425A-905D-AFD43C5132F2}">
+  <ds:schemaRefs>
+    <ds:schemaRef ds:uri="http://schemas.microsoft.com/VisualStudio/2011/storyboarding/control"/>
+  </ds:schemaRefs>
+</ds:datastoreItem>
+</file>
+
+<file path=customXml/itemProps125.xml><?xml version="1.0" encoding="utf-8"?>
+<ds:datastoreItem xmlns:ds="http://schemas.openxmlformats.org/officeDocument/2006/customXml" ds:itemID="{18CA7C37-7AF9-45BE-BBAE-D2D0584D8934}">
+  <ds:schemaRefs>
+    <ds:schemaRef ds:uri="http://schemas.microsoft.com/VisualStudio/2011/storyboarding/control"/>
+  </ds:schemaRefs>
+</ds:datastoreItem>
+</file>
+
+<file path=customXml/itemProps126.xml><?xml version="1.0" encoding="utf-8"?>
+<ds:datastoreItem xmlns:ds="http://schemas.openxmlformats.org/officeDocument/2006/customXml" ds:itemID="{F2948E7D-95F1-4C09-BF4C-141C6B60CBB5}">
+  <ds:schemaRefs>
+    <ds:schemaRef ds:uri="http://schemas.microsoft.com/VisualStudio/2011/storyboarding/control"/>
+  </ds:schemaRefs>
+</ds:datastoreItem>
+</file>
+
+<file path=customXml/itemProps127.xml><?xml version="1.0" encoding="utf-8"?>
+<ds:datastoreItem xmlns:ds="http://schemas.openxmlformats.org/officeDocument/2006/customXml" ds:itemID="{66DA5703-DC74-4A5C-897F-77851F088467}">
+  <ds:schemaRefs>
+    <ds:schemaRef ds:uri="http://schemas.microsoft.com/VisualStudio/2011/storyboarding/control"/>
+  </ds:schemaRefs>
+</ds:datastoreItem>
+</file>
+
+<file path=customXml/itemProps128.xml><?xml version="1.0" encoding="utf-8"?>
+<ds:datastoreItem xmlns:ds="http://schemas.openxmlformats.org/officeDocument/2006/customXml" ds:itemID="{A3199E56-6304-4A04-BDD7-107FDE5731A4}">
+  <ds:schemaRefs>
+    <ds:schemaRef ds:uri="http://schemas.microsoft.com/VisualStudio/2011/storyboarding/control"/>
+  </ds:schemaRefs>
+</ds:datastoreItem>
+</file>
+
+<file path=customXml/itemProps129.xml><?xml version="1.0" encoding="utf-8"?>
+<ds:datastoreItem xmlns:ds="http://schemas.openxmlformats.org/officeDocument/2006/customXml" ds:itemID="{6A689C72-B170-4CC3-844E-7A992719660C}">
+  <ds:schemaRefs>
+    <ds:schemaRef ds:uri="http://schemas.microsoft.com/VisualStudio/2011/storyboarding/control"/>
+  </ds:schemaRefs>
+</ds:datastoreItem>
+</file>
+
+<file path=customXml/itemProps13.xml><?xml version="1.0" encoding="utf-8"?>
+<ds:datastoreItem xmlns:ds="http://schemas.openxmlformats.org/officeDocument/2006/customXml" ds:itemID="{E44C9E77-1C35-4DBC-82DD-57E4D308EFBB}">
+  <ds:schemaRefs>
+    <ds:schemaRef ds:uri="http://schemas.microsoft.com/VisualStudio/2011/storyboarding/control"/>
+  </ds:schemaRefs>
+</ds:datastoreItem>
+</file>
+
+<file path=customXml/itemProps130.xml><?xml version="1.0" encoding="utf-8"?>
+<ds:datastoreItem xmlns:ds="http://schemas.openxmlformats.org/officeDocument/2006/customXml" ds:itemID="{71F7DD17-FE3B-45F0-BA26-7919E3FA2124}">
+  <ds:schemaRefs>
+    <ds:schemaRef ds:uri="http://schemas.microsoft.com/VisualStudio/2011/storyboarding/control"/>
+  </ds:schemaRefs>
+</ds:datastoreItem>
+</file>
+
+<file path=customXml/itemProps131.xml><?xml version="1.0" encoding="utf-8"?>
+<ds:datastoreItem xmlns:ds="http://schemas.openxmlformats.org/officeDocument/2006/customXml" ds:itemID="{CA9B1D84-8FAF-4BE3-BEDE-DAB5639D6F30}">
+  <ds:schemaRefs>
+    <ds:schemaRef ds:uri="http://schemas.microsoft.com/VisualStudio/2011/storyboarding/control"/>
+  </ds:schemaRefs>
+</ds:datastoreItem>
+</file>
+
+<file path=customXml/itemProps132.xml><?xml version="1.0" encoding="utf-8"?>
+<ds:datastoreItem xmlns:ds="http://schemas.openxmlformats.org/officeDocument/2006/customXml" ds:itemID="{7AB87D2A-44BC-4109-A9F6-0CF47E17DA7C}">
+  <ds:schemaRefs>
+    <ds:schemaRef ds:uri="http://schemas.microsoft.com/VisualStudio/2011/storyboarding/control"/>
+  </ds:schemaRefs>
+</ds:datastoreItem>
+</file>
+
+<file path=customXml/itemProps133.xml><?xml version="1.0" encoding="utf-8"?>
+<ds:datastoreItem xmlns:ds="http://schemas.openxmlformats.org/officeDocument/2006/customXml" ds:itemID="{7C8F0811-703B-42B0-A138-293B93790A1B}">
+  <ds:schemaRefs>
+    <ds:schemaRef ds:uri="http://schemas.microsoft.com/VisualStudio/2011/storyboarding/control"/>
+  </ds:schemaRefs>
+</ds:datastoreItem>
+</file>
+
+<file path=customXml/itemProps134.xml><?xml version="1.0" encoding="utf-8"?>
+<ds:datastoreItem xmlns:ds="http://schemas.openxmlformats.org/officeDocument/2006/customXml" ds:itemID="{02423611-8D04-4993-B0B1-97733309265C}">
+  <ds:schemaRefs>
+    <ds:schemaRef ds:uri="http://schemas.microsoft.com/VisualStudio/2011/storyboarding/control"/>
+  </ds:schemaRefs>
+</ds:datastoreItem>
+</file>
+
+<file path=customXml/itemProps135.xml><?xml version="1.0" encoding="utf-8"?>
+<ds:datastoreItem xmlns:ds="http://schemas.openxmlformats.org/officeDocument/2006/customXml" ds:itemID="{8FFADBCE-FF33-4102-8CD5-0FC7C119C312}">
+  <ds:schemaRefs>
+    <ds:schemaRef ds:uri="http://schemas.microsoft.com/VisualStudio/2011/storyboarding/control"/>
+  </ds:schemaRefs>
+</ds:datastoreItem>
+</file>
+
+<file path=customXml/itemProps136.xml><?xml version="1.0" encoding="utf-8"?>
+<ds:datastoreItem xmlns:ds="http://schemas.openxmlformats.org/officeDocument/2006/customXml" ds:itemID="{D22FC293-BAFF-43C9-B3DE-93B31F0E86BE}">
+  <ds:schemaRefs>
+    <ds:schemaRef ds:uri="http://schemas.microsoft.com/VisualStudio/2011/storyboarding/control"/>
+  </ds:schemaRefs>
+</ds:datastoreItem>
+</file>
+
+<file path=customXml/itemProps137.xml><?xml version="1.0" encoding="utf-8"?>
+<ds:datastoreItem xmlns:ds="http://schemas.openxmlformats.org/officeDocument/2006/customXml" ds:itemID="{F7BABBE5-64CC-4B8F-B3B6-CF3FD810F8C7}">
+  <ds:schemaRefs>
+    <ds:schemaRef ds:uri="http://schemas.microsoft.com/VisualStudio/2011/storyboarding/control"/>
+  </ds:schemaRefs>
+</ds:datastoreItem>
+</file>
+
+<file path=customXml/itemProps14.xml><?xml version="1.0" encoding="utf-8"?>
+<ds:datastoreItem xmlns:ds="http://schemas.openxmlformats.org/officeDocument/2006/customXml" ds:itemID="{FE51AC1B-1271-4746-867D-55554D78B5AE}">
+  <ds:schemaRefs>
+    <ds:schemaRef ds:uri="http://schemas.microsoft.com/VisualStudio/2011/storyboarding/control"/>
+  </ds:schemaRefs>
+</ds:datastoreItem>
+</file>
+
+<file path=customXml/itemProps15.xml><?xml version="1.0" encoding="utf-8"?>
+<ds:datastoreItem xmlns:ds="http://schemas.openxmlformats.org/officeDocument/2006/customXml" ds:itemID="{FF00F683-10CA-4344-BB02-557AFC229713}">
+  <ds:schemaRefs>
+    <ds:schemaRef ds:uri="http://schemas.microsoft.com/VisualStudio/2011/storyboarding/control"/>
+  </ds:schemaRefs>
+</ds:datastoreItem>
+</file>
+
+<file path=customXml/itemProps16.xml><?xml version="1.0" encoding="utf-8"?>
+<ds:datastoreItem xmlns:ds="http://schemas.openxmlformats.org/officeDocument/2006/customXml" ds:itemID="{1EAEFE78-3E46-45E5-85DF-8CF35EFEFFEE}">
+  <ds:schemaRefs>
+    <ds:schemaRef ds:uri="http://schemas.microsoft.com/VisualStudio/2011/storyboarding/control"/>
+  </ds:schemaRefs>
+</ds:datastoreItem>
+</file>
+
+<file path=customXml/itemProps17.xml><?xml version="1.0" encoding="utf-8"?>
+<ds:datastoreItem xmlns:ds="http://schemas.openxmlformats.org/officeDocument/2006/customXml" ds:itemID="{4ECEEF82-0B3C-4906-961B-AFB29BD1E6E3}">
+  <ds:schemaRefs>
+    <ds:schemaRef ds:uri="http://schemas.microsoft.com/VisualStudio/2011/storyboarding/control"/>
+  </ds:schemaRefs>
+</ds:datastoreItem>
+</file>
+
+<file path=customXml/itemProps18.xml><?xml version="1.0" encoding="utf-8"?>
+<ds:datastoreItem xmlns:ds="http://schemas.openxmlformats.org/officeDocument/2006/customXml" ds:itemID="{033417FC-F4DF-440B-9750-AC9CEE9D4DD6}">
+  <ds:schemaRefs>
+    <ds:schemaRef ds:uri="http://schemas.microsoft.com/VisualStudio/2011/storyboarding/control"/>
+  </ds:schemaRefs>
+</ds:datastoreItem>
+</file>
+
+<file path=customXml/itemProps19.xml><?xml version="1.0" encoding="utf-8"?>
+<ds:datastoreItem xmlns:ds="http://schemas.openxmlformats.org/officeDocument/2006/customXml" ds:itemID="{06C11E88-1615-4B77-96AD-4B8BA4A066E8}">
+  <ds:schemaRefs>
+    <ds:schemaRef ds:uri="http://schemas.microsoft.com/VisualStudio/2011/storyboarding/control"/>
+  </ds:schemaRefs>
+</ds:datastoreItem>
+</file>
+
+<file path=customXml/itemProps2.xml><?xml version="1.0" encoding="utf-8"?>
+<ds:datastoreItem xmlns:ds="http://schemas.openxmlformats.org/officeDocument/2006/customXml" ds:itemID="{40E6753A-8176-4C3D-A7AD-922499F48E12}">
+  <ds:schemaRefs>
+    <ds:schemaRef ds:uri="http://schemas.microsoft.com/VisualStudio/2011/storyboarding/control"/>
+  </ds:schemaRefs>
+</ds:datastoreItem>
+</file>
+
+<file path=customXml/itemProps20.xml><?xml version="1.0" encoding="utf-8"?>
+<ds:datastoreItem xmlns:ds="http://schemas.openxmlformats.org/officeDocument/2006/customXml" ds:itemID="{AAE9B66C-C51E-45FF-A0AF-F87D4E76C603}">
+  <ds:schemaRefs>
+    <ds:schemaRef ds:uri="http://schemas.microsoft.com/VisualStudio/2011/storyboarding/control"/>
+  </ds:schemaRefs>
+</ds:datastoreItem>
+</file>
+
+<file path=customXml/itemProps21.xml><?xml version="1.0" encoding="utf-8"?>
+<ds:datastoreItem xmlns:ds="http://schemas.openxmlformats.org/officeDocument/2006/customXml" ds:itemID="{AABACF0D-5384-4675-802C-4FFC55B3B83D}">
+  <ds:schemaRefs>
+    <ds:schemaRef ds:uri="http://schemas.microsoft.com/VisualStudio/2011/storyboarding/control"/>
+  </ds:schemaRefs>
+</ds:datastoreItem>
+</file>
+
+<file path=customXml/itemProps22.xml><?xml version="1.0" encoding="utf-8"?>
+<ds:datastoreItem xmlns:ds="http://schemas.openxmlformats.org/officeDocument/2006/customXml" ds:itemID="{55CA6769-99B0-4402-A536-C3C8E0221022}">
+  <ds:schemaRefs>
+    <ds:schemaRef ds:uri="http://schemas.microsoft.com/VisualStudio/2011/storyboarding/control"/>
+  </ds:schemaRefs>
+</ds:datastoreItem>
+</file>
+
+<file path=customXml/itemProps23.xml><?xml version="1.0" encoding="utf-8"?>
+<ds:datastoreItem xmlns:ds="http://schemas.openxmlformats.org/officeDocument/2006/customXml" ds:itemID="{ACF586AD-3668-4E64-BB79-597B4E8D331A}">
+  <ds:schemaRefs>
+    <ds:schemaRef ds:uri="http://schemas.microsoft.com/VisualStudio/2011/storyboarding/control"/>
+  </ds:schemaRefs>
+</ds:datastoreItem>
+</file>
+
+<file path=customXml/itemProps24.xml><?xml version="1.0" encoding="utf-8"?>
+<ds:datastoreItem xmlns:ds="http://schemas.openxmlformats.org/officeDocument/2006/customXml" ds:itemID="{F12E4822-BEA4-4C90-A23E-8C7DFCF7CDD6}">
+  <ds:schemaRefs>
+    <ds:schemaRef ds:uri="http://schemas.microsoft.com/VisualStudio/2011/storyboarding/control"/>
+  </ds:schemaRefs>
+</ds:datastoreItem>
+</file>
+
+<file path=customXml/itemProps25.xml><?xml version="1.0" encoding="utf-8"?>
+<ds:datastoreItem xmlns:ds="http://schemas.openxmlformats.org/officeDocument/2006/customXml" ds:itemID="{5EEABA33-0BE1-47F9-8437-631F1B84355A}">
+  <ds:schemaRefs>
+    <ds:schemaRef ds:uri="http://schemas.microsoft.com/VisualStudio/2011/storyboarding/control"/>
+  </ds:schemaRefs>
+</ds:datastoreItem>
+</file>
+
+<file path=customXml/itemProps26.xml><?xml version="1.0" encoding="utf-8"?>
+<ds:datastoreItem xmlns:ds="http://schemas.openxmlformats.org/officeDocument/2006/customXml" ds:itemID="{B2016F61-92F9-4E0F-A353-39F009FA0B01}">
+  <ds:schemaRefs>
+    <ds:schemaRef ds:uri="http://schemas.microsoft.com/VisualStudio/2011/storyboarding/control"/>
+  </ds:schemaRefs>
+</ds:datastoreItem>
+</file>
+
+<file path=customXml/itemProps27.xml><?xml version="1.0" encoding="utf-8"?>
+<ds:datastoreItem xmlns:ds="http://schemas.openxmlformats.org/officeDocument/2006/customXml" ds:itemID="{F3241CCA-9602-4CB8-B6FA-D8222B14826C}">
+  <ds:schemaRefs>
+    <ds:schemaRef ds:uri="http://schemas.microsoft.com/VisualStudio/2011/storyboarding/control"/>
+  </ds:schemaRefs>
+</ds:datastoreItem>
+</file>
+
+<file path=customXml/itemProps28.xml><?xml version="1.0" encoding="utf-8"?>
 <ds:datastoreItem xmlns:ds="http://schemas.openxmlformats.org/officeDocument/2006/customXml" ds:itemID="{554CEDA9-374E-4C76-B97B-7202606AC0BE}">
   <ds:schemaRefs>
     <ds:schemaRef ds:uri="http://schemas.microsoft.com/VisualStudio/2011/storyboarding/control"/>
@@ -12262,39 +14676,7 @@
 </ds:datastoreItem>
 </file>
 
-<file path=customXml/itemProps101.xml><?xml version="1.0" encoding="utf-8"?>
-<ds:datastoreItem xmlns:ds="http://schemas.openxmlformats.org/officeDocument/2006/customXml" ds:itemID="{CF586D09-EEB6-4A49-AAE1-88E826EEDC73}">
-  <ds:schemaRefs>
-    <ds:schemaRef ds:uri="http://schemas.microsoft.com/VisualStudio/2011/storyboarding/control"/>
-  </ds:schemaRefs>
-</ds:datastoreItem>
-</file>
-
-<file path=customXml/itemProps102.xml><?xml version="1.0" encoding="utf-8"?>
-<ds:datastoreItem xmlns:ds="http://schemas.openxmlformats.org/officeDocument/2006/customXml" ds:itemID="{D2AAAC7E-0A85-448C-BEAF-FB2E1B4987CA}">
-  <ds:schemaRefs>
-    <ds:schemaRef ds:uri="http://schemas.microsoft.com/VisualStudio/2011/storyboarding/control"/>
-  </ds:schemaRefs>
-</ds:datastoreItem>
-</file>
-
-<file path=customXml/itemProps103.xml><?xml version="1.0" encoding="utf-8"?>
-<ds:datastoreItem xmlns:ds="http://schemas.openxmlformats.org/officeDocument/2006/customXml" ds:itemID="{CD29ED7C-7003-4640-8A56-61BBEE20B1F0}">
-  <ds:schemaRefs>
-    <ds:schemaRef ds:uri="http://schemas.microsoft.com/VisualStudio/2011/storyboarding/control"/>
-  </ds:schemaRefs>
-</ds:datastoreItem>
-</file>
-
-<file path=customXml/itemProps104.xml><?xml version="1.0" encoding="utf-8"?>
-<ds:datastoreItem xmlns:ds="http://schemas.openxmlformats.org/officeDocument/2006/customXml" ds:itemID="{69C5573C-4D11-4ED5-8CA8-88391EEEF019}">
-  <ds:schemaRefs>
-    <ds:schemaRef ds:uri="http://schemas.microsoft.com/VisualStudio/2011/storyboarding/control"/>
-  </ds:schemaRefs>
-</ds:datastoreItem>
-</file>
-
-<file path=customXml/itemProps105.xml><?xml version="1.0" encoding="utf-8"?>
+<file path=customXml/itemProps29.xml><?xml version="1.0" encoding="utf-8"?>
 <ds:datastoreItem xmlns:ds="http://schemas.openxmlformats.org/officeDocument/2006/customXml" ds:itemID="{B02AE70D-AB27-4B64-9EAF-0217792EF7E1}">
   <ds:schemaRefs>
     <ds:schemaRef ds:uri="http://schemas.microsoft.com/VisualStudio/2011/storyboarding/control"/>
@@ -12302,15 +14684,7 @@
 </ds:datastoreItem>
 </file>
 
-<file path=customXml/itemProps106.xml><?xml version="1.0" encoding="utf-8"?>
-<ds:datastoreItem xmlns:ds="http://schemas.openxmlformats.org/officeDocument/2006/customXml" ds:itemID="{7D3F1746-26F3-4D5F-8DB1-4CE59AC409F7}">
-  <ds:schemaRefs>
-    <ds:schemaRef ds:uri="http://schemas.microsoft.com/VisualStudio/2011/storyboarding/control"/>
-  </ds:schemaRefs>
-</ds:datastoreItem>
-</file>
-
-<file path=customXml/itemProps107.xml><?xml version="1.0" encoding="utf-8"?>
+<file path=customXml/itemProps3.xml><?xml version="1.0" encoding="utf-8"?>
 <ds:datastoreItem xmlns:ds="http://schemas.openxmlformats.org/officeDocument/2006/customXml" ds:itemID="{89F8D00C-2482-4F3D-ACA1-B806B7E2C2EC}">
   <ds:schemaRefs>
     <ds:schemaRef ds:uri="http://schemas.microsoft.com/VisualStudio/2011/storyboarding/control"/>
@@ -12318,23 +14692,87 @@
 </ds:datastoreItem>
 </file>
 
-<file path=customXml/itemProps108.xml><?xml version="1.0" encoding="utf-8"?>
-<ds:datastoreItem xmlns:ds="http://schemas.openxmlformats.org/officeDocument/2006/customXml" ds:itemID="{394EADEA-3838-4D66-B77E-E5E9BD6A7AEA}">
+<file path=customXml/itemProps30.xml><?xml version="1.0" encoding="utf-8"?>
+<ds:datastoreItem xmlns:ds="http://schemas.openxmlformats.org/officeDocument/2006/customXml" ds:itemID="{D321552F-2375-40A6-A02F-FC27787D42F1}">
   <ds:schemaRefs>
     <ds:schemaRef ds:uri="http://schemas.microsoft.com/VisualStudio/2011/storyboarding/control"/>
   </ds:schemaRefs>
 </ds:datastoreItem>
 </file>
 
-<file path=customXml/itemProps109.xml><?xml version="1.0" encoding="utf-8"?>
-<ds:datastoreItem xmlns:ds="http://schemas.openxmlformats.org/officeDocument/2006/customXml" ds:itemID="{E029995E-6C1C-464C-B18A-588A9A373F13}">
+<file path=customXml/itemProps31.xml><?xml version="1.0" encoding="utf-8"?>
+<ds:datastoreItem xmlns:ds="http://schemas.openxmlformats.org/officeDocument/2006/customXml" ds:itemID="{F106C237-6442-4C6C-BC17-BABD6E81E57F}">
   <ds:schemaRefs>
     <ds:schemaRef ds:uri="http://schemas.microsoft.com/VisualStudio/2011/storyboarding/control"/>
   </ds:schemaRefs>
 </ds:datastoreItem>
 </file>
 
-<file path=customXml/itemProps11.xml><?xml version="1.0" encoding="utf-8"?>
+<file path=customXml/itemProps32.xml><?xml version="1.0" encoding="utf-8"?>
+<ds:datastoreItem xmlns:ds="http://schemas.openxmlformats.org/officeDocument/2006/customXml" ds:itemID="{9A59C534-A299-402C-BDD6-F5443DFA7893}">
+  <ds:schemaRefs>
+    <ds:schemaRef ds:uri="http://schemas.microsoft.com/VisualStudio/2011/storyboarding/control"/>
+  </ds:schemaRefs>
+</ds:datastoreItem>
+</file>
+
+<file path=customXml/itemProps33.xml><?xml version="1.0" encoding="utf-8"?>
+<ds:datastoreItem xmlns:ds="http://schemas.openxmlformats.org/officeDocument/2006/customXml" ds:itemID="{AF40C17C-6E53-453B-B327-999FE0B7CF9E}">
+  <ds:schemaRefs>
+    <ds:schemaRef ds:uri="http://schemas.microsoft.com/VisualStudio/2011/storyboarding/control"/>
+  </ds:schemaRefs>
+</ds:datastoreItem>
+</file>
+
+<file path=customXml/itemProps34.xml><?xml version="1.0" encoding="utf-8"?>
+<ds:datastoreItem xmlns:ds="http://schemas.openxmlformats.org/officeDocument/2006/customXml" ds:itemID="{9FC86F31-FEBD-4500-B558-3A9092EE01B0}">
+  <ds:schemaRefs>
+    <ds:schemaRef ds:uri="http://schemas.microsoft.com/VisualStudio/2011/storyboarding/control"/>
+  </ds:schemaRefs>
+</ds:datastoreItem>
+</file>
+
+<file path=customXml/itemProps35.xml><?xml version="1.0" encoding="utf-8"?>
+<ds:datastoreItem xmlns:ds="http://schemas.openxmlformats.org/officeDocument/2006/customXml" ds:itemID="{AE608858-3A79-4E62-9586-14C746DF17FE}">
+  <ds:schemaRefs>
+    <ds:schemaRef ds:uri="http://schemas.microsoft.com/VisualStudio/2011/storyboarding/control"/>
+  </ds:schemaRefs>
+</ds:datastoreItem>
+</file>
+
+<file path=customXml/itemProps36.xml><?xml version="1.0" encoding="utf-8"?>
+<ds:datastoreItem xmlns:ds="http://schemas.openxmlformats.org/officeDocument/2006/customXml" ds:itemID="{4A328889-52D6-47EA-AA7A-7178F57DFC2D}">
+  <ds:schemaRefs>
+    <ds:schemaRef ds:uri="http://schemas.microsoft.com/VisualStudio/2011/storyboarding/control"/>
+  </ds:schemaRefs>
+</ds:datastoreItem>
+</file>
+
+<file path=customXml/itemProps37.xml><?xml version="1.0" encoding="utf-8"?>
+<ds:datastoreItem xmlns:ds="http://schemas.openxmlformats.org/officeDocument/2006/customXml" ds:itemID="{FA631F3F-931D-4669-BD0B-F99571F5C429}">
+  <ds:schemaRefs>
+    <ds:schemaRef ds:uri="http://schemas.microsoft.com/VisualStudio/2011/storyboarding/control"/>
+  </ds:schemaRefs>
+</ds:datastoreItem>
+</file>
+
+<file path=customXml/itemProps38.xml><?xml version="1.0" encoding="utf-8"?>
+<ds:datastoreItem xmlns:ds="http://schemas.openxmlformats.org/officeDocument/2006/customXml" ds:itemID="{45D0D449-A17D-45A3-B4E7-E173226B985A}">
+  <ds:schemaRefs>
+    <ds:schemaRef ds:uri="http://schemas.microsoft.com/VisualStudio/2011/storyboarding/control"/>
+  </ds:schemaRefs>
+</ds:datastoreItem>
+</file>
+
+<file path=customXml/itemProps39.xml><?xml version="1.0" encoding="utf-8"?>
+<ds:datastoreItem xmlns:ds="http://schemas.openxmlformats.org/officeDocument/2006/customXml" ds:itemID="{192B0C59-AF18-4932-A8CE-C28065725D2A}">
+  <ds:schemaRefs>
+    <ds:schemaRef ds:uri="http://schemas.microsoft.com/VisualStudio/2011/storyboarding/control"/>
+  </ds:schemaRefs>
+</ds:datastoreItem>
+</file>
+
+<file path=customXml/itemProps4.xml><?xml version="1.0" encoding="utf-8"?>
 <ds:datastoreItem xmlns:ds="http://schemas.openxmlformats.org/officeDocument/2006/customXml" ds:itemID="{6D74F327-6332-4AC5-8084-6EBC78FC0812}">
   <ds:schemaRefs>
     <ds:schemaRef ds:uri="http://schemas.microsoft.com/VisualStudio/2011/storyboarding/control"/>
@@ -12342,87 +14780,15 @@
 </ds:datastoreItem>
 </file>
 
-<file path=customXml/itemProps110.xml><?xml version="1.0" encoding="utf-8"?>
-<ds:datastoreItem xmlns:ds="http://schemas.openxmlformats.org/officeDocument/2006/customXml" ds:itemID="{4AA25D42-EDA7-4712-8354-F682B1D61ABE}">
+<file path=customXml/itemProps40.xml><?xml version="1.0" encoding="utf-8"?>
+<ds:datastoreItem xmlns:ds="http://schemas.openxmlformats.org/officeDocument/2006/customXml" ds:itemID="{1CCD967A-A231-4443-B5CB-163865029EA0}">
   <ds:schemaRefs>
     <ds:schemaRef ds:uri="http://schemas.microsoft.com/VisualStudio/2011/storyboarding/control"/>
   </ds:schemaRefs>
 </ds:datastoreItem>
 </file>
 
-<file path=customXml/itemProps111.xml><?xml version="1.0" encoding="utf-8"?>
-<ds:datastoreItem xmlns:ds="http://schemas.openxmlformats.org/officeDocument/2006/customXml" ds:itemID="{24046DC5-38AC-4C0E-A7BD-7BA62F64ED8D}">
-  <ds:schemaRefs>
-    <ds:schemaRef ds:uri="http://schemas.microsoft.com/VisualStudio/2011/storyboarding/control"/>
-  </ds:schemaRefs>
-</ds:datastoreItem>
-</file>
-
-<file path=customXml/itemProps112.xml><?xml version="1.0" encoding="utf-8"?>
-<ds:datastoreItem xmlns:ds="http://schemas.openxmlformats.org/officeDocument/2006/customXml" ds:itemID="{78155127-0705-49C8-971C-53A1E448FCFC}">
-  <ds:schemaRefs>
-    <ds:schemaRef ds:uri="http://schemas.microsoft.com/VisualStudio/2011/storyboarding/control"/>
-  </ds:schemaRefs>
-</ds:datastoreItem>
-</file>
-
-<file path=customXml/itemProps113.xml><?xml version="1.0" encoding="utf-8"?>
-<ds:datastoreItem xmlns:ds="http://schemas.openxmlformats.org/officeDocument/2006/customXml" ds:itemID="{D321552F-2375-40A6-A02F-FC27787D42F1}">
-  <ds:schemaRefs>
-    <ds:schemaRef ds:uri="http://schemas.microsoft.com/VisualStudio/2011/storyboarding/control"/>
-  </ds:schemaRefs>
-</ds:datastoreItem>
-</file>
-
-<file path=customXml/itemProps114.xml><?xml version="1.0" encoding="utf-8"?>
-<ds:datastoreItem xmlns:ds="http://schemas.openxmlformats.org/officeDocument/2006/customXml" ds:itemID="{DD4B0EF4-5BAE-4815-B342-64E17EEBDB97}">
-  <ds:schemaRefs>
-    <ds:schemaRef ds:uri="http://schemas.microsoft.com/VisualStudio/2011/storyboarding/control"/>
-  </ds:schemaRefs>
-</ds:datastoreItem>
-</file>
-
-<file path=customXml/itemProps115.xml><?xml version="1.0" encoding="utf-8"?>
-<ds:datastoreItem xmlns:ds="http://schemas.openxmlformats.org/officeDocument/2006/customXml" ds:itemID="{33F9E1D4-170C-4DAF-A4E9-B2F1E33BDA51}">
-  <ds:schemaRefs>
-    <ds:schemaRef ds:uri="http://schemas.microsoft.com/VisualStudio/2011/storyboarding/control"/>
-  </ds:schemaRefs>
-</ds:datastoreItem>
-</file>
-
-<file path=customXml/itemProps116.xml><?xml version="1.0" encoding="utf-8"?>
-<ds:datastoreItem xmlns:ds="http://schemas.openxmlformats.org/officeDocument/2006/customXml" ds:itemID="{68BF0817-02E7-4175-AEC7-8477E7F612E9}">
-  <ds:schemaRefs>
-    <ds:schemaRef ds:uri="http://schemas.microsoft.com/VisualStudio/2011/storyboarding/control"/>
-  </ds:schemaRefs>
-</ds:datastoreItem>
-</file>
-
-<file path=customXml/itemProps117.xml><?xml version="1.0" encoding="utf-8"?>
-<ds:datastoreItem xmlns:ds="http://schemas.openxmlformats.org/officeDocument/2006/customXml" ds:itemID="{19219105-B97A-44AD-8E8F-0F014E4D5F2F}">
-  <ds:schemaRefs>
-    <ds:schemaRef ds:uri="http://schemas.microsoft.com/VisualStudio/2011/storyboarding/control"/>
-  </ds:schemaRefs>
-</ds:datastoreItem>
-</file>
-
-<file path=customXml/itemProps118.xml><?xml version="1.0" encoding="utf-8"?>
-<ds:datastoreItem xmlns:ds="http://schemas.openxmlformats.org/officeDocument/2006/customXml" ds:itemID="{F106C237-6442-4C6C-BC17-BABD6E81E57F}">
-  <ds:schemaRefs>
-    <ds:schemaRef ds:uri="http://schemas.microsoft.com/VisualStudio/2011/storyboarding/control"/>
-  </ds:schemaRefs>
-</ds:datastoreItem>
-</file>
-
-<file path=customXml/itemProps119.xml><?xml version="1.0" encoding="utf-8"?>
-<ds:datastoreItem xmlns:ds="http://schemas.openxmlformats.org/officeDocument/2006/customXml" ds:itemID="{D5754EE6-BC91-4A98-A9DF-8FF792B0AA43}">
-  <ds:schemaRefs>
-    <ds:schemaRef ds:uri="http://schemas.microsoft.com/VisualStudio/2011/storyboarding/control"/>
-  </ds:schemaRefs>
-</ds:datastoreItem>
-</file>
-
-<file path=customXml/itemProps12.xml><?xml version="1.0" encoding="utf-8"?>
+<file path=customXml/itemProps41.xml><?xml version="1.0" encoding="utf-8"?>
 <ds:datastoreItem xmlns:ds="http://schemas.openxmlformats.org/officeDocument/2006/customXml" ds:itemID="{10F0BDDE-4AA3-40EF-B2BC-ACF0382ED861}">
   <ds:schemaRefs>
     <ds:schemaRef ds:uri="http://schemas.microsoft.com/VisualStudio/2011/storyboarding/control"/>
@@ -12430,71 +14796,7 @@
 </ds:datastoreItem>
 </file>
 
-<file path=customXml/itemProps120.xml><?xml version="1.0" encoding="utf-8"?>
-<ds:datastoreItem xmlns:ds="http://schemas.openxmlformats.org/officeDocument/2006/customXml" ds:itemID="{73ABD768-CB5D-46A4-A597-4A94DA70A531}">
-  <ds:schemaRefs>
-    <ds:schemaRef ds:uri="http://schemas.microsoft.com/VisualStudio/2011/storyboarding/control"/>
-  </ds:schemaRefs>
-</ds:datastoreItem>
-</file>
-
-<file path=customXml/itemProps121.xml><?xml version="1.0" encoding="utf-8"?>
-<ds:datastoreItem xmlns:ds="http://schemas.openxmlformats.org/officeDocument/2006/customXml" ds:itemID="{192B0C59-AF18-4932-A8CE-C28065725D2A}">
-  <ds:schemaRefs>
-    <ds:schemaRef ds:uri="http://schemas.microsoft.com/VisualStudio/2011/storyboarding/control"/>
-  </ds:schemaRefs>
-</ds:datastoreItem>
-</file>
-
-<file path=customXml/itemProps122.xml><?xml version="1.0" encoding="utf-8"?>
-<ds:datastoreItem xmlns:ds="http://schemas.openxmlformats.org/officeDocument/2006/customXml" ds:itemID="{A6CB5F7F-1B30-4371-AA4A-C09705431B7C}">
-  <ds:schemaRefs>
-    <ds:schemaRef ds:uri="http://schemas.microsoft.com/VisualStudio/2011/storyboarding/control"/>
-  </ds:schemaRefs>
-</ds:datastoreItem>
-</file>
-
-<file path=customXml/itemProps123.xml><?xml version="1.0" encoding="utf-8"?>
-<ds:datastoreItem xmlns:ds="http://schemas.openxmlformats.org/officeDocument/2006/customXml" ds:itemID="{96B69763-A404-4DB8-8377-F47531C8F216}">
-  <ds:schemaRefs>
-    <ds:schemaRef ds:uri="http://schemas.microsoft.com/VisualStudio/2011/storyboarding/control"/>
-  </ds:schemaRefs>
-</ds:datastoreItem>
-</file>
-
-<file path=customXml/itemProps13.xml><?xml version="1.0" encoding="utf-8"?>
-<ds:datastoreItem xmlns:ds="http://schemas.openxmlformats.org/officeDocument/2006/customXml" ds:itemID="{ADE0E0E1-3FB4-4764-85B1-A2581C94CFE9}">
-  <ds:schemaRefs>
-    <ds:schemaRef ds:uri="http://schemas.microsoft.com/VisualStudio/2011/storyboarding/control"/>
-  </ds:schemaRefs>
-</ds:datastoreItem>
-</file>
-
-<file path=customXml/itemProps14.xml><?xml version="1.0" encoding="utf-8"?>
-<ds:datastoreItem xmlns:ds="http://schemas.openxmlformats.org/officeDocument/2006/customXml" ds:itemID="{4ECEEF82-0B3C-4906-961B-AFB29BD1E6E3}">
-  <ds:schemaRefs>
-    <ds:schemaRef ds:uri="http://schemas.microsoft.com/VisualStudio/2011/storyboarding/control"/>
-  </ds:schemaRefs>
-</ds:datastoreItem>
-</file>
-
-<file path=customXml/itemProps15.xml><?xml version="1.0" encoding="utf-8"?>
-<ds:datastoreItem xmlns:ds="http://schemas.openxmlformats.org/officeDocument/2006/customXml" ds:itemID="{BB9D8331-A5A0-4DC8-BED7-F17D94CE02E8}">
-  <ds:schemaRefs>
-    <ds:schemaRef ds:uri="http://schemas.microsoft.com/VisualStudio/2011/storyboarding/control"/>
-  </ds:schemaRefs>
-</ds:datastoreItem>
-</file>
-
-<file path=customXml/itemProps16.xml><?xml version="1.0" encoding="utf-8"?>
-<ds:datastoreItem xmlns:ds="http://schemas.openxmlformats.org/officeDocument/2006/customXml" ds:itemID="{40E6753A-8176-4C3D-A7AD-922499F48E12}">
-  <ds:schemaRefs>
-    <ds:schemaRef ds:uri="http://schemas.microsoft.com/VisualStudio/2011/storyboarding/control"/>
-  </ds:schemaRefs>
-</ds:datastoreItem>
-</file>
-
-<file path=customXml/itemProps17.xml><?xml version="1.0" encoding="utf-8"?>
+<file path=customXml/itemProps42.xml><?xml version="1.0" encoding="utf-8"?>
 <ds:datastoreItem xmlns:ds="http://schemas.openxmlformats.org/officeDocument/2006/customXml" ds:itemID="{7F5E28FD-26FF-4A48-BAD7-50B55AB6208D}">
   <ds:schemaRefs>
     <ds:schemaRef ds:uri="http://schemas.microsoft.com/VisualStudio/2011/storyboarding/control"/>
@@ -12502,71 +14804,7 @@
 </ds:datastoreItem>
 </file>
 
-<file path=customXml/itemProps18.xml><?xml version="1.0" encoding="utf-8"?>
-<ds:datastoreItem xmlns:ds="http://schemas.openxmlformats.org/officeDocument/2006/customXml" ds:itemID="{D8653A86-F184-47A6-A8EA-282F582C20DD}">
-  <ds:schemaRefs>
-    <ds:schemaRef ds:uri="http://schemas.microsoft.com/VisualStudio/2011/storyboarding/control"/>
-  </ds:schemaRefs>
-</ds:datastoreItem>
-</file>
-
-<file path=customXml/itemProps19.xml><?xml version="1.0" encoding="utf-8"?>
-<ds:datastoreItem xmlns:ds="http://schemas.openxmlformats.org/officeDocument/2006/customXml" ds:itemID="{1EAEFE78-3E46-45E5-85DF-8CF35EFEFFEE}">
-  <ds:schemaRefs>
-    <ds:schemaRef ds:uri="http://schemas.microsoft.com/VisualStudio/2011/storyboarding/control"/>
-  </ds:schemaRefs>
-</ds:datastoreItem>
-</file>
-
-<file path=customXml/itemProps2.xml><?xml version="1.0" encoding="utf-8"?>
-<ds:datastoreItem xmlns:ds="http://schemas.openxmlformats.org/officeDocument/2006/customXml" ds:itemID="{F2AC79B3-EA47-4A60-8F32-62C9B6A4B730}">
-  <ds:schemaRefs>
-    <ds:schemaRef ds:uri="http://schemas.microsoft.com/VisualStudio/2011/storyboarding/control"/>
-  </ds:schemaRefs>
-</ds:datastoreItem>
-</file>
-
-<file path=customXml/itemProps20.xml><?xml version="1.0" encoding="utf-8"?>
-<ds:datastoreItem xmlns:ds="http://schemas.openxmlformats.org/officeDocument/2006/customXml" ds:itemID="{F09024E1-1C18-4E75-B068-E418EE7D2650}">
-  <ds:schemaRefs>
-    <ds:schemaRef ds:uri="http://schemas.microsoft.com/VisualStudio/2011/storyboarding/control"/>
-  </ds:schemaRefs>
-</ds:datastoreItem>
-</file>
-
-<file path=customXml/itemProps21.xml><?xml version="1.0" encoding="utf-8"?>
-<ds:datastoreItem xmlns:ds="http://schemas.openxmlformats.org/officeDocument/2006/customXml" ds:itemID="{51D515F3-5B60-4F94-84C8-4468FC08CD50}">
-  <ds:schemaRefs>
-    <ds:schemaRef ds:uri="http://schemas.microsoft.com/VisualStudio/2011/storyboarding/control"/>
-  </ds:schemaRefs>
-</ds:datastoreItem>
-</file>
-
-<file path=customXml/itemProps22.xml><?xml version="1.0" encoding="utf-8"?>
-<ds:datastoreItem xmlns:ds="http://schemas.openxmlformats.org/officeDocument/2006/customXml" ds:itemID="{033417FC-F4DF-440B-9750-AC9CEE9D4DD6}">
-  <ds:schemaRefs>
-    <ds:schemaRef ds:uri="http://schemas.microsoft.com/VisualStudio/2011/storyboarding/control"/>
-  </ds:schemaRefs>
-</ds:datastoreItem>
-</file>
-
-<file path=customXml/itemProps23.xml><?xml version="1.0" encoding="utf-8"?>
-<ds:datastoreItem xmlns:ds="http://schemas.openxmlformats.org/officeDocument/2006/customXml" ds:itemID="{B33906A2-2468-4E50-8B7B-646E03FFEF2D}">
-  <ds:schemaRefs>
-    <ds:schemaRef ds:uri="http://schemas.microsoft.com/VisualStudio/2011/storyboarding/control"/>
-  </ds:schemaRefs>
-</ds:datastoreItem>
-</file>
-
-<file path=customXml/itemProps24.xml><?xml version="1.0" encoding="utf-8"?>
-<ds:datastoreItem xmlns:ds="http://schemas.openxmlformats.org/officeDocument/2006/customXml" ds:itemID="{90E6BF7D-584A-485E-85F5-083945235CD7}">
-  <ds:schemaRefs>
-    <ds:schemaRef ds:uri="http://schemas.microsoft.com/VisualStudio/2011/storyboarding/control"/>
-  </ds:schemaRefs>
-</ds:datastoreItem>
-</file>
-
-<file path=customXml/itemProps25.xml><?xml version="1.0" encoding="utf-8"?>
+<file path=customXml/itemProps43.xml><?xml version="1.0" encoding="utf-8"?>
 <ds:datastoreItem xmlns:ds="http://schemas.openxmlformats.org/officeDocument/2006/customXml" ds:itemID="{A4C33EEA-7075-4651-97E3-4829E38E21EA}">
   <ds:schemaRefs>
     <ds:schemaRef ds:uri="http://schemas.microsoft.com/VisualStudio/2011/storyboarding/control"/>
@@ -12574,71 +14812,7 @@
 </ds:datastoreItem>
 </file>
 
-<file path=customXml/itemProps26.xml><?xml version="1.0" encoding="utf-8"?>
-<ds:datastoreItem xmlns:ds="http://schemas.openxmlformats.org/officeDocument/2006/customXml" ds:itemID="{FCFEC772-99A0-4E2F-BE46-6982F97F1BE9}">
-  <ds:schemaRefs>
-    <ds:schemaRef ds:uri="http://schemas.microsoft.com/VisualStudio/2011/storyboarding/control"/>
-  </ds:schemaRefs>
-</ds:datastoreItem>
-</file>
-
-<file path=customXml/itemProps27.xml><?xml version="1.0" encoding="utf-8"?>
-<ds:datastoreItem xmlns:ds="http://schemas.openxmlformats.org/officeDocument/2006/customXml" ds:itemID="{06C11E88-1615-4B77-96AD-4B8BA4A066E8}">
-  <ds:schemaRefs>
-    <ds:schemaRef ds:uri="http://schemas.microsoft.com/VisualStudio/2011/storyboarding/control"/>
-  </ds:schemaRefs>
-</ds:datastoreItem>
-</file>
-
-<file path=customXml/itemProps28.xml><?xml version="1.0" encoding="utf-8"?>
-<ds:datastoreItem xmlns:ds="http://schemas.openxmlformats.org/officeDocument/2006/customXml" ds:itemID="{C4F6D4BE-A130-482B-BA98-1CB53DA976CA}">
-  <ds:schemaRefs>
-    <ds:schemaRef ds:uri="http://schemas.microsoft.com/VisualStudio/2011/storyboarding/control"/>
-  </ds:schemaRefs>
-</ds:datastoreItem>
-</file>
-
-<file path=customXml/itemProps29.xml><?xml version="1.0" encoding="utf-8"?>
-<ds:datastoreItem xmlns:ds="http://schemas.openxmlformats.org/officeDocument/2006/customXml" ds:itemID="{6909E70A-4203-43FA-8666-1DA9A83FC55A}">
-  <ds:schemaRefs>
-    <ds:schemaRef ds:uri="http://schemas.microsoft.com/VisualStudio/2011/storyboarding/control"/>
-  </ds:schemaRefs>
-</ds:datastoreItem>
-</file>
-
-<file path=customXml/itemProps3.xml><?xml version="1.0" encoding="utf-8"?>
-<ds:datastoreItem xmlns:ds="http://schemas.openxmlformats.org/officeDocument/2006/customXml" ds:itemID="{1CCD967A-A231-4443-B5CB-163865029EA0}">
-  <ds:schemaRefs>
-    <ds:schemaRef ds:uri="http://schemas.microsoft.com/VisualStudio/2011/storyboarding/control"/>
-  </ds:schemaRefs>
-</ds:datastoreItem>
-</file>
-
-<file path=customXml/itemProps30.xml><?xml version="1.0" encoding="utf-8"?>
-<ds:datastoreItem xmlns:ds="http://schemas.openxmlformats.org/officeDocument/2006/customXml" ds:itemID="{AAE9B66C-C51E-45FF-A0AF-F87D4E76C603}">
-  <ds:schemaRefs>
-    <ds:schemaRef ds:uri="http://schemas.microsoft.com/VisualStudio/2011/storyboarding/control"/>
-  </ds:schemaRefs>
-</ds:datastoreItem>
-</file>
-
-<file path=customXml/itemProps31.xml><?xml version="1.0" encoding="utf-8"?>
-<ds:datastoreItem xmlns:ds="http://schemas.openxmlformats.org/officeDocument/2006/customXml" ds:itemID="{F753D4C8-6DCC-4D78-9E76-A20A021CFCD8}">
-  <ds:schemaRefs>
-    <ds:schemaRef ds:uri="http://schemas.microsoft.com/VisualStudio/2011/storyboarding/control"/>
-  </ds:schemaRefs>
-</ds:datastoreItem>
-</file>
-
-<file path=customXml/itemProps32.xml><?xml version="1.0" encoding="utf-8"?>
-<ds:datastoreItem xmlns:ds="http://schemas.openxmlformats.org/officeDocument/2006/customXml" ds:itemID="{9431BAA6-A458-4A16-B548-267B412E871D}">
-  <ds:schemaRefs>
-    <ds:schemaRef ds:uri="http://schemas.microsoft.com/VisualStudio/2011/storyboarding/control"/>
-  </ds:schemaRefs>
-</ds:datastoreItem>
-</file>
-
-<file path=customXml/itemProps33.xml><?xml version="1.0" encoding="utf-8"?>
+<file path=customXml/itemProps44.xml><?xml version="1.0" encoding="utf-8"?>
 <ds:datastoreItem xmlns:ds="http://schemas.openxmlformats.org/officeDocument/2006/customXml" ds:itemID="{F5B85250-01CA-403A-BFFD-EDEFCA9E38FF}">
   <ds:schemaRefs>
     <ds:schemaRef ds:uri="http://schemas.microsoft.com/VisualStudio/2011/storyboarding/control"/>
@@ -12646,104 +14820,8 @@
 </ds:datastoreItem>
 </file>
 
-<file path=customXml/itemProps34.xml><?xml version="1.0" encoding="utf-8"?>
-<ds:datastoreItem xmlns:ds="http://schemas.openxmlformats.org/officeDocument/2006/customXml" ds:itemID="{623F5871-F525-4D45-8757-C0B70863AD81}">
-  <ds:schemaRefs>
-    <ds:schemaRef ds:uri="http://schemas.microsoft.com/VisualStudio/2011/storyboarding/control"/>
-  </ds:schemaRefs>
-</ds:datastoreItem>
-</file>
-
-<file path=customXml/itemProps35.xml><?xml version="1.0" encoding="utf-8"?>
-<ds:datastoreItem xmlns:ds="http://schemas.openxmlformats.org/officeDocument/2006/customXml" ds:itemID="{AABACF0D-5384-4675-802C-4FFC55B3B83D}">
-  <ds:schemaRefs>
-    <ds:schemaRef ds:uri="http://schemas.microsoft.com/VisualStudio/2011/storyboarding/control"/>
-  </ds:schemaRefs>
-</ds:datastoreItem>
-</file>
-
-<file path=customXml/itemProps36.xml><?xml version="1.0" encoding="utf-8"?>
-<ds:datastoreItem xmlns:ds="http://schemas.openxmlformats.org/officeDocument/2006/customXml" ds:itemID="{59AEDDE6-08CE-4516-9790-E1D7499AD12F}">
-  <ds:schemaRefs>
-    <ds:schemaRef ds:uri="http://schemas.microsoft.com/VisualStudio/2011/storyboarding/control"/>
-  </ds:schemaRefs>
-</ds:datastoreItem>
-</file>
-
-<file path=customXml/itemProps37.xml><?xml version="1.0" encoding="utf-8"?>
-<ds:datastoreItem xmlns:ds="http://schemas.openxmlformats.org/officeDocument/2006/customXml" ds:itemID="{48FCAF00-A9CA-4F0B-94B6-B06BD75E9807}">
-  <ds:schemaRefs>
-    <ds:schemaRef ds:uri="http://schemas.microsoft.com/VisualStudio/2011/storyboarding/control"/>
-  </ds:schemaRefs>
-</ds:datastoreItem>
-</file>
-
-<file path=customXml/itemProps38.xml><?xml version="1.0" encoding="utf-8"?>
+<file path=customXml/itemProps45.xml><?xml version="1.0" encoding="utf-8"?>
 <ds:datastoreItem xmlns:ds="http://schemas.openxmlformats.org/officeDocument/2006/customXml" ds:itemID="{DDBF085A-1095-41CF-A0E2-F8212DFD4835}">
-  <ds:schemaRefs>
-    <ds:schemaRef ds:uri="http://schemas.microsoft.com/VisualStudio/2011/storyboarding/control"/>
-  </ds:schemaRefs>
-</ds:datastoreItem>
-</file>
-
-<file path=customXml/itemProps39.xml><?xml version="1.0" encoding="utf-8"?>
-<ds:datastoreItem xmlns:ds="http://schemas.openxmlformats.org/officeDocument/2006/customXml" ds:itemID="{D08605C4-AECB-4FFF-9D2C-98990B0DFFDA}">
-  <ds:schemaRefs>
-    <ds:schemaRef ds:uri="http://schemas.microsoft.com/VisualStudio/2011/storyboarding/control"/>
-  </ds:schemaRefs>
-</ds:datastoreItem>
-</file>
-
-<file path=customXml/itemProps4.xml><?xml version="1.0" encoding="utf-8"?>
-<ds:datastoreItem xmlns:ds="http://schemas.openxmlformats.org/officeDocument/2006/customXml" ds:itemID="{A2F6F20D-5D93-4163-A5E6-5A9B6AB49B35}">
-  <ds:schemaRefs>
-    <ds:schemaRef ds:uri="http://schemas.microsoft.com/VisualStudio/2011/storyboarding/control"/>
-  </ds:schemaRefs>
-</ds:datastoreItem>
-</file>
-
-<file path=customXml/itemProps40.xml><?xml version="1.0" encoding="utf-8"?>
-<ds:datastoreItem xmlns:ds="http://schemas.openxmlformats.org/officeDocument/2006/customXml" ds:itemID="{1E27CC14-9852-42D8-9A73-828A1C767F65}">
-  <ds:schemaRefs>
-    <ds:schemaRef ds:uri="http://schemas.microsoft.com/VisualStudio/2011/storyboarding/control"/>
-  </ds:schemaRefs>
-</ds:datastoreItem>
-</file>
-
-<file path=customXml/itemProps41.xml><?xml version="1.0" encoding="utf-8"?>
-<ds:datastoreItem xmlns:ds="http://schemas.openxmlformats.org/officeDocument/2006/customXml" ds:itemID="{13D229BA-F403-4DB5-940D-9A722C14A295}">
-  <ds:schemaRefs>
-    <ds:schemaRef ds:uri="http://schemas.microsoft.com/VisualStudio/2011/storyboarding/control"/>
-  </ds:schemaRefs>
-</ds:datastoreItem>
-</file>
-
-<file path=customXml/itemProps42.xml><?xml version="1.0" encoding="utf-8"?>
-<ds:datastoreItem xmlns:ds="http://schemas.openxmlformats.org/officeDocument/2006/customXml" ds:itemID="{15112653-7036-4EB6-9E86-EDFCD1846E57}">
-  <ds:schemaRefs>
-    <ds:schemaRef ds:uri="http://schemas.microsoft.com/VisualStudio/2011/storyboarding/control"/>
-  </ds:schemaRefs>
-</ds:datastoreItem>
-</file>
-
-<file path=customXml/itemProps43.xml><?xml version="1.0" encoding="utf-8"?>
-<ds:datastoreItem xmlns:ds="http://schemas.openxmlformats.org/officeDocument/2006/customXml" ds:itemID="{55CA6769-99B0-4402-A536-C3C8E0221022}">
-  <ds:schemaRefs>
-    <ds:schemaRef ds:uri="http://schemas.microsoft.com/VisualStudio/2011/storyboarding/control"/>
-  </ds:schemaRefs>
-</ds:datastoreItem>
-</file>
-
-<file path=customXml/itemProps44.xml><?xml version="1.0" encoding="utf-8"?>
-<ds:datastoreItem xmlns:ds="http://schemas.openxmlformats.org/officeDocument/2006/customXml" ds:itemID="{17816237-E86F-4608-B2AD-3D2E66C1B03B}">
-  <ds:schemaRefs>
-    <ds:schemaRef ds:uri="http://schemas.microsoft.com/VisualStudio/2011/storyboarding/control"/>
-  </ds:schemaRefs>
-</ds:datastoreItem>
-</file>
-
-<file path=customXml/itemProps45.xml><?xml version="1.0" encoding="utf-8"?>
-<ds:datastoreItem xmlns:ds="http://schemas.openxmlformats.org/officeDocument/2006/customXml" ds:itemID="{AF01C7FC-A844-4EAB-9C49-C1EDCADB47C1}">
   <ds:schemaRefs>
     <ds:schemaRef ds:uri="http://schemas.microsoft.com/VisualStudio/2011/storyboarding/control"/>
   </ds:schemaRefs>
@@ -12759,7 +14837,7 @@
 </file>
 
 <file path=customXml/itemProps47.xml><?xml version="1.0" encoding="utf-8"?>
-<ds:datastoreItem xmlns:ds="http://schemas.openxmlformats.org/officeDocument/2006/customXml" ds:itemID="{85F86E7D-DA49-4BE9-9097-1D50FB466B1E}">
+<ds:datastoreItem xmlns:ds="http://schemas.openxmlformats.org/officeDocument/2006/customXml" ds:itemID="{CAA62E3A-E1D3-48E6-902C-72278FCF572B}">
   <ds:schemaRefs>
     <ds:schemaRef ds:uri="http://schemas.microsoft.com/VisualStudio/2011/storyboarding/control"/>
   </ds:schemaRefs>
@@ -12767,7 +14845,7 @@
 </file>
 
 <file path=customXml/itemProps48.xml><?xml version="1.0" encoding="utf-8"?>
-<ds:datastoreItem xmlns:ds="http://schemas.openxmlformats.org/officeDocument/2006/customXml" ds:itemID="{ACF586AD-3668-4E64-BB79-597B4E8D331A}">
+<ds:datastoreItem xmlns:ds="http://schemas.openxmlformats.org/officeDocument/2006/customXml" ds:itemID="{0AB71E67-FC2D-421E-B264-47BB552D5A5B}">
   <ds:schemaRefs>
     <ds:schemaRef ds:uri="http://schemas.microsoft.com/VisualStudio/2011/storyboarding/control"/>
   </ds:schemaRefs>
@@ -12775,7 +14853,7 @@
 </file>
 
 <file path=customXml/itemProps49.xml><?xml version="1.0" encoding="utf-8"?>
-<ds:datastoreItem xmlns:ds="http://schemas.openxmlformats.org/officeDocument/2006/customXml" ds:itemID="{7C7A195E-DFA7-4A05-9371-894B93FD1828}">
+<ds:datastoreItem xmlns:ds="http://schemas.openxmlformats.org/officeDocument/2006/customXml" ds:itemID="{CD29ED7C-7003-4640-8A56-61BBEE20B1F0}">
   <ds:schemaRefs>
     <ds:schemaRef ds:uri="http://schemas.microsoft.com/VisualStudio/2011/storyboarding/control"/>
   </ds:schemaRefs>
@@ -12783,7 +14861,7 @@
 </file>
 
 <file path=customXml/itemProps5.xml><?xml version="1.0" encoding="utf-8"?>
-<ds:datastoreItem xmlns:ds="http://schemas.openxmlformats.org/officeDocument/2006/customXml" ds:itemID="{E44C9E77-1C35-4DBC-82DD-57E4D308EFBB}">
+<ds:datastoreItem xmlns:ds="http://schemas.openxmlformats.org/officeDocument/2006/customXml" ds:itemID="{9431BAA6-A458-4A16-B548-267B412E871D}">
   <ds:schemaRefs>
     <ds:schemaRef ds:uri="http://schemas.microsoft.com/VisualStudio/2011/storyboarding/control"/>
   </ds:schemaRefs>
@@ -12791,7 +14869,7 @@
 </file>
 
 <file path=customXml/itemProps50.xml><?xml version="1.0" encoding="utf-8"?>
-<ds:datastoreItem xmlns:ds="http://schemas.openxmlformats.org/officeDocument/2006/customXml" ds:itemID="{67BB8CBF-A728-42E4-ACB8-9EB900796758}">
+<ds:datastoreItem xmlns:ds="http://schemas.openxmlformats.org/officeDocument/2006/customXml" ds:itemID="{394EADEA-3838-4D66-B77E-E5E9BD6A7AEA}">
   <ds:schemaRefs>
     <ds:schemaRef ds:uri="http://schemas.microsoft.com/VisualStudio/2011/storyboarding/control"/>
   </ds:schemaRefs>
@@ -12799,7 +14877,7 @@
 </file>
 
 <file path=customXml/itemProps51.xml><?xml version="1.0" encoding="utf-8"?>
-<ds:datastoreItem xmlns:ds="http://schemas.openxmlformats.org/officeDocument/2006/customXml" ds:itemID="{AF40C17C-6E53-453B-B327-999FE0B7CF9E}">
+<ds:datastoreItem xmlns:ds="http://schemas.openxmlformats.org/officeDocument/2006/customXml" ds:itemID="{68BF0817-02E7-4175-AEC7-8477E7F612E9}">
   <ds:schemaRefs>
     <ds:schemaRef ds:uri="http://schemas.microsoft.com/VisualStudio/2011/storyboarding/control"/>
   </ds:schemaRefs>
@@ -12807,7 +14885,7 @@
 </file>
 
 <file path=customXml/itemProps52.xml><?xml version="1.0" encoding="utf-8"?>
-<ds:datastoreItem xmlns:ds="http://schemas.openxmlformats.org/officeDocument/2006/customXml" ds:itemID="{3E59668D-9D10-4C26-9CC7-C8295EEC02B7}">
+<ds:datastoreItem xmlns:ds="http://schemas.openxmlformats.org/officeDocument/2006/customXml" ds:itemID="{F09024E1-1C18-4E75-B068-E418EE7D2650}">
   <ds:schemaRefs>
     <ds:schemaRef ds:uri="http://schemas.microsoft.com/VisualStudio/2011/storyboarding/control"/>
   </ds:schemaRefs>
@@ -12815,7 +14893,7 @@
 </file>
 
 <file path=customXml/itemProps53.xml><?xml version="1.0" encoding="utf-8"?>
-<ds:datastoreItem xmlns:ds="http://schemas.openxmlformats.org/officeDocument/2006/customXml" ds:itemID="{0205D5B8-50E2-42A6-ADDD-577B72710484}">
+<ds:datastoreItem xmlns:ds="http://schemas.openxmlformats.org/officeDocument/2006/customXml" ds:itemID="{13D229BA-F403-4DB5-940D-9A722C14A295}">
   <ds:schemaRefs>
     <ds:schemaRef ds:uri="http://schemas.microsoft.com/VisualStudio/2011/storyboarding/control"/>
   </ds:schemaRefs>
@@ -12831,6 +14909,366 @@
 </file>
 
 <file path=customXml/itemProps55.xml><?xml version="1.0" encoding="utf-8"?>
+<ds:datastoreItem xmlns:ds="http://schemas.openxmlformats.org/officeDocument/2006/customXml" ds:itemID="{45B142F8-50A8-47EE-8945-EA0E8BEF71EB}">
+  <ds:schemaRefs>
+    <ds:schemaRef ds:uri="http://schemas.microsoft.com/VisualStudio/2011/storyboarding/control"/>
+  </ds:schemaRefs>
+</ds:datastoreItem>
+</file>
+
+<file path=customXml/itemProps56.xml><?xml version="1.0" encoding="utf-8"?>
+<ds:datastoreItem xmlns:ds="http://schemas.openxmlformats.org/officeDocument/2006/customXml" ds:itemID="{2FCA7744-2BF3-4014-BEA7-E6EE6BE5E79E}">
+  <ds:schemaRefs>
+    <ds:schemaRef ds:uri="http://schemas.microsoft.com/VisualStudio/2011/storyboarding/control"/>
+  </ds:schemaRefs>
+</ds:datastoreItem>
+</file>
+
+<file path=customXml/itemProps57.xml><?xml version="1.0" encoding="utf-8"?>
+<ds:datastoreItem xmlns:ds="http://schemas.openxmlformats.org/officeDocument/2006/customXml" ds:itemID="{E475E16E-3D1A-4AA1-9265-74BC7689BD6B}">
+  <ds:schemaRefs>
+    <ds:schemaRef ds:uri="http://schemas.microsoft.com/VisualStudio/2011/storyboarding/control"/>
+  </ds:schemaRefs>
+</ds:datastoreItem>
+</file>
+
+<file path=customXml/itemProps58.xml><?xml version="1.0" encoding="utf-8"?>
+<ds:datastoreItem xmlns:ds="http://schemas.openxmlformats.org/officeDocument/2006/customXml" ds:itemID="{E7741501-71C2-4C17-B4E1-815C0856C474}">
+  <ds:schemaRefs>
+    <ds:schemaRef ds:uri="http://schemas.microsoft.com/VisualStudio/2011/storyboarding/control"/>
+  </ds:schemaRefs>
+</ds:datastoreItem>
+</file>
+
+<file path=customXml/itemProps59.xml><?xml version="1.0" encoding="utf-8"?>
+<ds:datastoreItem xmlns:ds="http://schemas.openxmlformats.org/officeDocument/2006/customXml" ds:itemID="{6A447DBB-2C85-4597-A0DB-C9A2322BAC8D}">
+  <ds:schemaRefs>
+    <ds:schemaRef ds:uri="http://schemas.microsoft.com/VisualStudio/2011/storyboarding/control"/>
+  </ds:schemaRefs>
+</ds:datastoreItem>
+</file>
+
+<file path=customXml/itemProps6.xml><?xml version="1.0" encoding="utf-8"?>
+<ds:datastoreItem xmlns:ds="http://schemas.openxmlformats.org/officeDocument/2006/customXml" ds:itemID="{48FCAF00-A9CA-4F0B-94B6-B06BD75E9807}">
+  <ds:schemaRefs>
+    <ds:schemaRef ds:uri="http://schemas.microsoft.com/VisualStudio/2011/storyboarding/control"/>
+  </ds:schemaRefs>
+</ds:datastoreItem>
+</file>
+
+<file path=customXml/itemProps60.xml><?xml version="1.0" encoding="utf-8"?>
+<ds:datastoreItem xmlns:ds="http://schemas.openxmlformats.org/officeDocument/2006/customXml" ds:itemID="{59D0369F-25C4-46DE-8418-DF66EC3FEC68}">
+  <ds:schemaRefs>
+    <ds:schemaRef ds:uri="http://schemas.microsoft.com/VisualStudio/2011/storyboarding/control"/>
+  </ds:schemaRefs>
+</ds:datastoreItem>
+</file>
+
+<file path=customXml/itemProps61.xml><?xml version="1.0" encoding="utf-8"?>
+<ds:datastoreItem xmlns:ds="http://schemas.openxmlformats.org/officeDocument/2006/customXml" ds:itemID="{D544E426-85A9-48AB-BB78-E3AD0590EC7C}">
+  <ds:schemaRefs>
+    <ds:schemaRef ds:uri="http://schemas.microsoft.com/VisualStudio/2011/storyboarding/control"/>
+  </ds:schemaRefs>
+</ds:datastoreItem>
+</file>
+
+<file path=customXml/itemProps62.xml><?xml version="1.0" encoding="utf-8"?>
+<ds:datastoreItem xmlns:ds="http://schemas.openxmlformats.org/officeDocument/2006/customXml" ds:itemID="{24046DC5-38AC-4C0E-A7BD-7BA62F64ED8D}">
+  <ds:schemaRefs>
+    <ds:schemaRef ds:uri="http://schemas.microsoft.com/VisualStudio/2011/storyboarding/control"/>
+  </ds:schemaRefs>
+</ds:datastoreItem>
+</file>
+
+<file path=customXml/itemProps63.xml><?xml version="1.0" encoding="utf-8"?>
+<ds:datastoreItem xmlns:ds="http://schemas.openxmlformats.org/officeDocument/2006/customXml" ds:itemID="{C5822030-9D10-4417-BB70-A547D778BA9D}">
+  <ds:schemaRefs>
+    <ds:schemaRef ds:uri="http://schemas.microsoft.com/VisualStudio/2011/storyboarding/control"/>
+  </ds:schemaRefs>
+</ds:datastoreItem>
+</file>
+
+<file path=customXml/itemProps64.xml><?xml version="1.0" encoding="utf-8"?>
+<ds:datastoreItem xmlns:ds="http://schemas.openxmlformats.org/officeDocument/2006/customXml" ds:itemID="{4686712F-CBA4-47D3-833A-C2ADFEF753DD}">
+  <ds:schemaRefs>
+    <ds:schemaRef ds:uri="http://schemas.microsoft.com/VisualStudio/2011/storyboarding/control"/>
+  </ds:schemaRefs>
+</ds:datastoreItem>
+</file>
+
+<file path=customXml/itemProps65.xml><?xml version="1.0" encoding="utf-8"?>
+<ds:datastoreItem xmlns:ds="http://schemas.openxmlformats.org/officeDocument/2006/customXml" ds:itemID="{BB9D8331-A5A0-4DC8-BED7-F17D94CE02E8}">
+  <ds:schemaRefs>
+    <ds:schemaRef ds:uri="http://schemas.microsoft.com/VisualStudio/2011/storyboarding/control"/>
+  </ds:schemaRefs>
+</ds:datastoreItem>
+</file>
+
+<file path=customXml/itemProps66.xml><?xml version="1.0" encoding="utf-8"?>
+<ds:datastoreItem xmlns:ds="http://schemas.openxmlformats.org/officeDocument/2006/customXml" ds:itemID="{B33906A2-2468-4E50-8B7B-646E03FFEF2D}">
+  <ds:schemaRefs>
+    <ds:schemaRef ds:uri="http://schemas.microsoft.com/VisualStudio/2011/storyboarding/control"/>
+  </ds:schemaRefs>
+</ds:datastoreItem>
+</file>
+
+<file path=customXml/itemProps67.xml><?xml version="1.0" encoding="utf-8"?>
+<ds:datastoreItem xmlns:ds="http://schemas.openxmlformats.org/officeDocument/2006/customXml" ds:itemID="{C4F6D4BE-A130-482B-BA98-1CB53DA976CA}">
+  <ds:schemaRefs>
+    <ds:schemaRef ds:uri="http://schemas.microsoft.com/VisualStudio/2011/storyboarding/control"/>
+  </ds:schemaRefs>
+</ds:datastoreItem>
+</file>
+
+<file path=customXml/itemProps68.xml><?xml version="1.0" encoding="utf-8"?>
+<ds:datastoreItem xmlns:ds="http://schemas.openxmlformats.org/officeDocument/2006/customXml" ds:itemID="{59AEDDE6-08CE-4516-9790-E1D7499AD12F}">
+  <ds:schemaRefs>
+    <ds:schemaRef ds:uri="http://schemas.microsoft.com/VisualStudio/2011/storyboarding/control"/>
+  </ds:schemaRefs>
+</ds:datastoreItem>
+</file>
+
+<file path=customXml/itemProps69.xml><?xml version="1.0" encoding="utf-8"?>
+<ds:datastoreItem xmlns:ds="http://schemas.openxmlformats.org/officeDocument/2006/customXml" ds:itemID="{7C7A195E-DFA7-4A05-9371-894B93FD1828}">
+  <ds:schemaRefs>
+    <ds:schemaRef ds:uri="http://schemas.microsoft.com/VisualStudio/2011/storyboarding/control"/>
+  </ds:schemaRefs>
+</ds:datastoreItem>
+</file>
+
+<file path=customXml/itemProps7.xml><?xml version="1.0" encoding="utf-8"?>
+<ds:datastoreItem xmlns:ds="http://schemas.openxmlformats.org/officeDocument/2006/customXml" ds:itemID="{0205D5B8-50E2-42A6-ADDD-577B72710484}">
+  <ds:schemaRefs>
+    <ds:schemaRef ds:uri="http://schemas.microsoft.com/VisualStudio/2011/storyboarding/control"/>
+  </ds:schemaRefs>
+</ds:datastoreItem>
+</file>
+
+<file path=customXml/itemProps70.xml><?xml version="1.0" encoding="utf-8"?>
+<ds:datastoreItem xmlns:ds="http://schemas.openxmlformats.org/officeDocument/2006/customXml" ds:itemID="{C7B0D7AD-32DF-4953-89C9-C834F6010560}">
+  <ds:schemaRefs>
+    <ds:schemaRef ds:uri="http://schemas.microsoft.com/VisualStudio/2011/storyboarding/control"/>
+  </ds:schemaRefs>
+</ds:datastoreItem>
+</file>
+
+<file path=customXml/itemProps71.xml><?xml version="1.0" encoding="utf-8"?>
+<ds:datastoreItem xmlns:ds="http://schemas.openxmlformats.org/officeDocument/2006/customXml" ds:itemID="{7D3F1746-26F3-4D5F-8DB1-4CE59AC409F7}">
+  <ds:schemaRefs>
+    <ds:schemaRef ds:uri="http://schemas.microsoft.com/VisualStudio/2011/storyboarding/control"/>
+  </ds:schemaRefs>
+</ds:datastoreItem>
+</file>
+
+<file path=customXml/itemProps72.xml><?xml version="1.0" encoding="utf-8"?>
+<ds:datastoreItem xmlns:ds="http://schemas.openxmlformats.org/officeDocument/2006/customXml" ds:itemID="{DD4B0EF4-5BAE-4815-B342-64E17EEBDB97}">
+  <ds:schemaRefs>
+    <ds:schemaRef ds:uri="http://schemas.microsoft.com/VisualStudio/2011/storyboarding/control"/>
+  </ds:schemaRefs>
+</ds:datastoreItem>
+</file>
+
+<file path=customXml/itemProps73.xml><?xml version="1.0" encoding="utf-8"?>
+<ds:datastoreItem xmlns:ds="http://schemas.openxmlformats.org/officeDocument/2006/customXml" ds:itemID="{D5754EE6-BC91-4A98-A9DF-8FF792B0AA43}">
+  <ds:schemaRefs>
+    <ds:schemaRef ds:uri="http://schemas.microsoft.com/VisualStudio/2011/storyboarding/control"/>
+  </ds:schemaRefs>
+</ds:datastoreItem>
+</file>
+
+<file path=customXml/itemProps74.xml><?xml version="1.0" encoding="utf-8"?>
+<ds:datastoreItem xmlns:ds="http://schemas.openxmlformats.org/officeDocument/2006/customXml" ds:itemID="{8A555954-45BE-4EEE-9F3C-9C997F6D1BA3}">
+  <ds:schemaRefs>
+    <ds:schemaRef ds:uri="http://schemas.microsoft.com/VisualStudio/2011/storyboarding/control"/>
+  </ds:schemaRefs>
+</ds:datastoreItem>
+</file>
+
+<file path=customXml/itemProps75.xml><?xml version="1.0" encoding="utf-8"?>
+<ds:datastoreItem xmlns:ds="http://schemas.openxmlformats.org/officeDocument/2006/customXml" ds:itemID="{F753D4C8-6DCC-4D78-9E76-A20A021CFCD8}">
+  <ds:schemaRefs>
+    <ds:schemaRef ds:uri="http://schemas.microsoft.com/VisualStudio/2011/storyboarding/control"/>
+  </ds:schemaRefs>
+</ds:datastoreItem>
+</file>
+
+<file path=customXml/itemProps76.xml><?xml version="1.0" encoding="utf-8"?>
+<ds:datastoreItem xmlns:ds="http://schemas.openxmlformats.org/officeDocument/2006/customXml" ds:itemID="{17816237-E86F-4608-B2AD-3D2E66C1B03B}">
+  <ds:schemaRefs>
+    <ds:schemaRef ds:uri="http://schemas.microsoft.com/VisualStudio/2011/storyboarding/control"/>
+  </ds:schemaRefs>
+</ds:datastoreItem>
+</file>
+
+<file path=customXml/itemProps77.xml><?xml version="1.0" encoding="utf-8"?>
+<ds:datastoreItem xmlns:ds="http://schemas.openxmlformats.org/officeDocument/2006/customXml" ds:itemID="{3E59668D-9D10-4C26-9CC7-C8295EEC02B7}">
+  <ds:schemaRefs>
+    <ds:schemaRef ds:uri="http://schemas.microsoft.com/VisualStudio/2011/storyboarding/control"/>
+  </ds:schemaRefs>
+</ds:datastoreItem>
+</file>
+
+<file path=customXml/itemProps78.xml><?xml version="1.0" encoding="utf-8"?>
+<ds:datastoreItem xmlns:ds="http://schemas.openxmlformats.org/officeDocument/2006/customXml" ds:itemID="{B1441669-2371-4AE4-A8B5-AFC09272AA93}">
+  <ds:schemaRefs>
+    <ds:schemaRef ds:uri="http://schemas.microsoft.com/VisualStudio/2011/storyboarding/control"/>
+  </ds:schemaRefs>
+</ds:datastoreItem>
+</file>
+
+<file path=customXml/itemProps79.xml><?xml version="1.0" encoding="utf-8"?>
+<ds:datastoreItem xmlns:ds="http://schemas.openxmlformats.org/officeDocument/2006/customXml" ds:itemID="{13867D15-2F58-4836-9D34-D0E88BF26D4C}">
+  <ds:schemaRefs>
+    <ds:schemaRef ds:uri="http://schemas.microsoft.com/VisualStudio/2011/storyboarding/control"/>
+  </ds:schemaRefs>
+</ds:datastoreItem>
+</file>
+
+<file path=customXml/itemProps8.xml><?xml version="1.0" encoding="utf-8"?>
+<ds:datastoreItem xmlns:ds="http://schemas.openxmlformats.org/officeDocument/2006/customXml" ds:itemID="{D76A8C43-D0E6-4D76-A639-72E580E29047}">
+  <ds:schemaRefs>
+    <ds:schemaRef ds:uri="http://schemas.microsoft.com/VisualStudio/2011/storyboarding/control"/>
+  </ds:schemaRefs>
+</ds:datastoreItem>
+</file>
+
+<file path=customXml/itemProps80.xml><?xml version="1.0" encoding="utf-8"?>
+<ds:datastoreItem xmlns:ds="http://schemas.openxmlformats.org/officeDocument/2006/customXml" ds:itemID="{0B25F2DC-DA1F-428C-A9D6-1915EDEAA8DD}">
+  <ds:schemaRefs>
+    <ds:schemaRef ds:uri="http://schemas.microsoft.com/VisualStudio/2011/storyboarding/control"/>
+  </ds:schemaRefs>
+</ds:datastoreItem>
+</file>
+
+<file path=customXml/itemProps81.xml><?xml version="1.0" encoding="utf-8"?>
+<ds:datastoreItem xmlns:ds="http://schemas.openxmlformats.org/officeDocument/2006/customXml" ds:itemID="{92C514EF-47C3-4A1E-8CC0-C426C540F0A1}">
+  <ds:schemaRefs>
+    <ds:schemaRef ds:uri="http://schemas.microsoft.com/VisualStudio/2011/storyboarding/control"/>
+  </ds:schemaRefs>
+</ds:datastoreItem>
+</file>
+
+<file path=customXml/itemProps82.xml><?xml version="1.0" encoding="utf-8"?>
+<ds:datastoreItem xmlns:ds="http://schemas.openxmlformats.org/officeDocument/2006/customXml" ds:itemID="{46C8095E-E543-4B44-84A5-7DF9215641EF}">
+  <ds:schemaRefs>
+    <ds:schemaRef ds:uri="http://schemas.microsoft.com/VisualStudio/2011/storyboarding/control"/>
+  </ds:schemaRefs>
+</ds:datastoreItem>
+</file>
+
+<file path=customXml/itemProps83.xml><?xml version="1.0" encoding="utf-8"?>
+<ds:datastoreItem xmlns:ds="http://schemas.openxmlformats.org/officeDocument/2006/customXml" ds:itemID="{AA6A5E90-4733-4052-BD41-CDB87AFA6C57}">
+  <ds:schemaRefs>
+    <ds:schemaRef ds:uri="http://schemas.microsoft.com/VisualStudio/2011/storyboarding/control"/>
+  </ds:schemaRefs>
+</ds:datastoreItem>
+</file>
+
+<file path=customXml/itemProps84.xml><?xml version="1.0" encoding="utf-8"?>
+<ds:datastoreItem xmlns:ds="http://schemas.openxmlformats.org/officeDocument/2006/customXml" ds:itemID="{1367878A-D08E-41A0-BE0F-87325A2CCFA2}">
+  <ds:schemaRefs>
+    <ds:schemaRef ds:uri="http://schemas.microsoft.com/VisualStudio/2011/storyboarding/control"/>
+  </ds:schemaRefs>
+</ds:datastoreItem>
+</file>
+
+<file path=customXml/itemProps85.xml><?xml version="1.0" encoding="utf-8"?>
+<ds:datastoreItem xmlns:ds="http://schemas.openxmlformats.org/officeDocument/2006/customXml" ds:itemID="{5D43C5DF-C9CE-423E-ADD8-1AAE08E6145B}">
+  <ds:schemaRefs>
+    <ds:schemaRef ds:uri="http://schemas.microsoft.com/VisualStudio/2011/storyboarding/control"/>
+  </ds:schemaRefs>
+</ds:datastoreItem>
+</file>
+
+<file path=customXml/itemProps86.xml><?xml version="1.0" encoding="utf-8"?>
+<ds:datastoreItem xmlns:ds="http://schemas.openxmlformats.org/officeDocument/2006/customXml" ds:itemID="{CF586D09-EEB6-4A49-AAE1-88E826EEDC73}">
+  <ds:schemaRefs>
+    <ds:schemaRef ds:uri="http://schemas.microsoft.com/VisualStudio/2011/storyboarding/control"/>
+  </ds:schemaRefs>
+</ds:datastoreItem>
+</file>
+
+<file path=customXml/itemProps87.xml><?xml version="1.0" encoding="utf-8"?>
+<ds:datastoreItem xmlns:ds="http://schemas.openxmlformats.org/officeDocument/2006/customXml" ds:itemID="{A6CB5F7F-1B30-4371-AA4A-C09705431B7C}">
+  <ds:schemaRefs>
+    <ds:schemaRef ds:uri="http://schemas.microsoft.com/VisualStudio/2011/storyboarding/control"/>
+  </ds:schemaRefs>
+</ds:datastoreItem>
+</file>
+
+<file path=customXml/itemProps88.xml><?xml version="1.0" encoding="utf-8"?>
+<ds:datastoreItem xmlns:ds="http://schemas.openxmlformats.org/officeDocument/2006/customXml" ds:itemID="{A2F6F20D-5D93-4163-A5E6-5A9B6AB49B35}">
+  <ds:schemaRefs>
+    <ds:schemaRef ds:uri="http://schemas.microsoft.com/VisualStudio/2011/storyboarding/control"/>
+  </ds:schemaRefs>
+</ds:datastoreItem>
+</file>
+
+<file path=customXml/itemProps89.xml><?xml version="1.0" encoding="utf-8"?>
+<ds:datastoreItem xmlns:ds="http://schemas.openxmlformats.org/officeDocument/2006/customXml" ds:itemID="{790E7F39-81D7-4FDD-A0B5-0716A2AE74B2}">
+  <ds:schemaRefs>
+    <ds:schemaRef ds:uri="http://schemas.microsoft.com/VisualStudio/2011/storyboarding/control"/>
+  </ds:schemaRefs>
+</ds:datastoreItem>
+</file>
+
+<file path=customXml/itemProps9.xml><?xml version="1.0" encoding="utf-8"?>
+<ds:datastoreItem xmlns:ds="http://schemas.openxmlformats.org/officeDocument/2006/customXml" ds:itemID="{ED541B40-E3CF-47E9-8800-B673CC7C7D9E}">
+  <ds:schemaRefs>
+    <ds:schemaRef ds:uri="http://schemas.microsoft.com/VisualStudio/2011/storyboarding/control"/>
+  </ds:schemaRefs>
+</ds:datastoreItem>
+</file>
+
+<file path=customXml/itemProps90.xml><?xml version="1.0" encoding="utf-8"?>
+<ds:datastoreItem xmlns:ds="http://schemas.openxmlformats.org/officeDocument/2006/customXml" ds:itemID="{ADE0E0E1-3FB4-4764-85B1-A2581C94CFE9}">
+  <ds:schemaRefs>
+    <ds:schemaRef ds:uri="http://schemas.microsoft.com/VisualStudio/2011/storyboarding/control"/>
+  </ds:schemaRefs>
+</ds:datastoreItem>
+</file>
+
+<file path=customXml/itemProps91.xml><?xml version="1.0" encoding="utf-8"?>
+<ds:datastoreItem xmlns:ds="http://schemas.openxmlformats.org/officeDocument/2006/customXml" ds:itemID="{D8653A86-F184-47A6-A8EA-282F582C20DD}">
+  <ds:schemaRefs>
+    <ds:schemaRef ds:uri="http://schemas.microsoft.com/VisualStudio/2011/storyboarding/control"/>
+  </ds:schemaRefs>
+</ds:datastoreItem>
+</file>
+
+<file path=customXml/itemProps92.xml><?xml version="1.0" encoding="utf-8"?>
+<ds:datastoreItem xmlns:ds="http://schemas.openxmlformats.org/officeDocument/2006/customXml" ds:itemID="{D08605C4-AECB-4FFF-9D2C-98990B0DFFDA}">
+  <ds:schemaRefs>
+    <ds:schemaRef ds:uri="http://schemas.microsoft.com/VisualStudio/2011/storyboarding/control"/>
+  </ds:schemaRefs>
+</ds:datastoreItem>
+</file>
+
+<file path=customXml/itemProps93.xml><?xml version="1.0" encoding="utf-8"?>
+<ds:datastoreItem xmlns:ds="http://schemas.openxmlformats.org/officeDocument/2006/customXml" ds:itemID="{E029995E-6C1C-464C-B18A-588A9A373F13}">
+  <ds:schemaRefs>
+    <ds:schemaRef ds:uri="http://schemas.microsoft.com/VisualStudio/2011/storyboarding/control"/>
+  </ds:schemaRefs>
+</ds:datastoreItem>
+</file>
+
+<file path=customXml/itemProps94.xml><?xml version="1.0" encoding="utf-8"?>
+<ds:datastoreItem xmlns:ds="http://schemas.openxmlformats.org/officeDocument/2006/customXml" ds:itemID="{623F5871-F525-4D45-8757-C0B70863AD81}">
+  <ds:schemaRefs>
+    <ds:schemaRef ds:uri="http://schemas.microsoft.com/VisualStudio/2011/storyboarding/control"/>
+  </ds:schemaRefs>
+</ds:datastoreItem>
+</file>
+
+<file path=customXml/itemProps95.xml><?xml version="1.0" encoding="utf-8"?>
+<ds:datastoreItem xmlns:ds="http://schemas.openxmlformats.org/officeDocument/2006/customXml" ds:itemID="{67BB8CBF-A728-42E4-ACB8-9EB900796758}">
+  <ds:schemaRefs>
+    <ds:schemaRef ds:uri="http://schemas.microsoft.com/VisualStudio/2011/storyboarding/control"/>
+  </ds:schemaRefs>
+</ds:datastoreItem>
+</file>
+
+<file path=customXml/itemProps96.xml><?xml version="1.0" encoding="utf-8"?>
 <ds:datastoreItem xmlns:ds="http://schemas.openxmlformats.org/officeDocument/2006/customXml" ds:itemID="{6DAC6C05-FAFB-4B89-BBD6-3A479BE450F0}">
   <ds:schemaRefs>
     <ds:schemaRef ds:uri="http://schemas.microsoft.com/VisualStudio/2011/storyboarding/control"/>
@@ -12838,183 +15276,7 @@
 </ds:datastoreItem>
 </file>
 
-<file path=customXml/itemProps56.xml><?xml version="1.0" encoding="utf-8"?>
-<ds:datastoreItem xmlns:ds="http://schemas.openxmlformats.org/officeDocument/2006/customXml" ds:itemID="{F12E4822-BEA4-4C90-A23E-8C7DFCF7CDD6}">
-  <ds:schemaRefs>
-    <ds:schemaRef ds:uri="http://schemas.microsoft.com/VisualStudio/2011/storyboarding/control"/>
-  </ds:schemaRefs>
-</ds:datastoreItem>
-</file>
-
-<file path=customXml/itemProps57.xml><?xml version="1.0" encoding="utf-8"?>
-<ds:datastoreItem xmlns:ds="http://schemas.openxmlformats.org/officeDocument/2006/customXml" ds:itemID="{C7B0D7AD-32DF-4953-89C9-C834F6010560}">
-  <ds:schemaRefs>
-    <ds:schemaRef ds:uri="http://schemas.microsoft.com/VisualStudio/2011/storyboarding/control"/>
-  </ds:schemaRefs>
-</ds:datastoreItem>
-</file>
-
-<file path=customXml/itemProps58.xml><?xml version="1.0" encoding="utf-8"?>
-<ds:datastoreItem xmlns:ds="http://schemas.openxmlformats.org/officeDocument/2006/customXml" ds:itemID="{D76A8C43-D0E6-4D76-A639-72E580E29047}">
-  <ds:schemaRefs>
-    <ds:schemaRef ds:uri="http://schemas.microsoft.com/VisualStudio/2011/storyboarding/control"/>
-  </ds:schemaRefs>
-</ds:datastoreItem>
-</file>
-
-<file path=customXml/itemProps59.xml><?xml version="1.0" encoding="utf-8"?>
-<ds:datastoreItem xmlns:ds="http://schemas.openxmlformats.org/officeDocument/2006/customXml" ds:itemID="{CAA62E3A-E1D3-48E6-902C-72278FCF572B}">
-  <ds:schemaRefs>
-    <ds:schemaRef ds:uri="http://schemas.microsoft.com/VisualStudio/2011/storyboarding/control"/>
-  </ds:schemaRefs>
-</ds:datastoreItem>
-</file>
-
-<file path=customXml/itemProps6.xml><?xml version="1.0" encoding="utf-8"?>
-<ds:datastoreItem xmlns:ds="http://schemas.openxmlformats.org/officeDocument/2006/customXml" ds:itemID="{4686712F-CBA4-47D3-833A-C2ADFEF753DD}">
-  <ds:schemaRefs>
-    <ds:schemaRef ds:uri="http://schemas.microsoft.com/VisualStudio/2011/storyboarding/control"/>
-  </ds:schemaRefs>
-</ds:datastoreItem>
-</file>
-
-<file path=customXml/itemProps60.xml><?xml version="1.0" encoding="utf-8"?>
-<ds:datastoreItem xmlns:ds="http://schemas.openxmlformats.org/officeDocument/2006/customXml" ds:itemID="{B1441669-2371-4AE4-A8B5-AFC09272AA93}">
-  <ds:schemaRefs>
-    <ds:schemaRef ds:uri="http://schemas.microsoft.com/VisualStudio/2011/storyboarding/control"/>
-  </ds:schemaRefs>
-</ds:datastoreItem>
-</file>
-
-<file path=customXml/itemProps61.xml><?xml version="1.0" encoding="utf-8"?>
-<ds:datastoreItem xmlns:ds="http://schemas.openxmlformats.org/officeDocument/2006/customXml" ds:itemID="{29B37182-9887-4972-8113-B6FBFE59F94E}">
-  <ds:schemaRefs>
-    <ds:schemaRef ds:uri="http://schemas.microsoft.com/VisualStudio/2011/storyboarding/control"/>
-  </ds:schemaRefs>
-</ds:datastoreItem>
-</file>
-
-<file path=customXml/itemProps62.xml><?xml version="1.0" encoding="utf-8"?>
-<ds:datastoreItem xmlns:ds="http://schemas.openxmlformats.org/officeDocument/2006/customXml" ds:itemID="{45B142F8-50A8-47EE-8945-EA0E8BEF71EB}">
-  <ds:schemaRefs>
-    <ds:schemaRef ds:uri="http://schemas.microsoft.com/VisualStudio/2011/storyboarding/control"/>
-  </ds:schemaRefs>
-</ds:datastoreItem>
-</file>
-
-<file path=customXml/itemProps63.xml><?xml version="1.0" encoding="utf-8"?>
-<ds:datastoreItem xmlns:ds="http://schemas.openxmlformats.org/officeDocument/2006/customXml" ds:itemID="{8B3DF17E-302B-453F-A2FD-6CDC4C0170AA}">
-  <ds:schemaRefs>
-    <ds:schemaRef ds:uri="http://schemas.microsoft.com/VisualStudio/2011/storyboarding/control"/>
-  </ds:schemaRefs>
-</ds:datastoreItem>
-</file>
-
-<file path=customXml/itemProps64.xml><?xml version="1.0" encoding="utf-8"?>
-<ds:datastoreItem xmlns:ds="http://schemas.openxmlformats.org/officeDocument/2006/customXml" ds:itemID="{5EEABA33-0BE1-47F9-8437-631F1B84355A}">
-  <ds:schemaRefs>
-    <ds:schemaRef ds:uri="http://schemas.microsoft.com/VisualStudio/2011/storyboarding/control"/>
-  </ds:schemaRefs>
-</ds:datastoreItem>
-</file>
-
-<file path=customXml/itemProps65.xml><?xml version="1.0" encoding="utf-8"?>
-<ds:datastoreItem xmlns:ds="http://schemas.openxmlformats.org/officeDocument/2006/customXml" ds:itemID="{13867D15-2F58-4836-9D34-D0E88BF26D4C}">
-  <ds:schemaRefs>
-    <ds:schemaRef ds:uri="http://schemas.microsoft.com/VisualStudio/2011/storyboarding/control"/>
-  </ds:schemaRefs>
-</ds:datastoreItem>
-</file>
-
-<file path=customXml/itemProps66.xml><?xml version="1.0" encoding="utf-8"?>
-<ds:datastoreItem xmlns:ds="http://schemas.openxmlformats.org/officeDocument/2006/customXml" ds:itemID="{3E9518F8-52DB-4512-B6E1-D4B81EC47F8E}">
-  <ds:schemaRefs>
-    <ds:schemaRef ds:uri="http://schemas.microsoft.com/VisualStudio/2011/storyboarding/control"/>
-  </ds:schemaRefs>
-</ds:datastoreItem>
-</file>
-
-<file path=customXml/itemProps67.xml><?xml version="1.0" encoding="utf-8"?>
-<ds:datastoreItem xmlns:ds="http://schemas.openxmlformats.org/officeDocument/2006/customXml" ds:itemID="{0AB71E67-FC2D-421E-B264-47BB552D5A5B}">
-  <ds:schemaRefs>
-    <ds:schemaRef ds:uri="http://schemas.microsoft.com/VisualStudio/2011/storyboarding/control"/>
-  </ds:schemaRefs>
-</ds:datastoreItem>
-</file>
-
-<file path=customXml/itemProps68.xml><?xml version="1.0" encoding="utf-8"?>
-<ds:datastoreItem xmlns:ds="http://schemas.openxmlformats.org/officeDocument/2006/customXml" ds:itemID="{F9A8EA35-007A-40F9-AD73-68499C4EFDFA}">
-  <ds:schemaRefs>
-    <ds:schemaRef ds:uri="http://schemas.microsoft.com/VisualStudio/2011/storyboarding/control"/>
-  </ds:schemaRefs>
-</ds:datastoreItem>
-</file>
-
-<file path=customXml/itemProps69.xml><?xml version="1.0" encoding="utf-8"?>
-<ds:datastoreItem xmlns:ds="http://schemas.openxmlformats.org/officeDocument/2006/customXml" ds:itemID="{B2016F61-92F9-4E0F-A353-39F009FA0B01}">
-  <ds:schemaRefs>
-    <ds:schemaRef ds:uri="http://schemas.microsoft.com/VisualStudio/2011/storyboarding/control"/>
-  </ds:schemaRefs>
-</ds:datastoreItem>
-</file>
-
-<file path=customXml/itemProps7.xml><?xml version="1.0" encoding="utf-8"?>
-<ds:datastoreItem xmlns:ds="http://schemas.openxmlformats.org/officeDocument/2006/customXml" ds:itemID="{ED7BDB59-BF74-409B-8509-C9B8AF445363}">
-  <ds:schemaRefs>
-    <ds:schemaRef ds:uri="http://schemas.microsoft.com/VisualStudio/2011/storyboarding/control"/>
-  </ds:schemaRefs>
-</ds:datastoreItem>
-</file>
-
-<file path=customXml/itemProps70.xml><?xml version="1.0" encoding="utf-8"?>
-<ds:datastoreItem xmlns:ds="http://schemas.openxmlformats.org/officeDocument/2006/customXml" ds:itemID="{2FCA7744-2BF3-4014-BEA7-E6EE6BE5E79E}">
-  <ds:schemaRefs>
-    <ds:schemaRef ds:uri="http://schemas.microsoft.com/VisualStudio/2011/storyboarding/control"/>
-  </ds:schemaRefs>
-</ds:datastoreItem>
-</file>
-
-<file path=customXml/itemProps71.xml><?xml version="1.0" encoding="utf-8"?>
-<ds:datastoreItem xmlns:ds="http://schemas.openxmlformats.org/officeDocument/2006/customXml" ds:itemID="{98F07B01-E4E8-4E44-B227-4A307E110F5E}">
-  <ds:schemaRefs>
-    <ds:schemaRef ds:uri="http://schemas.microsoft.com/VisualStudio/2011/storyboarding/control"/>
-  </ds:schemaRefs>
-</ds:datastoreItem>
-</file>
-
-<file path=customXml/itemProps72.xml><?xml version="1.0" encoding="utf-8"?>
-<ds:datastoreItem xmlns:ds="http://schemas.openxmlformats.org/officeDocument/2006/customXml" ds:itemID="{9FC86F31-FEBD-4500-B558-3A9092EE01B0}">
-  <ds:schemaRefs>
-    <ds:schemaRef ds:uri="http://schemas.microsoft.com/VisualStudio/2011/storyboarding/control"/>
-  </ds:schemaRefs>
-</ds:datastoreItem>
-</file>
-
-<file path=customXml/itemProps73.xml><?xml version="1.0" encoding="utf-8"?>
-<ds:datastoreItem xmlns:ds="http://schemas.openxmlformats.org/officeDocument/2006/customXml" ds:itemID="{0B25F2DC-DA1F-428C-A9D6-1915EDEAA8DD}">
-  <ds:schemaRefs>
-    <ds:schemaRef ds:uri="http://schemas.microsoft.com/VisualStudio/2011/storyboarding/control"/>
-  </ds:schemaRefs>
-</ds:datastoreItem>
-</file>
-
-<file path=customXml/itemProps74.xml><?xml version="1.0" encoding="utf-8"?>
-<ds:datastoreItem xmlns:ds="http://schemas.openxmlformats.org/officeDocument/2006/customXml" ds:itemID="{ED541B40-E3CF-47E9-8800-B673CC7C7D9E}">
-  <ds:schemaRefs>
-    <ds:schemaRef ds:uri="http://schemas.microsoft.com/VisualStudio/2011/storyboarding/control"/>
-  </ds:schemaRefs>
-</ds:datastoreItem>
-</file>
-
-<file path=customXml/itemProps75.xml><?xml version="1.0" encoding="utf-8"?>
-<ds:datastoreItem xmlns:ds="http://schemas.openxmlformats.org/officeDocument/2006/customXml" ds:itemID="{E475E16E-3D1A-4AA1-9265-74BC7689BD6B}">
-  <ds:schemaRefs>
-    <ds:schemaRef ds:uri="http://schemas.microsoft.com/VisualStudio/2011/storyboarding/control"/>
-  </ds:schemaRefs>
-</ds:datastoreItem>
-</file>
-
-<file path=customXml/itemProps76.xml><?xml version="1.0" encoding="utf-8"?>
+<file path=customXml/itemProps97.xml><?xml version="1.0" encoding="utf-8"?>
 <ds:datastoreItem xmlns:ds="http://schemas.openxmlformats.org/officeDocument/2006/customXml" ds:itemID="{9441CC7A-8DA1-4C19-B524-DD31C7A19972}">
   <ds:schemaRefs>
     <ds:schemaRef ds:uri="http://schemas.microsoft.com/VisualStudio/2011/storyboarding/control"/>
@@ -13022,183 +15284,7 @@
 </ds:datastoreItem>
 </file>
 
-<file path=customXml/itemProps77.xml><?xml version="1.0" encoding="utf-8"?>
-<ds:datastoreItem xmlns:ds="http://schemas.openxmlformats.org/officeDocument/2006/customXml" ds:itemID="{F3241CCA-9602-4CB8-B6FA-D8222B14826C}">
-  <ds:schemaRefs>
-    <ds:schemaRef ds:uri="http://schemas.microsoft.com/VisualStudio/2011/storyboarding/control"/>
-  </ds:schemaRefs>
-</ds:datastoreItem>
-</file>
-
-<file path=customXml/itemProps78.xml><?xml version="1.0" encoding="utf-8"?>
-<ds:datastoreItem xmlns:ds="http://schemas.openxmlformats.org/officeDocument/2006/customXml" ds:itemID="{92C514EF-47C3-4A1E-8CC0-C426C540F0A1}">
-  <ds:schemaRefs>
-    <ds:schemaRef ds:uri="http://schemas.microsoft.com/VisualStudio/2011/storyboarding/control"/>
-  </ds:schemaRefs>
-</ds:datastoreItem>
-</file>
-
-<file path=customXml/itemProps79.xml><?xml version="1.0" encoding="utf-8"?>
-<ds:datastoreItem xmlns:ds="http://schemas.openxmlformats.org/officeDocument/2006/customXml" ds:itemID="{E5DD84D4-A8CE-4783-AB20-E42165ABDFA7}">
-  <ds:schemaRefs>
-    <ds:schemaRef ds:uri="http://schemas.microsoft.com/VisualStudio/2011/storyboarding/control"/>
-  </ds:schemaRefs>
-</ds:datastoreItem>
-</file>
-
-<file path=customXml/itemProps8.xml><?xml version="1.0" encoding="utf-8"?>
-<ds:datastoreItem xmlns:ds="http://schemas.openxmlformats.org/officeDocument/2006/customXml" ds:itemID="{9A59C534-A299-402C-BDD6-F5443DFA7893}">
-  <ds:schemaRefs>
-    <ds:schemaRef ds:uri="http://schemas.microsoft.com/VisualStudio/2011/storyboarding/control"/>
-  </ds:schemaRefs>
-</ds:datastoreItem>
-</file>
-
-<file path=customXml/itemProps80.xml><?xml version="1.0" encoding="utf-8"?>
-<ds:datastoreItem xmlns:ds="http://schemas.openxmlformats.org/officeDocument/2006/customXml" ds:itemID="{AE608858-3A79-4E62-9586-14C746DF17FE}">
-  <ds:schemaRefs>
-    <ds:schemaRef ds:uri="http://schemas.microsoft.com/VisualStudio/2011/storyboarding/control"/>
-  </ds:schemaRefs>
-</ds:datastoreItem>
-</file>
-
-<file path=customXml/itemProps81.xml><?xml version="1.0" encoding="utf-8"?>
-<ds:datastoreItem xmlns:ds="http://schemas.openxmlformats.org/officeDocument/2006/customXml" ds:itemID="{46C8095E-E543-4B44-84A5-7DF9215641EF}">
-  <ds:schemaRefs>
-    <ds:schemaRef ds:uri="http://schemas.microsoft.com/VisualStudio/2011/storyboarding/control"/>
-  </ds:schemaRefs>
-</ds:datastoreItem>
-</file>
-
-<file path=customXml/itemProps82.xml><?xml version="1.0" encoding="utf-8"?>
-<ds:datastoreItem xmlns:ds="http://schemas.openxmlformats.org/officeDocument/2006/customXml" ds:itemID="{5248BC68-ADE7-429D-B013-9195EF7419E9}">
-  <ds:schemaRefs>
-    <ds:schemaRef ds:uri="http://schemas.microsoft.com/VisualStudio/2011/storyboarding/control"/>
-  </ds:schemaRefs>
-</ds:datastoreItem>
-</file>
-
-<file path=customXml/itemProps83.xml><?xml version="1.0" encoding="utf-8"?>
-<ds:datastoreItem xmlns:ds="http://schemas.openxmlformats.org/officeDocument/2006/customXml" ds:itemID="{E7741501-71C2-4C17-B4E1-815C0856C474}">
-  <ds:schemaRefs>
-    <ds:schemaRef ds:uri="http://schemas.microsoft.com/VisualStudio/2011/storyboarding/control"/>
-  </ds:schemaRefs>
-</ds:datastoreItem>
-</file>
-
-<file path=customXml/itemProps84.xml><?xml version="1.0" encoding="utf-8"?>
-<ds:datastoreItem xmlns:ds="http://schemas.openxmlformats.org/officeDocument/2006/customXml" ds:itemID="{1C9E4718-660A-46FF-B326-15E4FE359C0C}">
-  <ds:schemaRefs>
-    <ds:schemaRef ds:uri="http://schemas.microsoft.com/VisualStudio/2011/storyboarding/control"/>
-  </ds:schemaRefs>
-</ds:datastoreItem>
-</file>
-
-<file path=customXml/itemProps85.xml><?xml version="1.0" encoding="utf-8"?>
-<ds:datastoreItem xmlns:ds="http://schemas.openxmlformats.org/officeDocument/2006/customXml" ds:itemID="{4A328889-52D6-47EA-AA7A-7178F57DFC2D}">
-  <ds:schemaRefs>
-    <ds:schemaRef ds:uri="http://schemas.microsoft.com/VisualStudio/2011/storyboarding/control"/>
-  </ds:schemaRefs>
-</ds:datastoreItem>
-</file>
-
-<file path=customXml/itemProps86.xml><?xml version="1.0" encoding="utf-8"?>
-<ds:datastoreItem xmlns:ds="http://schemas.openxmlformats.org/officeDocument/2006/customXml" ds:itemID="{AA6A5E90-4733-4052-BD41-CDB87AFA6C57}">
-  <ds:schemaRefs>
-    <ds:schemaRef ds:uri="http://schemas.microsoft.com/VisualStudio/2011/storyboarding/control"/>
-  </ds:schemaRefs>
-</ds:datastoreItem>
-</file>
-
-<file path=customXml/itemProps87.xml><?xml version="1.0" encoding="utf-8"?>
-<ds:datastoreItem xmlns:ds="http://schemas.openxmlformats.org/officeDocument/2006/customXml" ds:itemID="{C95B04FA-49D0-4922-A7EB-76ADF3F5F5D3}">
-  <ds:schemaRefs>
-    <ds:schemaRef ds:uri="http://schemas.microsoft.com/VisualStudio/2011/storyboarding/control"/>
-  </ds:schemaRefs>
-</ds:datastoreItem>
-</file>
-
-<file path=customXml/itemProps88.xml><?xml version="1.0" encoding="utf-8"?>
-<ds:datastoreItem xmlns:ds="http://schemas.openxmlformats.org/officeDocument/2006/customXml" ds:itemID="{6A447DBB-2C85-4597-A0DB-C9A2322BAC8D}">
-  <ds:schemaRefs>
-    <ds:schemaRef ds:uri="http://schemas.microsoft.com/VisualStudio/2011/storyboarding/control"/>
-  </ds:schemaRefs>
-</ds:datastoreItem>
-</file>
-
-<file path=customXml/itemProps89.xml><?xml version="1.0" encoding="utf-8"?>
-<ds:datastoreItem xmlns:ds="http://schemas.openxmlformats.org/officeDocument/2006/customXml" ds:itemID="{0ACEBE80-DD25-46F5-ACB3-B9B1A4485D53}">
-  <ds:schemaRefs>
-    <ds:schemaRef ds:uri="http://schemas.microsoft.com/VisualStudio/2011/storyboarding/control"/>
-  </ds:schemaRefs>
-</ds:datastoreItem>
-</file>
-
-<file path=customXml/itemProps9.xml><?xml version="1.0" encoding="utf-8"?>
-<ds:datastoreItem xmlns:ds="http://schemas.openxmlformats.org/officeDocument/2006/customXml" ds:itemID="{790E7F39-81D7-4FDD-A0B5-0716A2AE74B2}">
-  <ds:schemaRefs>
-    <ds:schemaRef ds:uri="http://schemas.microsoft.com/VisualStudio/2011/storyboarding/control"/>
-  </ds:schemaRefs>
-</ds:datastoreItem>
-</file>
-
-<file path=customXml/itemProps90.xml><?xml version="1.0" encoding="utf-8"?>
-<ds:datastoreItem xmlns:ds="http://schemas.openxmlformats.org/officeDocument/2006/customXml" ds:itemID="{FE51AC1B-1271-4746-867D-55554D78B5AE}">
-  <ds:schemaRefs>
-    <ds:schemaRef ds:uri="http://schemas.microsoft.com/VisualStudio/2011/storyboarding/control"/>
-  </ds:schemaRefs>
-</ds:datastoreItem>
-</file>
-
-<file path=customXml/itemProps91.xml><?xml version="1.0" encoding="utf-8"?>
-<ds:datastoreItem xmlns:ds="http://schemas.openxmlformats.org/officeDocument/2006/customXml" ds:itemID="{59D0369F-25C4-46DE-8418-DF66EC3FEC68}">
-  <ds:schemaRefs>
-    <ds:schemaRef ds:uri="http://schemas.microsoft.com/VisualStudio/2011/storyboarding/control"/>
-  </ds:schemaRefs>
-</ds:datastoreItem>
-</file>
-
-<file path=customXml/itemProps92.xml><?xml version="1.0" encoding="utf-8"?>
-<ds:datastoreItem xmlns:ds="http://schemas.openxmlformats.org/officeDocument/2006/customXml" ds:itemID="{E56EDE5A-F97D-4AD1-8B27-19C05BC797E2}">
-  <ds:schemaRefs>
-    <ds:schemaRef ds:uri="http://schemas.microsoft.com/VisualStudio/2011/storyboarding/control"/>
-  </ds:schemaRefs>
-</ds:datastoreItem>
-</file>
-
-<file path=customXml/itemProps93.xml><?xml version="1.0" encoding="utf-8"?>
-<ds:datastoreItem xmlns:ds="http://schemas.openxmlformats.org/officeDocument/2006/customXml" ds:itemID="{FA631F3F-931D-4669-BD0B-F99571F5C429}">
-  <ds:schemaRefs>
-    <ds:schemaRef ds:uri="http://schemas.microsoft.com/VisualStudio/2011/storyboarding/control"/>
-  </ds:schemaRefs>
-</ds:datastoreItem>
-</file>
-
-<file path=customXml/itemProps94.xml><?xml version="1.0" encoding="utf-8"?>
-<ds:datastoreItem xmlns:ds="http://schemas.openxmlformats.org/officeDocument/2006/customXml" ds:itemID="{1367878A-D08E-41A0-BE0F-87325A2CCFA2}">
-  <ds:schemaRefs>
-    <ds:schemaRef ds:uri="http://schemas.microsoft.com/VisualStudio/2011/storyboarding/control"/>
-  </ds:schemaRefs>
-</ds:datastoreItem>
-</file>
-
-<file path=customXml/itemProps95.xml><?xml version="1.0" encoding="utf-8"?>
-<ds:datastoreItem xmlns:ds="http://schemas.openxmlformats.org/officeDocument/2006/customXml" ds:itemID="{FF00F683-10CA-4344-BB02-557AFC229713}">
-  <ds:schemaRefs>
-    <ds:schemaRef ds:uri="http://schemas.microsoft.com/VisualStudio/2011/storyboarding/control"/>
-  </ds:schemaRefs>
-</ds:datastoreItem>
-</file>
-
-<file path=customXml/itemProps96.xml><?xml version="1.0" encoding="utf-8"?>
-<ds:datastoreItem xmlns:ds="http://schemas.openxmlformats.org/officeDocument/2006/customXml" ds:itemID="{D544E426-85A9-48AB-BB78-E3AD0590EC7C}">
-  <ds:schemaRefs>
-    <ds:schemaRef ds:uri="http://schemas.microsoft.com/VisualStudio/2011/storyboarding/control"/>
-  </ds:schemaRefs>
-</ds:datastoreItem>
-</file>
-
-<file path=customXml/itemProps97.xml><?xml version="1.0" encoding="utf-8"?>
+<file path=customXml/itemProps98.xml><?xml version="1.0" encoding="utf-8"?>
 <ds:datastoreItem xmlns:ds="http://schemas.openxmlformats.org/officeDocument/2006/customXml" ds:itemID="{2373FA59-A4C7-4E40-BF8A-FEF69ED346A4}">
   <ds:schemaRefs>
     <ds:schemaRef ds:uri="http://schemas.microsoft.com/VisualStudio/2011/storyboarding/control"/>
@@ -13206,16 +15292,8 @@
 </ds:datastoreItem>
 </file>
 
-<file path=customXml/itemProps98.xml><?xml version="1.0" encoding="utf-8"?>
-<ds:datastoreItem xmlns:ds="http://schemas.openxmlformats.org/officeDocument/2006/customXml" ds:itemID="{45D0D449-A17D-45A3-B4E7-E173226B985A}">
-  <ds:schemaRefs>
-    <ds:schemaRef ds:uri="http://schemas.microsoft.com/VisualStudio/2011/storyboarding/control"/>
-  </ds:schemaRefs>
-</ds:datastoreItem>
-</file>
-
 <file path=customXml/itemProps99.xml><?xml version="1.0" encoding="utf-8"?>
-<ds:datastoreItem xmlns:ds="http://schemas.openxmlformats.org/officeDocument/2006/customXml" ds:itemID="{5D43C5DF-C9CE-423E-ADD8-1AAE08E6145B}">
+<ds:datastoreItem xmlns:ds="http://schemas.openxmlformats.org/officeDocument/2006/customXml" ds:itemID="{69C5573C-4D11-4ED5-8CA8-88391EEEF019}">
   <ds:schemaRefs>
     <ds:schemaRef ds:uri="http://schemas.microsoft.com/VisualStudio/2011/storyboarding/control"/>
   </ds:schemaRefs>
